--- a/AdvancedRxSwift/day5/AdvancedRxSwift5.pptx
+++ b/AdvancedRxSwift/day5/AdvancedRxSwift5.pptx
@@ -5,7 +5,7 @@
     <p:sldMasterId id="2147483657" r:id="rId1"/>
   </p:sldMasterIdLst>
   <p:notesMasterIdLst>
-    <p:notesMasterId r:id="rId17"/>
+    <p:notesMasterId r:id="rId16"/>
   </p:notesMasterIdLst>
   <p:sldIdLst>
     <p:sldId id="256" r:id="rId2"/>
@@ -15,14 +15,13 @@
     <p:sldId id="345" r:id="rId6"/>
     <p:sldId id="354" r:id="rId7"/>
     <p:sldId id="353" r:id="rId8"/>
-    <p:sldId id="351" r:id="rId9"/>
-    <p:sldId id="355" r:id="rId10"/>
-    <p:sldId id="352" r:id="rId11"/>
-    <p:sldId id="356" r:id="rId12"/>
-    <p:sldId id="357" r:id="rId13"/>
-    <p:sldId id="358" r:id="rId14"/>
-    <p:sldId id="359" r:id="rId15"/>
-    <p:sldId id="360" r:id="rId16"/>
+    <p:sldId id="355" r:id="rId9"/>
+    <p:sldId id="352" r:id="rId10"/>
+    <p:sldId id="356" r:id="rId11"/>
+    <p:sldId id="357" r:id="rId12"/>
+    <p:sldId id="358" r:id="rId13"/>
+    <p:sldId id="359" r:id="rId14"/>
+    <p:sldId id="360" r:id="rId15"/>
   </p:sldIdLst>
   <p:sldSz cx="9144000" cy="5143500" type="screen16x9"/>
   <p:notesSz cx="6858000" cy="9144000"/>
@@ -1017,107 +1016,6 @@
 </file>
 
 <file path=ppt/notesSlides/notesSlide14.xml><?xml version="1.0" encoding="utf-8"?>
-<p:notes xmlns:a="http://schemas.openxmlformats.org/drawingml/2006/main" xmlns:r="http://schemas.openxmlformats.org/officeDocument/2006/relationships" xmlns:p="http://schemas.openxmlformats.org/presentationml/2006/main" showMasterSp="0" showMasterPhAnim="0">
-  <p:cSld>
-    <p:spTree>
-      <p:nvGrpSpPr>
-        <p:cNvPr id="1" name="Shape 185"/>
-        <p:cNvGrpSpPr/>
-        <p:nvPr/>
-      </p:nvGrpSpPr>
-      <p:grpSpPr>
-        <a:xfrm>
-          <a:off x="0" y="0"/>
-          <a:ext cx="0" cy="0"/>
-          <a:chOff x="0" y="0"/>
-          <a:chExt cx="0" cy="0"/>
-        </a:xfrm>
-      </p:grpSpPr>
-      <p:sp>
-        <p:nvSpPr>
-          <p:cNvPr id="186" name="Shape 186"/>
-          <p:cNvSpPr>
-            <a:spLocks noGrp="1" noRot="1" noChangeAspect="1"/>
-          </p:cNvSpPr>
-          <p:nvPr>
-            <p:ph type="sldImg" idx="2"/>
-          </p:nvPr>
-        </p:nvSpPr>
-        <p:spPr>
-          <a:xfrm>
-            <a:off x="381000" y="685800"/>
-            <a:ext cx="6096000" cy="3429000"/>
-          </a:xfrm>
-          <a:custGeom>
-            <a:avLst/>
-            <a:gdLst/>
-            <a:ahLst/>
-            <a:cxnLst/>
-            <a:rect l="0" t="0" r="0" b="0"/>
-            <a:pathLst>
-              <a:path w="120000" h="120000" extrusionOk="0">
-                <a:moveTo>
-                  <a:pt x="0" y="0"/>
-                </a:moveTo>
-                <a:lnTo>
-                  <a:pt x="120000" y="0"/>
-                </a:lnTo>
-                <a:lnTo>
-                  <a:pt x="120000" y="120000"/>
-                </a:lnTo>
-                <a:lnTo>
-                  <a:pt x="0" y="120000"/>
-                </a:lnTo>
-                <a:close/>
-              </a:path>
-            </a:pathLst>
-          </a:custGeom>
-        </p:spPr>
-      </p:sp>
-      <p:sp>
-        <p:nvSpPr>
-          <p:cNvPr id="187" name="Shape 187"/>
-          <p:cNvSpPr txBox="1">
-            <a:spLocks noGrp="1"/>
-          </p:cNvSpPr>
-          <p:nvPr>
-            <p:ph type="body" idx="1"/>
-          </p:nvPr>
-        </p:nvSpPr>
-        <p:spPr>
-          <a:xfrm>
-            <a:off x="685800" y="4343400"/>
-            <a:ext cx="5486400" cy="4114800"/>
-          </a:xfrm>
-          <a:prstGeom prst="rect">
-            <a:avLst/>
-          </a:prstGeom>
-        </p:spPr>
-        <p:txBody>
-          <a:bodyPr wrap="square" lIns="91425" tIns="91425" rIns="91425" bIns="91425" anchor="t" anchorCtr="0">
-            <a:noAutofit/>
-          </a:bodyPr>
-          <a:lstStyle/>
-          <a:p>
-            <a:pPr lvl="0">
-              <a:spcBef>
-                <a:spcPts val="0"/>
-              </a:spcBef>
-              <a:buNone/>
-            </a:pPr>
-            <a:endParaRPr/>
-          </a:p>
-        </p:txBody>
-      </p:sp>
-    </p:spTree>
-  </p:cSld>
-  <p:clrMapOvr>
-    <a:masterClrMapping/>
-  </p:clrMapOvr>
-</p:notes>
-</file>
-
-<file path=ppt/notesSlides/notesSlide15.xml><?xml version="1.0" encoding="utf-8"?>
 <p:notes xmlns:a="http://schemas.openxmlformats.org/drawingml/2006/main" xmlns:r="http://schemas.openxmlformats.org/officeDocument/2006/relationships" xmlns:p="http://schemas.openxmlformats.org/presentationml/2006/main" showMasterSp="0" showMasterPhAnim="0">
   <p:cSld>
     <p:spTree>
@@ -4831,8 +4729,8 @@
         </p:nvSpPr>
         <p:spPr>
           <a:xfrm>
-            <a:off x="1142462" y="1613657"/>
-            <a:ext cx="5032936" cy="1815882"/>
+            <a:off x="49459" y="1351115"/>
+            <a:ext cx="7757202" cy="3231653"/>
           </a:xfrm>
           <a:prstGeom prst="rect">
             <a:avLst/>
@@ -4846,164 +4744,410 @@
           <a:lstStyle/>
           <a:p>
             <a:r>
-              <a:rPr lang="en-US" dirty="0" err="1">
-                <a:latin typeface="Courier"/>
-                <a:cs typeface="Courier"/>
-              </a:rPr>
-              <a:t>struct</a:t>
-            </a:r>
-            <a:r>
-              <a:rPr lang="en-US" dirty="0">
+              <a:rPr lang="en-US" sz="1200" dirty="0" err="1">
+                <a:latin typeface="Courier"/>
+                <a:cs typeface="Courier"/>
+              </a:rPr>
+              <a:t>func</a:t>
+            </a:r>
+            <a:r>
+              <a:rPr lang="en-US" sz="1200" dirty="0">
                 <a:latin typeface="Courier"/>
                 <a:cs typeface="Courier"/>
               </a:rPr>
               <a:t> </a:t>
             </a:r>
             <a:r>
-              <a:rPr lang="en-US" dirty="0" err="1">
-                <a:latin typeface="Courier"/>
-                <a:cs typeface="Courier"/>
-              </a:rPr>
-              <a:t>CornSorter</a:t>
-            </a:r>
-            <a:r>
-              <a:rPr lang="en-US" dirty="0">
-                <a:latin typeface="Courier"/>
-                <a:cs typeface="Courier"/>
-              </a:rPr>
-              <a:t> {</a:t>
-            </a:r>
-          </a:p>
-          <a:p>
-            <a:r>
-              <a:rPr lang="en-US" dirty="0">
-                <a:latin typeface="Courier"/>
-                <a:cs typeface="Courier"/>
-              </a:rPr>
-              <a:t>    let </a:t>
-            </a:r>
-            <a:r>
-              <a:rPr lang="en-US" dirty="0" err="1">
-                <a:latin typeface="Courier"/>
-                <a:cs typeface="Courier"/>
-              </a:rPr>
-              <a:t>barnStream</a:t>
-            </a:r>
-            <a:r>
-              <a:rPr lang="en-US" dirty="0">
-                <a:latin typeface="Courier"/>
-                <a:cs typeface="Courier"/>
-              </a:rPr>
-              <a:t>: Observable&lt;String&gt;</a:t>
-            </a:r>
-          </a:p>
-          <a:p>
-            <a:r>
-              <a:rPr lang="mr-IN" dirty="0">
-                <a:latin typeface="Courier"/>
-                <a:cs typeface="Courier"/>
-              </a:rPr>
-              <a:t>    </a:t>
-            </a:r>
-          </a:p>
-          <a:p>
-            <a:r>
-              <a:rPr lang="en-US" dirty="0">
-                <a:latin typeface="Courier"/>
-                <a:cs typeface="Courier"/>
-              </a:rPr>
-              <a:t>    </a:t>
-            </a:r>
-            <a:r>
-              <a:rPr lang="en-US" dirty="0" err="1">
-                <a:latin typeface="Courier"/>
-                <a:cs typeface="Courier"/>
-              </a:rPr>
-              <a:t>init</a:t>
-            </a:r>
-            <a:r>
-              <a:rPr lang="en-US" dirty="0">
+              <a:rPr lang="en-US" sz="1200" dirty="0" err="1">
+                <a:latin typeface="Courier"/>
+                <a:cs typeface="Courier"/>
+              </a:rPr>
+              <a:t>testCornSorter</a:t>
+            </a:r>
+            <a:r>
+              <a:rPr lang="en-US" sz="1200" dirty="0">
+                <a:latin typeface="Courier"/>
+                <a:cs typeface="Courier"/>
+              </a:rPr>
+              <a:t>() {</a:t>
+            </a:r>
+          </a:p>
+          <a:p>
+            <a:r>
+              <a:rPr lang="en-US" sz="1200" dirty="0">
+                <a:latin typeface="Courier"/>
+                <a:cs typeface="Courier"/>
+              </a:rPr>
+              <a:t>        </a:t>
+            </a:r>
+            <a:r>
+              <a:rPr lang="en-US" sz="1200" dirty="0" err="1">
+                <a:latin typeface="Courier"/>
+                <a:cs typeface="Courier"/>
+              </a:rPr>
+              <a:t>var</a:t>
+            </a:r>
+            <a:r>
+              <a:rPr lang="en-US" sz="1200" dirty="0">
+                <a:latin typeface="Courier"/>
+                <a:cs typeface="Courier"/>
+              </a:rPr>
+              <a:t> scheduler: </a:t>
+            </a:r>
+            <a:r>
+              <a:rPr lang="en-US" sz="1200" dirty="0" err="1">
+                <a:latin typeface="Courier"/>
+                <a:cs typeface="Courier"/>
+              </a:rPr>
+              <a:t>TestScheduler</a:t>
+            </a:r>
+            <a:r>
+              <a:rPr lang="en-US" sz="1200" dirty="0">
+                <a:latin typeface="Courier"/>
+                <a:cs typeface="Courier"/>
+              </a:rPr>
+              <a:t>!</a:t>
+            </a:r>
+          </a:p>
+          <a:p>
+            <a:r>
+              <a:rPr lang="en-US" sz="1200" dirty="0">
+                <a:latin typeface="Courier"/>
+                <a:cs typeface="Courier"/>
+              </a:rPr>
+              <a:t>        let </a:t>
+            </a:r>
+            <a:r>
+              <a:rPr lang="en-US" sz="1200" dirty="0" err="1">
+                <a:latin typeface="Courier"/>
+                <a:cs typeface="Courier"/>
+              </a:rPr>
+              <a:t>disposeBag</a:t>
+            </a:r>
+            <a:r>
+              <a:rPr lang="en-US" sz="1200" dirty="0">
+                <a:latin typeface="Courier"/>
+                <a:cs typeface="Courier"/>
+              </a:rPr>
+              <a:t> = </a:t>
+            </a:r>
+            <a:r>
+              <a:rPr lang="en-US" sz="1200" dirty="0" err="1">
+                <a:latin typeface="Courier"/>
+                <a:cs typeface="Courier"/>
+              </a:rPr>
+              <a:t>DisposeBag</a:t>
+            </a:r>
+            <a:r>
+              <a:rPr lang="en-US" sz="1200" dirty="0">
+                <a:latin typeface="Courier"/>
+                <a:cs typeface="Courier"/>
+              </a:rPr>
+              <a:t>()</a:t>
+            </a:r>
+          </a:p>
+          <a:p>
+            <a:r>
+              <a:rPr lang="mr-IN" sz="1200" dirty="0">
+                <a:latin typeface="Courier"/>
+                <a:cs typeface="Courier"/>
+              </a:rPr>
+              <a:t>        </a:t>
+            </a:r>
+          </a:p>
+          <a:p>
+            <a:r>
+              <a:rPr lang="en-US" sz="1200" dirty="0">
+                <a:latin typeface="Courier"/>
+                <a:cs typeface="Courier"/>
+              </a:rPr>
+              <a:t>        scheduler = </a:t>
+            </a:r>
+            <a:r>
+              <a:rPr lang="en-US" sz="1200" dirty="0" err="1">
+                <a:latin typeface="Courier"/>
+                <a:cs typeface="Courier"/>
+              </a:rPr>
+              <a:t>TestScheduler</a:t>
+            </a:r>
+            <a:r>
+              <a:rPr lang="en-US" sz="1200" dirty="0">
                 <a:latin typeface="Courier"/>
                 <a:cs typeface="Courier"/>
               </a:rPr>
               <a:t>(</a:t>
             </a:r>
             <a:r>
-              <a:rPr lang="en-US" dirty="0" err="1">
-                <a:latin typeface="Courier"/>
-                <a:cs typeface="Courier"/>
-              </a:rPr>
-              <a:t>tractorStream</a:t>
-            </a:r>
-            <a:r>
-              <a:rPr lang="en-US" dirty="0">
-                <a:latin typeface="Courier"/>
-                <a:cs typeface="Courier"/>
-              </a:rPr>
-              <a:t>: Observable&lt;String&gt;) {</a:t>
-            </a:r>
-          </a:p>
-          <a:p>
-            <a:r>
-              <a:rPr lang="en-US" dirty="0">
-                <a:latin typeface="Courier"/>
-                <a:cs typeface="Courier"/>
-              </a:rPr>
-              <a:t>        </a:t>
-            </a:r>
-            <a:r>
-              <a:rPr lang="en-US" dirty="0" err="1">
-                <a:latin typeface="Courier"/>
-                <a:cs typeface="Courier"/>
-              </a:rPr>
-              <a:t>barnStream</a:t>
-            </a:r>
-            <a:r>
-              <a:rPr lang="en-US" dirty="0">
-                <a:latin typeface="Courier"/>
-                <a:cs typeface="Courier"/>
-              </a:rPr>
-              <a:t> = </a:t>
-            </a:r>
-            <a:r>
-              <a:rPr lang="en-US" dirty="0" err="1">
-                <a:latin typeface="Courier"/>
-                <a:cs typeface="Courier"/>
-              </a:rPr>
-              <a:t>tractorStream</a:t>
-            </a:r>
-            <a:endParaRPr lang="en-US" dirty="0">
+              <a:rPr lang="en-US" sz="1200" dirty="0" err="1">
+                <a:latin typeface="Courier"/>
+                <a:cs typeface="Courier"/>
+              </a:rPr>
+              <a:t>initialClock</a:t>
+            </a:r>
+            <a:r>
+              <a:rPr lang="en-US" sz="1200" dirty="0">
+                <a:latin typeface="Courier"/>
+                <a:cs typeface="Courier"/>
+              </a:rPr>
+              <a:t>: 0</a:t>
+            </a:r>
+            <a:r>
+              <a:rPr lang="en-US" sz="1200" dirty="0" smtClean="0">
+                <a:latin typeface="Courier"/>
+                <a:cs typeface="Courier"/>
+              </a:rPr>
+              <a:t>)</a:t>
+            </a:r>
+            <a:endParaRPr lang="mr-IN" sz="1200" dirty="0">
               <a:latin typeface="Courier"/>
               <a:cs typeface="Courier"/>
             </a:endParaRPr>
           </a:p>
           <a:p>
             <a:r>
-              <a:rPr lang="mr-IN" dirty="0">
-                <a:latin typeface="Courier"/>
-                <a:cs typeface="Courier"/>
-              </a:rPr>
-              <a:t>            .filter { $0 == "🌽" }</a:t>
-            </a:r>
-          </a:p>
-          <a:p>
-            <a:r>
-              <a:rPr lang="mr-IN" dirty="0">
-                <a:latin typeface="Courier"/>
-                <a:cs typeface="Courier"/>
-              </a:rPr>
-              <a:t>    }</a:t>
-            </a:r>
-          </a:p>
-          <a:p>
-            <a:r>
-              <a:rPr lang="mr-IN" dirty="0">
-                <a:latin typeface="Courier"/>
-                <a:cs typeface="Courier"/>
-              </a:rPr>
-              <a:t>}</a:t>
-            </a:r>
-            <a:endParaRPr lang="en-US" dirty="0">
+              <a:rPr lang="en-US" sz="1200" dirty="0">
+                <a:latin typeface="Courier"/>
+                <a:cs typeface="Courier"/>
+              </a:rPr>
+              <a:t>        let </a:t>
+            </a:r>
+            <a:r>
+              <a:rPr lang="en-US" sz="1200" dirty="0" err="1">
+                <a:latin typeface="Courier"/>
+                <a:cs typeface="Courier"/>
+              </a:rPr>
+              <a:t>testObserver</a:t>
+            </a:r>
+            <a:r>
+              <a:rPr lang="en-US" sz="1200" dirty="0">
+                <a:latin typeface="Courier"/>
+                <a:cs typeface="Courier"/>
+              </a:rPr>
+              <a:t> = </a:t>
+            </a:r>
+            <a:r>
+              <a:rPr lang="en-US" sz="1200" dirty="0" err="1">
+                <a:latin typeface="Courier"/>
+                <a:cs typeface="Courier"/>
+              </a:rPr>
+              <a:t>scheduler.createObserver</a:t>
+            </a:r>
+            <a:r>
+              <a:rPr lang="en-US" sz="1200" dirty="0">
+                <a:latin typeface="Courier"/>
+                <a:cs typeface="Courier"/>
+              </a:rPr>
+              <a:t>(</a:t>
+            </a:r>
+            <a:r>
+              <a:rPr lang="en-US" sz="1200" dirty="0" err="1">
+                <a:latin typeface="Courier"/>
+                <a:cs typeface="Courier"/>
+              </a:rPr>
+              <a:t>String.self</a:t>
+            </a:r>
+            <a:r>
+              <a:rPr lang="en-US" sz="1200" dirty="0" smtClean="0">
+                <a:latin typeface="Courier"/>
+                <a:cs typeface="Courier"/>
+              </a:rPr>
+              <a:t>)</a:t>
+            </a:r>
+            <a:endParaRPr lang="mr-IN" sz="1200" dirty="0">
+              <a:latin typeface="Courier"/>
+              <a:cs typeface="Courier"/>
+            </a:endParaRPr>
+          </a:p>
+          <a:p>
+            <a:r>
+              <a:rPr lang="mr-IN" sz="1200" dirty="0">
+                <a:latin typeface="Courier"/>
+                <a:cs typeface="Courier"/>
+              </a:rPr>
+              <a:t>        // Given</a:t>
+            </a:r>
+          </a:p>
+          <a:p>
+            <a:r>
+              <a:rPr lang="en-US" sz="1200" dirty="0">
+                <a:latin typeface="Courier"/>
+                <a:cs typeface="Courier"/>
+              </a:rPr>
+              <a:t>        let </a:t>
+            </a:r>
+            <a:r>
+              <a:rPr lang="en-US" sz="1200" dirty="0" err="1">
+                <a:latin typeface="Courier"/>
+                <a:cs typeface="Courier"/>
+              </a:rPr>
+              <a:t>observableInput</a:t>
+            </a:r>
+            <a:r>
+              <a:rPr lang="en-US" sz="1200" dirty="0">
+                <a:latin typeface="Courier"/>
+                <a:cs typeface="Courier"/>
+              </a:rPr>
+              <a:t> = </a:t>
+            </a:r>
+            <a:r>
+              <a:rPr lang="en-US" sz="1200" dirty="0" err="1">
+                <a:latin typeface="Courier"/>
+                <a:cs typeface="Courier"/>
+              </a:rPr>
+              <a:t>scheduler.createHotObservable</a:t>
+            </a:r>
+            <a:r>
+              <a:rPr lang="en-US" sz="1200" dirty="0">
+                <a:latin typeface="Courier"/>
+                <a:cs typeface="Courier"/>
+              </a:rPr>
+              <a:t>([</a:t>
+            </a:r>
+          </a:p>
+          <a:p>
+            <a:r>
+              <a:rPr lang="mr-IN" sz="1200" dirty="0">
+                <a:latin typeface="Courier"/>
+                <a:cs typeface="Courier"/>
+              </a:rPr>
+              <a:t>            // 2</a:t>
+            </a:r>
+          </a:p>
+          <a:p>
+            <a:r>
+              <a:rPr lang="mr-IN" sz="1200" dirty="0">
+                <a:latin typeface="Courier"/>
+                <a:cs typeface="Courier"/>
+              </a:rPr>
+              <a:t>            Recorded.next(100, "🌽"),</a:t>
+            </a:r>
+          </a:p>
+          <a:p>
+            <a:r>
+              <a:rPr lang="mr-IN" sz="1200" dirty="0">
+                <a:latin typeface="Courier"/>
+                <a:cs typeface="Courier"/>
+              </a:rPr>
+              <a:t>            Recorded.next(200, "🐛"),</a:t>
+            </a:r>
+          </a:p>
+          <a:p>
+            <a:r>
+              <a:rPr lang="mr-IN" sz="1200" dirty="0">
+                <a:latin typeface="Courier"/>
+                <a:cs typeface="Courier"/>
+              </a:rPr>
+              <a:t>            Recorded.next(300, "🐭"),</a:t>
+            </a:r>
+          </a:p>
+          <a:p>
+            <a:r>
+              <a:rPr lang="mr-IN" sz="1200" dirty="0">
+                <a:latin typeface="Courier"/>
+                <a:cs typeface="Courier"/>
+              </a:rPr>
+              <a:t>            Recorded.next(400, "🌽"),</a:t>
+            </a:r>
+          </a:p>
+          <a:p>
+            <a:r>
+              <a:rPr lang="mr-IN" sz="1200" dirty="0">
+                <a:latin typeface="Courier"/>
+                <a:cs typeface="Courier"/>
+              </a:rPr>
+              <a:t>            Recorded.next(500, "🐝"),</a:t>
+            </a:r>
+          </a:p>
+          <a:p>
+            <a:r>
+              <a:rPr lang="mr-IN" sz="1200" dirty="0">
+                <a:latin typeface="Courier"/>
+                <a:cs typeface="Courier"/>
+              </a:rPr>
+              <a:t>            Recorded.next(600, "🐞")</a:t>
+            </a:r>
+          </a:p>
+          <a:p>
+            <a:r>
+              <a:rPr lang="mr-IN" sz="1200" dirty="0">
+                <a:latin typeface="Courier"/>
+                <a:cs typeface="Courier"/>
+              </a:rPr>
+              <a:t>            ])</a:t>
+            </a:r>
+          </a:p>
+          <a:p>
+            <a:r>
+              <a:rPr lang="en-US" sz="1200" dirty="0">
+                <a:latin typeface="Courier"/>
+                <a:cs typeface="Courier"/>
+              </a:rPr>
+              <a:t>        let </a:t>
+            </a:r>
+            <a:r>
+              <a:rPr lang="en-US" sz="1200" dirty="0" err="1">
+                <a:latin typeface="Courier"/>
+                <a:cs typeface="Courier"/>
+              </a:rPr>
+              <a:t>cornSorter</a:t>
+            </a:r>
+            <a:r>
+              <a:rPr lang="en-US" sz="1200" dirty="0">
+                <a:latin typeface="Courier"/>
+                <a:cs typeface="Courier"/>
+              </a:rPr>
+              <a:t> = </a:t>
+            </a:r>
+            <a:r>
+              <a:rPr lang="en-US" sz="1200" dirty="0" err="1">
+                <a:latin typeface="Courier"/>
+                <a:cs typeface="Courier"/>
+              </a:rPr>
+              <a:t>CornSorter</a:t>
+            </a:r>
+            <a:r>
+              <a:rPr lang="en-US" sz="1200" dirty="0">
+                <a:latin typeface="Courier"/>
+                <a:cs typeface="Courier"/>
+              </a:rPr>
+              <a:t>(</a:t>
+            </a:r>
+            <a:r>
+              <a:rPr lang="en-US" sz="1200" dirty="0" err="1">
+                <a:latin typeface="Courier"/>
+                <a:cs typeface="Courier"/>
+              </a:rPr>
+              <a:t>tractorStream</a:t>
+            </a:r>
+            <a:r>
+              <a:rPr lang="en-US" sz="1200" dirty="0">
+                <a:latin typeface="Courier"/>
+                <a:cs typeface="Courier"/>
+              </a:rPr>
+              <a:t>: </a:t>
+            </a:r>
+            <a:r>
+              <a:rPr lang="en-US" sz="1200" dirty="0" err="1">
+                <a:latin typeface="Courier"/>
+                <a:cs typeface="Courier"/>
+              </a:rPr>
+              <a:t>observableInput.asObservable</a:t>
+            </a:r>
+            <a:r>
+              <a:rPr lang="en-US" sz="1200" dirty="0">
+                <a:latin typeface="Courier"/>
+                <a:cs typeface="Courier"/>
+              </a:rPr>
+              <a:t>()</a:t>
+            </a:r>
+            <a:r>
+              <a:rPr lang="en-US" sz="1200" dirty="0" smtClean="0">
+                <a:latin typeface="Courier"/>
+                <a:cs typeface="Courier"/>
+              </a:rPr>
+              <a:t>)</a:t>
+            </a:r>
+            <a:endParaRPr lang="en-US" sz="1200" dirty="0">
               <a:latin typeface="Courier"/>
               <a:cs typeface="Courier"/>
             </a:endParaRPr>
@@ -5013,7 +5157,7 @@
     </p:spTree>
     <p:extLst>
       <p:ext uri="{BB962C8B-B14F-4D97-AF65-F5344CB8AC3E}">
-        <p14:creationId xmlns:p14="http://schemas.microsoft.com/office/powerpoint/2010/main" val="3507461021"/>
+        <p14:creationId xmlns:p14="http://schemas.microsoft.com/office/powerpoint/2010/main" val="4182838520"/>
       </p:ext>
     </p:extLst>
   </p:cSld>
@@ -5163,8 +5307,8 @@
         </p:nvSpPr>
         <p:spPr>
           <a:xfrm>
-            <a:off x="49459" y="1351115"/>
-            <a:ext cx="7757202" cy="3231653"/>
+            <a:off x="257960" y="1474644"/>
+            <a:ext cx="4648102" cy="2492990"/>
           </a:xfrm>
           <a:prstGeom prst="rect">
             <a:avLst/>
@@ -5178,161 +5322,36 @@
           <a:lstStyle/>
           <a:p>
             <a:r>
+              <a:rPr lang="mr-IN" sz="1200" dirty="0" smtClean="0">
+                <a:latin typeface="Courier"/>
+                <a:cs typeface="Courier"/>
+              </a:rPr>
+              <a:t>        </a:t>
+            </a:r>
+            <a:r>
+              <a:rPr lang="mr-IN" sz="1200" dirty="0">
+                <a:latin typeface="Courier"/>
+                <a:cs typeface="Courier"/>
+              </a:rPr>
+              <a:t>// When</a:t>
+            </a:r>
+          </a:p>
+          <a:p>
+            <a:r>
+              <a:rPr lang="en-US" sz="1200" dirty="0">
+                <a:latin typeface="Courier"/>
+                <a:cs typeface="Courier"/>
+              </a:rPr>
+              <a:t>        </a:t>
+            </a:r>
+            <a:r>
               <a:rPr lang="en-US" sz="1200" dirty="0" err="1">
                 <a:latin typeface="Courier"/>
                 <a:cs typeface="Courier"/>
               </a:rPr>
-              <a:t>func</a:t>
-            </a:r>
-            <a:r>
-              <a:rPr lang="en-US" sz="1200" dirty="0">
-                <a:latin typeface="Courier"/>
-                <a:cs typeface="Courier"/>
-              </a:rPr>
-              <a:t> </a:t>
-            </a:r>
-            <a:r>
-              <a:rPr lang="en-US" sz="1200" dirty="0" err="1">
-                <a:latin typeface="Courier"/>
-                <a:cs typeface="Courier"/>
-              </a:rPr>
-              <a:t>testCornSorter</a:t>
-            </a:r>
-            <a:r>
-              <a:rPr lang="en-US" sz="1200" dirty="0">
-                <a:latin typeface="Courier"/>
-                <a:cs typeface="Courier"/>
-              </a:rPr>
-              <a:t>() {</a:t>
-            </a:r>
-          </a:p>
-          <a:p>
-            <a:r>
-              <a:rPr lang="en-US" sz="1200" dirty="0">
-                <a:latin typeface="Courier"/>
-                <a:cs typeface="Courier"/>
-              </a:rPr>
-              <a:t>        </a:t>
-            </a:r>
-            <a:r>
-              <a:rPr lang="en-US" sz="1200" dirty="0" err="1">
-                <a:latin typeface="Courier"/>
-                <a:cs typeface="Courier"/>
-              </a:rPr>
-              <a:t>var</a:t>
-            </a:r>
-            <a:r>
-              <a:rPr lang="en-US" sz="1200" dirty="0">
-                <a:latin typeface="Courier"/>
-                <a:cs typeface="Courier"/>
-              </a:rPr>
-              <a:t> scheduler: </a:t>
-            </a:r>
-            <a:r>
-              <a:rPr lang="en-US" sz="1200" dirty="0" err="1">
-                <a:latin typeface="Courier"/>
-                <a:cs typeface="Courier"/>
-              </a:rPr>
-              <a:t>TestScheduler</a:t>
-            </a:r>
-            <a:r>
-              <a:rPr lang="en-US" sz="1200" dirty="0">
-                <a:latin typeface="Courier"/>
-                <a:cs typeface="Courier"/>
-              </a:rPr>
-              <a:t>!</a:t>
-            </a:r>
-          </a:p>
-          <a:p>
-            <a:r>
-              <a:rPr lang="en-US" sz="1200" dirty="0">
-                <a:latin typeface="Courier"/>
-                <a:cs typeface="Courier"/>
-              </a:rPr>
-              <a:t>        let </a:t>
-            </a:r>
-            <a:r>
-              <a:rPr lang="en-US" sz="1200" dirty="0" err="1">
-                <a:latin typeface="Courier"/>
-                <a:cs typeface="Courier"/>
-              </a:rPr>
-              <a:t>disposeBag</a:t>
-            </a:r>
-            <a:r>
-              <a:rPr lang="en-US" sz="1200" dirty="0">
-                <a:latin typeface="Courier"/>
-                <a:cs typeface="Courier"/>
-              </a:rPr>
-              <a:t> = </a:t>
-            </a:r>
-            <a:r>
-              <a:rPr lang="en-US" sz="1200" dirty="0" err="1">
-                <a:latin typeface="Courier"/>
-                <a:cs typeface="Courier"/>
-              </a:rPr>
-              <a:t>DisposeBag</a:t>
-            </a:r>
-            <a:r>
-              <a:rPr lang="en-US" sz="1200" dirty="0">
-                <a:latin typeface="Courier"/>
-                <a:cs typeface="Courier"/>
-              </a:rPr>
-              <a:t>()</a:t>
-            </a:r>
-          </a:p>
-          <a:p>
-            <a:r>
-              <a:rPr lang="mr-IN" sz="1200" dirty="0">
-                <a:latin typeface="Courier"/>
-                <a:cs typeface="Courier"/>
-              </a:rPr>
-              <a:t>        </a:t>
-            </a:r>
-          </a:p>
-          <a:p>
-            <a:r>
-              <a:rPr lang="en-US" sz="1200" dirty="0">
-                <a:latin typeface="Courier"/>
-                <a:cs typeface="Courier"/>
-              </a:rPr>
-              <a:t>        scheduler = </a:t>
-            </a:r>
-            <a:r>
-              <a:rPr lang="en-US" sz="1200" dirty="0" err="1">
-                <a:latin typeface="Courier"/>
-                <a:cs typeface="Courier"/>
-              </a:rPr>
-              <a:t>TestScheduler</a:t>
-            </a:r>
-            <a:r>
-              <a:rPr lang="en-US" sz="1200" dirty="0">
-                <a:latin typeface="Courier"/>
-                <a:cs typeface="Courier"/>
-              </a:rPr>
-              <a:t>(</a:t>
-            </a:r>
-            <a:r>
-              <a:rPr lang="en-US" sz="1200" dirty="0" err="1">
-                <a:latin typeface="Courier"/>
-                <a:cs typeface="Courier"/>
-              </a:rPr>
-              <a:t>initialClock</a:t>
-            </a:r>
-            <a:r>
-              <a:rPr lang="en-US" sz="1200" dirty="0">
-                <a:latin typeface="Courier"/>
-                <a:cs typeface="Courier"/>
-              </a:rPr>
-              <a:t>: 0</a:t>
-            </a:r>
-            <a:r>
-              <a:rPr lang="en-US" sz="1200" dirty="0" smtClean="0">
-                <a:latin typeface="Courier"/>
-                <a:cs typeface="Courier"/>
-              </a:rPr>
-              <a:t>)</a:t>
-            </a:r>
-            <a:endParaRPr lang="mr-IN" sz="1200" dirty="0">
+              <a:t>cornSorter.barnStream</a:t>
+            </a:r>
+            <a:endParaRPr lang="en-US" sz="1200" dirty="0">
               <a:latin typeface="Courier"/>
               <a:cs typeface="Courier"/>
             </a:endParaRPr>
@@ -5343,7 +5362,7 @@
                 <a:latin typeface="Courier"/>
                 <a:cs typeface="Courier"/>
               </a:rPr>
-              <a:t>        let </a:t>
+              <a:t>            .subscribe(</a:t>
             </a:r>
             <a:r>
               <a:rPr lang="en-US" sz="1200" dirty="0" err="1">
@@ -5357,40 +5376,63 @@
                 <a:latin typeface="Courier"/>
                 <a:cs typeface="Courier"/>
               </a:rPr>
-              <a:t> = </a:t>
+              <a:t>)</a:t>
+            </a:r>
+          </a:p>
+          <a:p>
+            <a:r>
+              <a:rPr lang="en-US" sz="1200" dirty="0">
+                <a:latin typeface="Courier"/>
+                <a:cs typeface="Courier"/>
+              </a:rPr>
+              <a:t>            .disposed(by: </a:t>
             </a:r>
             <a:r>
               <a:rPr lang="en-US" sz="1200" dirty="0" err="1">
                 <a:latin typeface="Courier"/>
                 <a:cs typeface="Courier"/>
               </a:rPr>
-              <a:t>scheduler.createObserver</a:t>
+              <a:t>disposeBag</a:t>
             </a:r>
             <a:r>
               <a:rPr lang="en-US" sz="1200" dirty="0">
                 <a:latin typeface="Courier"/>
                 <a:cs typeface="Courier"/>
               </a:rPr>
-              <a:t>(</a:t>
+              <a:t>)</a:t>
+            </a:r>
+          </a:p>
+          <a:p>
+            <a:r>
+              <a:rPr lang="mr-IN" sz="1200" dirty="0">
+                <a:latin typeface="Courier"/>
+                <a:cs typeface="Courier"/>
+              </a:rPr>
+              <a:t>        </a:t>
+            </a:r>
+          </a:p>
+          <a:p>
+            <a:r>
+              <a:rPr lang="en-US" sz="1200" dirty="0">
+                <a:latin typeface="Courier"/>
+                <a:cs typeface="Courier"/>
+              </a:rPr>
+              <a:t>        </a:t>
             </a:r>
             <a:r>
               <a:rPr lang="en-US" sz="1200" dirty="0" err="1">
                 <a:latin typeface="Courier"/>
                 <a:cs typeface="Courier"/>
               </a:rPr>
-              <a:t>String.self</a:t>
-            </a:r>
-            <a:r>
-              <a:rPr lang="en-US" sz="1200" dirty="0" smtClean="0">
-                <a:latin typeface="Courier"/>
-                <a:cs typeface="Courier"/>
-              </a:rPr>
-              <a:t>)</a:t>
-            </a:r>
-            <a:endParaRPr lang="mr-IN" sz="1200" dirty="0">
-              <a:latin typeface="Courier"/>
-              <a:cs typeface="Courier"/>
-            </a:endParaRPr>
+              <a:t>scheduler.start</a:t>
+            </a:r>
+            <a:r>
+              <a:rPr lang="en-US" sz="1200" dirty="0">
+                <a:latin typeface="Courier"/>
+                <a:cs typeface="Courier"/>
+              </a:rPr>
+              <a:t>()</a:t>
+            </a:r>
           </a:p>
           <a:p>
             <a:r>
@@ -5398,7 +5440,16 @@
                 <a:latin typeface="Courier"/>
                 <a:cs typeface="Courier"/>
               </a:rPr>
-              <a:t>        // Given</a:t>
+              <a:t>        </a:t>
+            </a:r>
+          </a:p>
+          <a:p>
+            <a:r>
+              <a:rPr lang="mr-IN" sz="1200" dirty="0">
+                <a:latin typeface="Courier"/>
+                <a:cs typeface="Courier"/>
+              </a:rPr>
+              <a:t>        // Then</a:t>
             </a:r>
           </a:p>
           <a:p>
@@ -5407,35 +5458,21 @@
                 <a:latin typeface="Courier"/>
                 <a:cs typeface="Courier"/>
               </a:rPr>
-              <a:t>        let </a:t>
+              <a:t>        let results = </a:t>
             </a:r>
             <a:r>
               <a:rPr lang="en-US" sz="1200" dirty="0" err="1">
                 <a:latin typeface="Courier"/>
                 <a:cs typeface="Courier"/>
               </a:rPr>
-              <a:t>observableInput</a:t>
+              <a:t>testObserver.events.map</a:t>
             </a:r>
             <a:r>
               <a:rPr lang="en-US" sz="1200" dirty="0">
                 <a:latin typeface="Courier"/>
                 <a:cs typeface="Courier"/>
               </a:rPr>
-              <a:t> = </a:t>
-            </a:r>
-            <a:r>
-              <a:rPr lang="en-US" sz="1200" dirty="0" err="1">
-                <a:latin typeface="Courier"/>
-                <a:cs typeface="Courier"/>
-              </a:rPr>
-              <a:t>scheduler.createHotObservable</a:t>
-            </a:r>
-            <a:r>
-              <a:rPr lang="en-US" sz="1200" dirty="0">
-                <a:latin typeface="Courier"/>
-                <a:cs typeface="Courier"/>
-              </a:rPr>
-              <a:t>([</a:t>
+              <a:t> {</a:t>
             </a:r>
           </a:p>
           <a:p>
@@ -5444,7 +5481,7 @@
                 <a:latin typeface="Courier"/>
                 <a:cs typeface="Courier"/>
               </a:rPr>
-              <a:t>            // 2</a:t>
+              <a:t>            $0.value.element!</a:t>
             </a:r>
           </a:p>
           <a:p>
@@ -5453,7 +5490,7 @@
                 <a:latin typeface="Courier"/>
                 <a:cs typeface="Courier"/>
               </a:rPr>
-              <a:t>            Recorded.next(100, "🌽"),</a:t>
+              <a:t>        }</a:t>
             </a:r>
           </a:p>
           <a:p>
@@ -5462,7 +5499,7 @@
                 <a:latin typeface="Courier"/>
                 <a:cs typeface="Courier"/>
               </a:rPr>
-              <a:t>            Recorded.next(200, "🐛"),</a:t>
+              <a:t>        _ = XCTAssertEqual(results, ["🌽", "🌽"])</a:t>
             </a:r>
           </a:p>
           <a:p>
@@ -5471,115 +5508,7 @@
                 <a:latin typeface="Courier"/>
                 <a:cs typeface="Courier"/>
               </a:rPr>
-              <a:t>            Recorded.next(300, "🐭"),</a:t>
-            </a:r>
-          </a:p>
-          <a:p>
-            <a:r>
-              <a:rPr lang="mr-IN" sz="1200" dirty="0">
-                <a:latin typeface="Courier"/>
-                <a:cs typeface="Courier"/>
-              </a:rPr>
-              <a:t>            Recorded.next(400, "🌽"),</a:t>
-            </a:r>
-          </a:p>
-          <a:p>
-            <a:r>
-              <a:rPr lang="mr-IN" sz="1200" dirty="0">
-                <a:latin typeface="Courier"/>
-                <a:cs typeface="Courier"/>
-              </a:rPr>
-              <a:t>            Recorded.next(500, "🐝"),</a:t>
-            </a:r>
-          </a:p>
-          <a:p>
-            <a:r>
-              <a:rPr lang="mr-IN" sz="1200" dirty="0">
-                <a:latin typeface="Courier"/>
-                <a:cs typeface="Courier"/>
-              </a:rPr>
-              <a:t>            Recorded.next(600, "🐞")</a:t>
-            </a:r>
-          </a:p>
-          <a:p>
-            <a:r>
-              <a:rPr lang="mr-IN" sz="1200" dirty="0">
-                <a:latin typeface="Courier"/>
-                <a:cs typeface="Courier"/>
-              </a:rPr>
-              <a:t>            ])</a:t>
-            </a:r>
-          </a:p>
-          <a:p>
-            <a:r>
-              <a:rPr lang="en-US" sz="1200" dirty="0">
-                <a:latin typeface="Courier"/>
-                <a:cs typeface="Courier"/>
-              </a:rPr>
-              <a:t>        let </a:t>
-            </a:r>
-            <a:r>
-              <a:rPr lang="en-US" sz="1200" dirty="0" err="1">
-                <a:latin typeface="Courier"/>
-                <a:cs typeface="Courier"/>
-              </a:rPr>
-              <a:t>cornSorter</a:t>
-            </a:r>
-            <a:r>
-              <a:rPr lang="en-US" sz="1200" dirty="0">
-                <a:latin typeface="Courier"/>
-                <a:cs typeface="Courier"/>
-              </a:rPr>
-              <a:t> = </a:t>
-            </a:r>
-            <a:r>
-              <a:rPr lang="en-US" sz="1200" dirty="0" err="1">
-                <a:latin typeface="Courier"/>
-                <a:cs typeface="Courier"/>
-              </a:rPr>
-              <a:t>CornSorter</a:t>
-            </a:r>
-            <a:r>
-              <a:rPr lang="en-US" sz="1200" dirty="0">
-                <a:latin typeface="Courier"/>
-                <a:cs typeface="Courier"/>
-              </a:rPr>
-              <a:t>(</a:t>
-            </a:r>
-            <a:r>
-              <a:rPr lang="en-US" sz="1200" dirty="0" err="1">
-                <a:latin typeface="Courier"/>
-                <a:cs typeface="Courier"/>
-              </a:rPr>
-              <a:t>tractorStream</a:t>
-            </a:r>
-            <a:r>
-              <a:rPr lang="en-US" sz="1200" dirty="0">
-                <a:latin typeface="Courier"/>
-                <a:cs typeface="Courier"/>
-              </a:rPr>
-              <a:t>: </a:t>
-            </a:r>
-            <a:r>
-              <a:rPr lang="en-US" sz="1200" dirty="0" err="1">
-                <a:latin typeface="Courier"/>
-                <a:cs typeface="Courier"/>
-              </a:rPr>
-              <a:t>observableInput.asObservable</a:t>
-            </a:r>
-            <a:r>
-              <a:rPr lang="en-US" sz="1200" dirty="0">
-                <a:latin typeface="Courier"/>
-                <a:cs typeface="Courier"/>
-              </a:rPr>
-              <a:t>()</a:t>
-            </a:r>
-            <a:r>
-              <a:rPr lang="en-US" sz="1200" dirty="0" smtClean="0">
-                <a:latin typeface="Courier"/>
-                <a:cs typeface="Courier"/>
-              </a:rPr>
-              <a:t>)</a:t>
+              <a:t>    }</a:t>
             </a:r>
             <a:endParaRPr lang="en-US" sz="1200" dirty="0">
               <a:latin typeface="Courier"/>
@@ -5591,7 +5520,7 @@
     </p:spTree>
     <p:extLst>
       <p:ext uri="{BB962C8B-B14F-4D97-AF65-F5344CB8AC3E}">
-        <p14:creationId xmlns:p14="http://schemas.microsoft.com/office/powerpoint/2010/main" val="4182838520"/>
+        <p14:creationId xmlns:p14="http://schemas.microsoft.com/office/powerpoint/2010/main" val="2009596403"/>
       </p:ext>
     </p:extLst>
   </p:cSld>
@@ -5637,8 +5566,8 @@
         </p:nvSpPr>
         <p:spPr>
           <a:xfrm>
-            <a:off x="814275" y="392575"/>
-            <a:ext cx="5258400" cy="766200"/>
+            <a:off x="1052178" y="392575"/>
+            <a:ext cx="4539261" cy="766200"/>
           </a:xfrm>
           <a:prstGeom prst="rect">
             <a:avLst/>
@@ -5658,7 +5587,7 @@
             </a:pPr>
             <a:r>
               <a:rPr lang="en-US" dirty="0" err="1" smtClean="0"/>
-              <a:t>RxTest</a:t>
+              <a:t>RxBlocking</a:t>
             </a:r>
             <a:endParaRPr lang="en" dirty="0"/>
           </a:p>
@@ -5676,8 +5605,8 @@
         </p:nvSpPr>
         <p:spPr>
           <a:xfrm>
-            <a:off x="7618000" y="4636500"/>
-            <a:ext cx="1487400" cy="315600"/>
+            <a:off x="7955818" y="4636500"/>
+            <a:ext cx="1149581" cy="315600"/>
           </a:xfrm>
           <a:prstGeom prst="rect">
             <a:avLst/>
@@ -5699,7 +5628,7 @@
               <a:rPr lang="en"/>
               <a:t>12</a:t>
             </a:fld>
-            <a:endParaRPr lang="en"/>
+            <a:endParaRPr lang="en" dirty="0"/>
           </a:p>
         </p:txBody>
       </p:sp>
@@ -5735,226 +5664,92 @@
       </p:pic>
       <p:sp>
         <p:nvSpPr>
-          <p:cNvPr id="3" name="TextBox 2"/>
-          <p:cNvSpPr txBox="1"/>
+          <p:cNvPr id="4" name="Rectangle 3"/>
+          <p:cNvSpPr/>
           <p:nvPr/>
         </p:nvSpPr>
         <p:spPr>
           <a:xfrm>
-            <a:off x="257960" y="1474644"/>
-            <a:ext cx="4648102" cy="2492990"/>
+            <a:off x="543626" y="1774961"/>
+            <a:ext cx="7568929" cy="2062103"/>
           </a:xfrm>
           <a:prstGeom prst="rect">
             <a:avLst/>
           </a:prstGeom>
-          <a:noFill/>
         </p:spPr>
         <p:txBody>
-          <a:bodyPr wrap="none" rtlCol="0">
+          <a:bodyPr wrap="square">
             <a:spAutoFit/>
           </a:bodyPr>
           <a:lstStyle/>
           <a:p>
-            <a:r>
-              <a:rPr lang="mr-IN" sz="1200" dirty="0" smtClean="0">
-                <a:latin typeface="Courier"/>
-                <a:cs typeface="Courier"/>
-              </a:rPr>
-              <a:t>        </a:t>
-            </a:r>
-            <a:r>
-              <a:rPr lang="mr-IN" sz="1200" dirty="0">
-                <a:latin typeface="Courier"/>
-                <a:cs typeface="Courier"/>
-              </a:rPr>
-              <a:t>// When</a:t>
-            </a:r>
-          </a:p>
-          <a:p>
-            <a:r>
-              <a:rPr lang="en-US" sz="1200" dirty="0">
-                <a:latin typeface="Courier"/>
-                <a:cs typeface="Courier"/>
-              </a:rPr>
-              <a:t>        </a:t>
-            </a:r>
-            <a:r>
-              <a:rPr lang="en-US" sz="1200" dirty="0" err="1">
-                <a:latin typeface="Courier"/>
-                <a:cs typeface="Courier"/>
-              </a:rPr>
-              <a:t>cornSorter.barnStream</a:t>
-            </a:r>
-            <a:endParaRPr lang="en-US" sz="1200" dirty="0">
-              <a:latin typeface="Courier"/>
-              <a:cs typeface="Courier"/>
-            </a:endParaRPr>
-          </a:p>
-          <a:p>
-            <a:r>
-              <a:rPr lang="en-US" sz="1200" dirty="0">
-                <a:latin typeface="Courier"/>
-                <a:cs typeface="Courier"/>
-              </a:rPr>
-              <a:t>            .subscribe(</a:t>
-            </a:r>
-            <a:r>
-              <a:rPr lang="en-US" sz="1200" dirty="0" err="1">
-                <a:latin typeface="Courier"/>
-                <a:cs typeface="Courier"/>
-              </a:rPr>
-              <a:t>testObserver</a:t>
-            </a:r>
-            <a:r>
-              <a:rPr lang="en-US" sz="1200" dirty="0">
-                <a:latin typeface="Courier"/>
-                <a:cs typeface="Courier"/>
-              </a:rPr>
-              <a:t>)</a:t>
-            </a:r>
-          </a:p>
-          <a:p>
-            <a:r>
-              <a:rPr lang="en-US" sz="1200" dirty="0">
-                <a:latin typeface="Courier"/>
-                <a:cs typeface="Courier"/>
-              </a:rPr>
-              <a:t>            .disposed(by: </a:t>
-            </a:r>
-            <a:r>
-              <a:rPr lang="en-US" sz="1200" dirty="0" err="1">
-                <a:latin typeface="Courier"/>
-                <a:cs typeface="Courier"/>
-              </a:rPr>
-              <a:t>disposeBag</a:t>
-            </a:r>
-            <a:r>
-              <a:rPr lang="en-US" sz="1200" dirty="0">
-                <a:latin typeface="Courier"/>
-                <a:cs typeface="Courier"/>
-              </a:rPr>
-              <a:t>)</a:t>
-            </a:r>
-          </a:p>
-          <a:p>
-            <a:r>
-              <a:rPr lang="mr-IN" sz="1200" dirty="0">
-                <a:latin typeface="Courier"/>
-                <a:cs typeface="Courier"/>
-              </a:rPr>
-              <a:t>        </a:t>
-            </a:r>
-          </a:p>
-          <a:p>
-            <a:r>
-              <a:rPr lang="en-US" sz="1200" dirty="0">
-                <a:latin typeface="Courier"/>
-                <a:cs typeface="Courier"/>
-              </a:rPr>
-              <a:t>        </a:t>
-            </a:r>
-            <a:r>
-              <a:rPr lang="en-US" sz="1200" dirty="0" err="1">
-                <a:latin typeface="Courier"/>
-                <a:cs typeface="Courier"/>
-              </a:rPr>
-              <a:t>scheduler.start</a:t>
-            </a:r>
-            <a:r>
-              <a:rPr lang="en-US" sz="1200" dirty="0">
-                <a:latin typeface="Courier"/>
-                <a:cs typeface="Courier"/>
-              </a:rPr>
-              <a:t>()</a:t>
-            </a:r>
-          </a:p>
-          <a:p>
-            <a:r>
-              <a:rPr lang="mr-IN" sz="1200" dirty="0">
-                <a:latin typeface="Courier"/>
-                <a:cs typeface="Courier"/>
-              </a:rPr>
-              <a:t>        </a:t>
-            </a:r>
-          </a:p>
-          <a:p>
-            <a:r>
-              <a:rPr lang="mr-IN" sz="1200" dirty="0">
-                <a:latin typeface="Courier"/>
-                <a:cs typeface="Courier"/>
-              </a:rPr>
-              <a:t>        // Then</a:t>
-            </a:r>
-          </a:p>
-          <a:p>
-            <a:r>
-              <a:rPr lang="en-US" sz="1200" dirty="0">
-                <a:latin typeface="Courier"/>
-                <a:cs typeface="Courier"/>
-              </a:rPr>
-              <a:t>        let results = </a:t>
-            </a:r>
-            <a:r>
-              <a:rPr lang="en-US" sz="1200" dirty="0" err="1">
-                <a:latin typeface="Courier"/>
-                <a:cs typeface="Courier"/>
-              </a:rPr>
-              <a:t>testObserver.events.map</a:t>
-            </a:r>
-            <a:r>
-              <a:rPr lang="en-US" sz="1200" dirty="0">
-                <a:latin typeface="Courier"/>
-                <a:cs typeface="Courier"/>
-              </a:rPr>
-              <a:t> {</a:t>
-            </a:r>
-          </a:p>
-          <a:p>
-            <a:r>
-              <a:rPr lang="mr-IN" sz="1200" dirty="0">
-                <a:latin typeface="Courier"/>
-                <a:cs typeface="Courier"/>
-              </a:rPr>
-              <a:t>            $0.value.element!</a:t>
-            </a:r>
-          </a:p>
-          <a:p>
-            <a:r>
-              <a:rPr lang="mr-IN" sz="1200" dirty="0">
-                <a:latin typeface="Courier"/>
-                <a:cs typeface="Courier"/>
-              </a:rPr>
-              <a:t>        }</a:t>
-            </a:r>
-          </a:p>
-          <a:p>
-            <a:r>
-              <a:rPr lang="mr-IN" sz="1200" dirty="0">
-                <a:latin typeface="Courier"/>
-                <a:cs typeface="Courier"/>
-              </a:rPr>
-              <a:t>        _ = XCTAssertEqual(results, ["🌽", "🌽"])</a:t>
-            </a:r>
-          </a:p>
-          <a:p>
-            <a:r>
-              <a:rPr lang="mr-IN" sz="1200" dirty="0">
-                <a:latin typeface="Courier"/>
-                <a:cs typeface="Courier"/>
-              </a:rPr>
-              <a:t>    }</a:t>
-            </a:r>
-            <a:endParaRPr lang="en-US" sz="1200" dirty="0">
-              <a:latin typeface="Courier"/>
-              <a:cs typeface="Courier"/>
-            </a:endParaRPr>
+            <a:pPr marL="285750" indent="-285750">
+              <a:buFontTx/>
+              <a:buChar char="-"/>
+            </a:pPr>
+            <a:r>
+              <a:rPr lang="en-US" sz="1600" dirty="0" err="1"/>
+              <a:t>RxBlocking</a:t>
+            </a:r>
+            <a:r>
+              <a:rPr lang="en-US" sz="1600" dirty="0"/>
+              <a:t> on the other hand is handy in case you need to test some asynchronous functionality where you can’t control the source of </a:t>
+            </a:r>
+            <a:r>
+              <a:rPr lang="en-US" sz="1600" dirty="0" err="1"/>
+              <a:t>asynchronisity</a:t>
+            </a:r>
+            <a:r>
+              <a:rPr lang="en-US" sz="1600" dirty="0"/>
+              <a:t>. Often times this means you’re stepping up from unit tests to integration </a:t>
+            </a:r>
+            <a:r>
+              <a:rPr lang="en-US" sz="1600" dirty="0" smtClean="0"/>
+              <a:t>test.</a:t>
+            </a:r>
+          </a:p>
+          <a:p>
+            <a:pPr marL="285750" indent="-285750">
+              <a:buFontTx/>
+              <a:buChar char="-"/>
+            </a:pPr>
+            <a:endParaRPr lang="en-US" sz="1600" dirty="0" smtClean="0"/>
+          </a:p>
+          <a:p>
+            <a:pPr marL="285750" indent="-285750">
+              <a:buFontTx/>
+              <a:buChar char="-"/>
+            </a:pPr>
+            <a:endParaRPr lang="en-US" sz="1600" dirty="0" smtClean="0"/>
+          </a:p>
+          <a:p>
+            <a:pPr marL="285750" indent="-285750">
+              <a:buFontTx/>
+              <a:buChar char="-"/>
+            </a:pPr>
+            <a:r>
+              <a:rPr lang="en-US" sz="1600" dirty="0"/>
+              <a:t>What </a:t>
+            </a:r>
+            <a:r>
+              <a:rPr lang="en-US" sz="1600" dirty="0" err="1"/>
+              <a:t>RxBlocking</a:t>
+            </a:r>
+            <a:r>
+              <a:rPr lang="en-US" sz="1600" dirty="0"/>
+              <a:t> is great to is to allow you to consume an observable sequence in batches or even wait on a single element to be emitted</a:t>
+            </a:r>
+            <a:r>
+              <a:rPr lang="en-US" sz="1600" dirty="0" smtClean="0"/>
+              <a:t>.</a:t>
+            </a:r>
           </a:p>
         </p:txBody>
       </p:sp>
     </p:spTree>
     <p:extLst>
       <p:ext uri="{BB962C8B-B14F-4D97-AF65-F5344CB8AC3E}">
-        <p14:creationId xmlns:p14="http://schemas.microsoft.com/office/powerpoint/2010/main" val="2009596403"/>
+        <p14:creationId xmlns:p14="http://schemas.microsoft.com/office/powerpoint/2010/main" val="3507504151"/>
       </p:ext>
     </p:extLst>
   </p:cSld>
@@ -6000,8 +5795,8 @@
         </p:nvSpPr>
         <p:spPr>
           <a:xfrm>
-            <a:off x="1052178" y="392575"/>
-            <a:ext cx="4539261" cy="766200"/>
+            <a:off x="814275" y="392575"/>
+            <a:ext cx="5258400" cy="766200"/>
           </a:xfrm>
           <a:prstGeom prst="rect">
             <a:avLst/>
@@ -6039,8 +5834,8 @@
         </p:nvSpPr>
         <p:spPr>
           <a:xfrm>
-            <a:off x="7955818" y="4636500"/>
-            <a:ext cx="1149581" cy="315600"/>
+            <a:off x="7618000" y="4636500"/>
+            <a:ext cx="1487400" cy="315600"/>
           </a:xfrm>
           <a:prstGeom prst="rect">
             <a:avLst/>
@@ -6062,7 +5857,7 @@
               <a:rPr lang="en"/>
               <a:t>13</a:t>
             </a:fld>
-            <a:endParaRPr lang="en" dirty="0"/>
+            <a:endParaRPr lang="en"/>
           </a:p>
         </p:txBody>
       </p:sp>
@@ -6098,92 +5893,230 @@
       </p:pic>
       <p:sp>
         <p:nvSpPr>
-          <p:cNvPr id="4" name="Rectangle 3"/>
-          <p:cNvSpPr/>
+          <p:cNvPr id="3" name="TextBox 2"/>
+          <p:cNvSpPr txBox="1"/>
           <p:nvPr/>
         </p:nvSpPr>
         <p:spPr>
           <a:xfrm>
-            <a:off x="543626" y="1774961"/>
-            <a:ext cx="7568929" cy="2062103"/>
+            <a:off x="498051" y="1761709"/>
+            <a:ext cx="6741374" cy="1938992"/>
           </a:xfrm>
           <a:prstGeom prst="rect">
             <a:avLst/>
           </a:prstGeom>
+          <a:noFill/>
         </p:spPr>
         <p:txBody>
-          <a:bodyPr wrap="square">
+          <a:bodyPr wrap="none" rtlCol="0">
             <a:spAutoFit/>
           </a:bodyPr>
           <a:lstStyle/>
           <a:p>
-            <a:pPr marL="285750" indent="-285750">
-              <a:buFontTx/>
-              <a:buChar char="-"/>
-            </a:pPr>
-            <a:r>
-              <a:rPr lang="en-US" sz="1600" dirty="0" err="1"/>
-              <a:t>RxBlocking</a:t>
-            </a:r>
-            <a:r>
-              <a:rPr lang="en-US" sz="1600" dirty="0"/>
-              <a:t> on the other hand is handy in case you need to test some asynchronous functionality where you can’t control the source of </a:t>
-            </a:r>
-            <a:r>
-              <a:rPr lang="en-US" sz="1600" dirty="0" err="1"/>
-              <a:t>asynchronisity</a:t>
-            </a:r>
-            <a:r>
-              <a:rPr lang="en-US" sz="1600" dirty="0"/>
-              <a:t>. Often times this means you’re stepping up from unit tests to integration </a:t>
-            </a:r>
-            <a:r>
-              <a:rPr lang="en-US" sz="1600" dirty="0" smtClean="0"/>
-              <a:t>test.</a:t>
-            </a:r>
-          </a:p>
-          <a:p>
-            <a:pPr marL="285750" indent="-285750">
-              <a:buFontTx/>
-              <a:buChar char="-"/>
-            </a:pPr>
-            <a:endParaRPr lang="en-US" sz="1600" dirty="0" smtClean="0"/>
-          </a:p>
-          <a:p>
-            <a:pPr marL="285750" indent="-285750">
-              <a:buFontTx/>
-              <a:buChar char="-"/>
-            </a:pPr>
-            <a:endParaRPr lang="en-US" sz="1600" dirty="0" smtClean="0"/>
-          </a:p>
-          <a:p>
-            <a:pPr marL="285750" indent="-285750">
-              <a:buFontTx/>
-              <a:buChar char="-"/>
-            </a:pPr>
-            <a:r>
-              <a:rPr lang="en-US" sz="1600" dirty="0"/>
-              <a:t>What </a:t>
-            </a:r>
-            <a:r>
-              <a:rPr lang="en-US" sz="1600" dirty="0" err="1"/>
-              <a:t>RxBlocking</a:t>
-            </a:r>
-            <a:r>
-              <a:rPr lang="en-US" sz="1600" dirty="0"/>
-              <a:t> is great to is to allow you to consume an observable sequence in batches or even wait on a single element to be emitted</a:t>
-            </a:r>
-            <a:r>
-              <a:rPr lang="en-US" sz="1600" dirty="0" smtClean="0"/>
-              <a:t>.</a:t>
-            </a:r>
+            <a:r>
+              <a:rPr lang="en-US" sz="1200" dirty="0" err="1">
+                <a:latin typeface="Courier"/>
+                <a:cs typeface="Courier"/>
+              </a:rPr>
+              <a:t>func</a:t>
+            </a:r>
+            <a:r>
+              <a:rPr lang="en-US" sz="1200" dirty="0">
+                <a:latin typeface="Courier"/>
+                <a:cs typeface="Courier"/>
+              </a:rPr>
+              <a:t> </a:t>
+            </a:r>
+            <a:r>
+              <a:rPr lang="en-US" sz="1200" dirty="0" err="1">
+                <a:latin typeface="Courier"/>
+                <a:cs typeface="Courier"/>
+              </a:rPr>
+              <a:t>testElements</a:t>
+            </a:r>
+            <a:r>
+              <a:rPr lang="en-US" sz="1200" dirty="0">
+                <a:latin typeface="Courier"/>
+                <a:cs typeface="Courier"/>
+              </a:rPr>
+              <a:t>() {</a:t>
+            </a:r>
+          </a:p>
+          <a:p>
+            <a:r>
+              <a:rPr lang="en-US" sz="1200" dirty="0">
+                <a:latin typeface="Courier"/>
+                <a:cs typeface="Courier"/>
+              </a:rPr>
+              <a:t>        let items = </a:t>
+            </a:r>
+            <a:r>
+              <a:rPr lang="en-US" sz="1200" dirty="0" err="1">
+                <a:latin typeface="Courier"/>
+                <a:cs typeface="Courier"/>
+              </a:rPr>
+              <a:t>Observable.of</a:t>
+            </a:r>
+            <a:r>
+              <a:rPr lang="en-US" sz="1200" dirty="0">
+                <a:latin typeface="Courier"/>
+                <a:cs typeface="Courier"/>
+              </a:rPr>
+              <a:t>(1, 5, 10, 15, 20)</a:t>
+            </a:r>
+          </a:p>
+          <a:p>
+            <a:r>
+              <a:rPr lang="mr-IN" sz="1200" dirty="0">
+                <a:latin typeface="Courier"/>
+                <a:cs typeface="Courier"/>
+              </a:rPr>
+              <a:t>        </a:t>
+            </a:r>
+          </a:p>
+          <a:p>
+            <a:r>
+              <a:rPr lang="en-US" sz="1200" dirty="0">
+                <a:latin typeface="Courier"/>
+                <a:cs typeface="Courier"/>
+              </a:rPr>
+              <a:t>        let elements = try! </a:t>
+            </a:r>
+            <a:r>
+              <a:rPr lang="en-US" sz="1200" dirty="0" err="1">
+                <a:latin typeface="Courier"/>
+                <a:cs typeface="Courier"/>
+              </a:rPr>
+              <a:t>items.toBlocking</a:t>
+            </a:r>
+            <a:r>
+              <a:rPr lang="en-US" sz="1200" dirty="0">
+                <a:latin typeface="Courier"/>
+                <a:cs typeface="Courier"/>
+              </a:rPr>
+              <a:t>().</a:t>
+            </a:r>
+            <a:r>
+              <a:rPr lang="en-US" sz="1200" dirty="0" err="1">
+                <a:latin typeface="Courier"/>
+                <a:cs typeface="Courier"/>
+              </a:rPr>
+              <a:t>toArray</a:t>
+            </a:r>
+            <a:r>
+              <a:rPr lang="en-US" sz="1200" dirty="0">
+                <a:latin typeface="Courier"/>
+                <a:cs typeface="Courier"/>
+              </a:rPr>
+              <a:t>()</a:t>
+            </a:r>
+          </a:p>
+          <a:p>
+            <a:r>
+              <a:rPr lang="mr-IN" sz="1200" dirty="0">
+                <a:latin typeface="Courier"/>
+                <a:cs typeface="Courier"/>
+              </a:rPr>
+              <a:t>        XCTAssertEqual([1, 5, 10, 15, 20], elements)</a:t>
+            </a:r>
+          </a:p>
+          <a:p>
+            <a:r>
+              <a:rPr lang="mr-IN" sz="1200" dirty="0">
+                <a:latin typeface="Courier"/>
+                <a:cs typeface="Courier"/>
+              </a:rPr>
+              <a:t>        </a:t>
+            </a:r>
+          </a:p>
+          <a:p>
+            <a:r>
+              <a:rPr lang="en-US" sz="1200" dirty="0">
+                <a:latin typeface="Courier"/>
+                <a:cs typeface="Courier"/>
+              </a:rPr>
+              <a:t>        let results = try! </a:t>
+            </a:r>
+            <a:r>
+              <a:rPr lang="en-US" sz="1200" dirty="0" err="1">
+                <a:latin typeface="Courier"/>
+                <a:cs typeface="Courier"/>
+              </a:rPr>
+              <a:t>items.skip</a:t>
+            </a:r>
+            <a:r>
+              <a:rPr lang="en-US" sz="1200" dirty="0">
+                <a:latin typeface="Courier"/>
+                <a:cs typeface="Courier"/>
+              </a:rPr>
+              <a:t>(3).take(2).</a:t>
+            </a:r>
+            <a:r>
+              <a:rPr lang="en-US" sz="1200" dirty="0" err="1">
+                <a:latin typeface="Courier"/>
+                <a:cs typeface="Courier"/>
+              </a:rPr>
+              <a:t>toBlocking</a:t>
+            </a:r>
+            <a:r>
+              <a:rPr lang="en-US" sz="1200" dirty="0">
+                <a:latin typeface="Courier"/>
+                <a:cs typeface="Courier"/>
+              </a:rPr>
+              <a:t>().</a:t>
+            </a:r>
+            <a:r>
+              <a:rPr lang="en-US" sz="1200" dirty="0" err="1">
+                <a:latin typeface="Courier"/>
+                <a:cs typeface="Courier"/>
+              </a:rPr>
+              <a:t>toArray</a:t>
+            </a:r>
+            <a:r>
+              <a:rPr lang="en-US" sz="1200" dirty="0">
+                <a:latin typeface="Courier"/>
+                <a:cs typeface="Courier"/>
+              </a:rPr>
+              <a:t>()</a:t>
+            </a:r>
+          </a:p>
+          <a:p>
+            <a:r>
+              <a:rPr lang="mr-IN" sz="1200" dirty="0">
+                <a:latin typeface="Courier"/>
+                <a:cs typeface="Courier"/>
+              </a:rPr>
+              <a:t>        XCTAssertEqual([15, 20], results)</a:t>
+            </a:r>
+          </a:p>
+          <a:p>
+            <a:r>
+              <a:rPr lang="mr-IN" sz="1200" dirty="0">
+                <a:latin typeface="Courier"/>
+                <a:cs typeface="Courier"/>
+              </a:rPr>
+              <a:t>        </a:t>
+            </a:r>
+          </a:p>
+          <a:p>
+            <a:r>
+              <a:rPr lang="mr-IN" sz="1200" dirty="0">
+                <a:latin typeface="Courier"/>
+                <a:cs typeface="Courier"/>
+              </a:rPr>
+              <a:t>    }</a:t>
+            </a:r>
+            <a:endParaRPr lang="en-US" sz="1200" dirty="0">
+              <a:latin typeface="Courier"/>
+              <a:cs typeface="Courier"/>
+            </a:endParaRPr>
           </a:p>
         </p:txBody>
       </p:sp>
     </p:spTree>
     <p:extLst>
       <p:ext uri="{BB962C8B-B14F-4D97-AF65-F5344CB8AC3E}">
-        <p14:creationId xmlns:p14="http://schemas.microsoft.com/office/powerpoint/2010/main" val="3507504151"/>
+        <p14:creationId xmlns:p14="http://schemas.microsoft.com/office/powerpoint/2010/main" val="2956619374"/>
       </p:ext>
     </p:extLst>
   </p:cSld>
@@ -6290,373 +6223,6 @@
             <a:fld id="{00000000-1234-1234-1234-123412341234}" type="slidenum">
               <a:rPr lang="en"/>
               <a:t>14</a:t>
-            </a:fld>
-            <a:endParaRPr lang="en"/>
-          </a:p>
-        </p:txBody>
-      </p:sp>
-      <p:pic>
-        <p:nvPicPr>
-          <p:cNvPr id="2" name="Picture 1" descr="Rx_Logo_M.png"/>
-          <p:cNvPicPr>
-            <a:picLocks noChangeAspect="1"/>
-          </p:cNvPicPr>
-          <p:nvPr/>
-        </p:nvPicPr>
-        <p:blipFill>
-          <a:blip r:embed="rId3">
-            <a:extLst>
-              <a:ext uri="{28A0092B-C50C-407E-A947-70E740481C1C}">
-                <a14:useLocalDpi xmlns:a14="http://schemas.microsoft.com/office/drawing/2010/main" val="0"/>
-              </a:ext>
-            </a:extLst>
-          </a:blip>
-          <a:stretch>
-            <a:fillRect/>
-          </a:stretch>
-        </p:blipFill>
-        <p:spPr>
-          <a:xfrm>
-            <a:off x="151129" y="442005"/>
-            <a:ext cx="663146" cy="663146"/>
-          </a:xfrm>
-          <a:prstGeom prst="rect">
-            <a:avLst/>
-          </a:prstGeom>
-        </p:spPr>
-      </p:pic>
-      <p:sp>
-        <p:nvSpPr>
-          <p:cNvPr id="3" name="TextBox 2"/>
-          <p:cNvSpPr txBox="1"/>
-          <p:nvPr/>
-        </p:nvSpPr>
-        <p:spPr>
-          <a:xfrm>
-            <a:off x="498051" y="1761709"/>
-            <a:ext cx="6741374" cy="1938992"/>
-          </a:xfrm>
-          <a:prstGeom prst="rect">
-            <a:avLst/>
-          </a:prstGeom>
-          <a:noFill/>
-        </p:spPr>
-        <p:txBody>
-          <a:bodyPr wrap="none" rtlCol="0">
-            <a:spAutoFit/>
-          </a:bodyPr>
-          <a:lstStyle/>
-          <a:p>
-            <a:r>
-              <a:rPr lang="en-US" sz="1200" dirty="0" err="1">
-                <a:latin typeface="Courier"/>
-                <a:cs typeface="Courier"/>
-              </a:rPr>
-              <a:t>func</a:t>
-            </a:r>
-            <a:r>
-              <a:rPr lang="en-US" sz="1200" dirty="0">
-                <a:latin typeface="Courier"/>
-                <a:cs typeface="Courier"/>
-              </a:rPr>
-              <a:t> </a:t>
-            </a:r>
-            <a:r>
-              <a:rPr lang="en-US" sz="1200" dirty="0" err="1">
-                <a:latin typeface="Courier"/>
-                <a:cs typeface="Courier"/>
-              </a:rPr>
-              <a:t>testElements</a:t>
-            </a:r>
-            <a:r>
-              <a:rPr lang="en-US" sz="1200" dirty="0">
-                <a:latin typeface="Courier"/>
-                <a:cs typeface="Courier"/>
-              </a:rPr>
-              <a:t>() {</a:t>
-            </a:r>
-          </a:p>
-          <a:p>
-            <a:r>
-              <a:rPr lang="en-US" sz="1200" dirty="0">
-                <a:latin typeface="Courier"/>
-                <a:cs typeface="Courier"/>
-              </a:rPr>
-              <a:t>        let items = </a:t>
-            </a:r>
-            <a:r>
-              <a:rPr lang="en-US" sz="1200" dirty="0" err="1">
-                <a:latin typeface="Courier"/>
-                <a:cs typeface="Courier"/>
-              </a:rPr>
-              <a:t>Observable.of</a:t>
-            </a:r>
-            <a:r>
-              <a:rPr lang="en-US" sz="1200" dirty="0">
-                <a:latin typeface="Courier"/>
-                <a:cs typeface="Courier"/>
-              </a:rPr>
-              <a:t>(1, 5, 10, 15, 20)</a:t>
-            </a:r>
-          </a:p>
-          <a:p>
-            <a:r>
-              <a:rPr lang="mr-IN" sz="1200" dirty="0">
-                <a:latin typeface="Courier"/>
-                <a:cs typeface="Courier"/>
-              </a:rPr>
-              <a:t>        </a:t>
-            </a:r>
-          </a:p>
-          <a:p>
-            <a:r>
-              <a:rPr lang="en-US" sz="1200" dirty="0">
-                <a:latin typeface="Courier"/>
-                <a:cs typeface="Courier"/>
-              </a:rPr>
-              <a:t>        let elements = try! </a:t>
-            </a:r>
-            <a:r>
-              <a:rPr lang="en-US" sz="1200" dirty="0" err="1">
-                <a:latin typeface="Courier"/>
-                <a:cs typeface="Courier"/>
-              </a:rPr>
-              <a:t>items.toBlocking</a:t>
-            </a:r>
-            <a:r>
-              <a:rPr lang="en-US" sz="1200" dirty="0">
-                <a:latin typeface="Courier"/>
-                <a:cs typeface="Courier"/>
-              </a:rPr>
-              <a:t>().</a:t>
-            </a:r>
-            <a:r>
-              <a:rPr lang="en-US" sz="1200" dirty="0" err="1">
-                <a:latin typeface="Courier"/>
-                <a:cs typeface="Courier"/>
-              </a:rPr>
-              <a:t>toArray</a:t>
-            </a:r>
-            <a:r>
-              <a:rPr lang="en-US" sz="1200" dirty="0">
-                <a:latin typeface="Courier"/>
-                <a:cs typeface="Courier"/>
-              </a:rPr>
-              <a:t>()</a:t>
-            </a:r>
-          </a:p>
-          <a:p>
-            <a:r>
-              <a:rPr lang="mr-IN" sz="1200" dirty="0">
-                <a:latin typeface="Courier"/>
-                <a:cs typeface="Courier"/>
-              </a:rPr>
-              <a:t>        XCTAssertEqual([1, 5, 10, 15, 20], elements)</a:t>
-            </a:r>
-          </a:p>
-          <a:p>
-            <a:r>
-              <a:rPr lang="mr-IN" sz="1200" dirty="0">
-                <a:latin typeface="Courier"/>
-                <a:cs typeface="Courier"/>
-              </a:rPr>
-              <a:t>        </a:t>
-            </a:r>
-          </a:p>
-          <a:p>
-            <a:r>
-              <a:rPr lang="en-US" sz="1200" dirty="0">
-                <a:latin typeface="Courier"/>
-                <a:cs typeface="Courier"/>
-              </a:rPr>
-              <a:t>        let results = try! </a:t>
-            </a:r>
-            <a:r>
-              <a:rPr lang="en-US" sz="1200" dirty="0" err="1">
-                <a:latin typeface="Courier"/>
-                <a:cs typeface="Courier"/>
-              </a:rPr>
-              <a:t>items.skip</a:t>
-            </a:r>
-            <a:r>
-              <a:rPr lang="en-US" sz="1200" dirty="0">
-                <a:latin typeface="Courier"/>
-                <a:cs typeface="Courier"/>
-              </a:rPr>
-              <a:t>(3).take(2).</a:t>
-            </a:r>
-            <a:r>
-              <a:rPr lang="en-US" sz="1200" dirty="0" err="1">
-                <a:latin typeface="Courier"/>
-                <a:cs typeface="Courier"/>
-              </a:rPr>
-              <a:t>toBlocking</a:t>
-            </a:r>
-            <a:r>
-              <a:rPr lang="en-US" sz="1200" dirty="0">
-                <a:latin typeface="Courier"/>
-                <a:cs typeface="Courier"/>
-              </a:rPr>
-              <a:t>().</a:t>
-            </a:r>
-            <a:r>
-              <a:rPr lang="en-US" sz="1200" dirty="0" err="1">
-                <a:latin typeface="Courier"/>
-                <a:cs typeface="Courier"/>
-              </a:rPr>
-              <a:t>toArray</a:t>
-            </a:r>
-            <a:r>
-              <a:rPr lang="en-US" sz="1200" dirty="0">
-                <a:latin typeface="Courier"/>
-                <a:cs typeface="Courier"/>
-              </a:rPr>
-              <a:t>()</a:t>
-            </a:r>
-          </a:p>
-          <a:p>
-            <a:r>
-              <a:rPr lang="mr-IN" sz="1200" dirty="0">
-                <a:latin typeface="Courier"/>
-                <a:cs typeface="Courier"/>
-              </a:rPr>
-              <a:t>        XCTAssertEqual([15, 20], results)</a:t>
-            </a:r>
-          </a:p>
-          <a:p>
-            <a:r>
-              <a:rPr lang="mr-IN" sz="1200" dirty="0">
-                <a:latin typeface="Courier"/>
-                <a:cs typeface="Courier"/>
-              </a:rPr>
-              <a:t>        </a:t>
-            </a:r>
-          </a:p>
-          <a:p>
-            <a:r>
-              <a:rPr lang="mr-IN" sz="1200" dirty="0">
-                <a:latin typeface="Courier"/>
-                <a:cs typeface="Courier"/>
-              </a:rPr>
-              <a:t>    }</a:t>
-            </a:r>
-            <a:endParaRPr lang="en-US" sz="1200" dirty="0">
-              <a:latin typeface="Courier"/>
-              <a:cs typeface="Courier"/>
-            </a:endParaRPr>
-          </a:p>
-        </p:txBody>
-      </p:sp>
-    </p:spTree>
-    <p:extLst>
-      <p:ext uri="{BB962C8B-B14F-4D97-AF65-F5344CB8AC3E}">
-        <p14:creationId xmlns:p14="http://schemas.microsoft.com/office/powerpoint/2010/main" val="2956619374"/>
-      </p:ext>
-    </p:extLst>
-  </p:cSld>
-  <p:clrMapOvr>
-    <a:masterClrMapping/>
-  </p:clrMapOvr>
-  <p:timing>
-    <p:tnLst>
-      <p:par>
-        <p:cTn xmlns:p14="http://schemas.microsoft.com/office/powerpoint/2010/main" id="1" dur="indefinite" restart="never" nodeType="tmRoot"/>
-      </p:par>
-    </p:tnLst>
-  </p:timing>
-</p:sld>
-</file>
-
-<file path=ppt/slides/slide15.xml><?xml version="1.0" encoding="utf-8"?>
-<p:sld xmlns:a="http://schemas.openxmlformats.org/drawingml/2006/main" xmlns:r="http://schemas.openxmlformats.org/officeDocument/2006/relationships" xmlns:p="http://schemas.openxmlformats.org/presentationml/2006/main">
-  <p:cSld>
-    <p:spTree>
-      <p:nvGrpSpPr>
-        <p:cNvPr id="1" name="Shape 188"/>
-        <p:cNvGrpSpPr/>
-        <p:nvPr/>
-      </p:nvGrpSpPr>
-      <p:grpSpPr>
-        <a:xfrm>
-          <a:off x="0" y="0"/>
-          <a:ext cx="0" cy="0"/>
-          <a:chOff x="0" y="0"/>
-          <a:chExt cx="0" cy="0"/>
-        </a:xfrm>
-      </p:grpSpPr>
-      <p:sp>
-        <p:nvSpPr>
-          <p:cNvPr id="189" name="Shape 189"/>
-          <p:cNvSpPr txBox="1">
-            <a:spLocks noGrp="1"/>
-          </p:cNvSpPr>
-          <p:nvPr>
-            <p:ph type="title"/>
-          </p:nvPr>
-        </p:nvSpPr>
-        <p:spPr>
-          <a:xfrm>
-            <a:off x="814275" y="392575"/>
-            <a:ext cx="5258400" cy="766200"/>
-          </a:xfrm>
-          <a:prstGeom prst="rect">
-            <a:avLst/>
-          </a:prstGeom>
-        </p:spPr>
-        <p:txBody>
-          <a:bodyPr wrap="square" lIns="91425" tIns="91425" rIns="91425" bIns="91425" anchor="ctr" anchorCtr="0">
-            <a:noAutofit/>
-          </a:bodyPr>
-          <a:lstStyle/>
-          <a:p>
-            <a:pPr lvl="0" rtl="0">
-              <a:spcBef>
-                <a:spcPts val="0"/>
-              </a:spcBef>
-              <a:buNone/>
-            </a:pPr>
-            <a:r>
-              <a:rPr lang="en-US" dirty="0" err="1" smtClean="0"/>
-              <a:t>RxBlocking</a:t>
-            </a:r>
-            <a:endParaRPr lang="en" dirty="0"/>
-          </a:p>
-        </p:txBody>
-      </p:sp>
-      <p:sp>
-        <p:nvSpPr>
-          <p:cNvPr id="192" name="Shape 192"/>
-          <p:cNvSpPr txBox="1">
-            <a:spLocks noGrp="1"/>
-          </p:cNvSpPr>
-          <p:nvPr>
-            <p:ph type="sldNum" idx="12"/>
-          </p:nvPr>
-        </p:nvSpPr>
-        <p:spPr>
-          <a:xfrm>
-            <a:off x="7618000" y="4636500"/>
-            <a:ext cx="1487400" cy="315600"/>
-          </a:xfrm>
-          <a:prstGeom prst="rect">
-            <a:avLst/>
-          </a:prstGeom>
-        </p:spPr>
-        <p:txBody>
-          <a:bodyPr wrap="square" lIns="91425" tIns="91425" rIns="91425" bIns="91425" anchor="ctr" anchorCtr="0">
-            <a:noAutofit/>
-          </a:bodyPr>
-          <a:lstStyle/>
-          <a:p>
-            <a:pPr lvl="0">
-              <a:spcBef>
-                <a:spcPts val="0"/>
-              </a:spcBef>
-              <a:buNone/>
-            </a:pPr>
-            <a:fld id="{00000000-1234-1234-1234-123412341234}" type="slidenum">
-              <a:rPr lang="en"/>
-              <a:t>15</a:t>
             </a:fld>
             <a:endParaRPr lang="en"/>
           </a:p>
@@ -9137,7 +8703,7 @@
     </p:spTree>
     <p:extLst>
       <p:ext uri="{BB962C8B-B14F-4D97-AF65-F5344CB8AC3E}">
-        <p14:creationId xmlns:p14="http://schemas.microsoft.com/office/powerpoint/2010/main" val="1560855082"/>
+        <p14:creationId xmlns:p14="http://schemas.microsoft.com/office/powerpoint/2010/main" val="2440858287"/>
       </p:ext>
     </p:extLst>
   </p:cSld>
@@ -9183,8 +8749,8 @@
         </p:nvSpPr>
         <p:spPr>
           <a:xfrm>
-            <a:off x="1052178" y="392575"/>
-            <a:ext cx="4539261" cy="766200"/>
+            <a:off x="814275" y="392575"/>
+            <a:ext cx="5258400" cy="766200"/>
           </a:xfrm>
           <a:prstGeom prst="rect">
             <a:avLst/>
@@ -9222,8 +8788,8 @@
         </p:nvSpPr>
         <p:spPr>
           <a:xfrm>
-            <a:off x="7955818" y="4636500"/>
-            <a:ext cx="1149581" cy="315600"/>
+            <a:off x="7618000" y="4636500"/>
+            <a:ext cx="1487400" cy="315600"/>
           </a:xfrm>
           <a:prstGeom prst="rect">
             <a:avLst/>
@@ -9245,7 +8811,7 @@
               <a:rPr lang="en"/>
               <a:t>9</a:t>
             </a:fld>
-            <a:endParaRPr lang="en" dirty="0"/>
+            <a:endParaRPr lang="en"/>
           </a:p>
         </p:txBody>
       </p:sp>
@@ -9281,160 +8847,195 @@
       </p:pic>
       <p:sp>
         <p:nvSpPr>
-          <p:cNvPr id="4" name="Rectangle 3"/>
-          <p:cNvSpPr/>
+          <p:cNvPr id="3" name="TextBox 2"/>
+          <p:cNvSpPr txBox="1"/>
           <p:nvPr/>
         </p:nvSpPr>
         <p:spPr>
           <a:xfrm>
-            <a:off x="303535" y="1465340"/>
-            <a:ext cx="8333429" cy="2800766"/>
+            <a:off x="1142462" y="1613657"/>
+            <a:ext cx="5032936" cy="1815882"/>
           </a:xfrm>
           <a:prstGeom prst="rect">
             <a:avLst/>
           </a:prstGeom>
+          <a:noFill/>
         </p:spPr>
         <p:txBody>
-          <a:bodyPr wrap="square">
+          <a:bodyPr wrap="none" rtlCol="0">
             <a:spAutoFit/>
           </a:bodyPr>
           <a:lstStyle/>
           <a:p>
-            <a:pPr marL="285750" indent="-285750">
-              <a:buFontTx/>
-              <a:buChar char="-"/>
-            </a:pPr>
-            <a:r>
-              <a:rPr lang="en-US" sz="1600" dirty="0" err="1" smtClean="0"/>
-              <a:t>TestableObserver</a:t>
-            </a:r>
-            <a:r>
-              <a:rPr lang="en-US" sz="1600" dirty="0"/>
-              <a:t>&lt;</a:t>
-            </a:r>
-            <a:r>
-              <a:rPr lang="en-US" sz="1600" dirty="0" err="1"/>
-              <a:t>ElementType</a:t>
-            </a:r>
-            <a:r>
-              <a:rPr lang="en-US" sz="1600" dirty="0"/>
-              <a:t>&gt; - an observer, which records all emitted events so you can inspect them and run your asserts on those </a:t>
-            </a:r>
-            <a:r>
-              <a:rPr lang="en-US" sz="1600" dirty="0" smtClean="0"/>
-              <a:t>events</a:t>
-            </a:r>
-          </a:p>
-          <a:p>
-            <a:pPr marL="285750" indent="-285750">
-              <a:buFontTx/>
-              <a:buChar char="-"/>
-            </a:pPr>
-            <a:endParaRPr lang="en-US" sz="1600" dirty="0" smtClean="0"/>
-          </a:p>
-          <a:p>
-            <a:pPr marL="285750" indent="-285750">
-              <a:buFontTx/>
-              <a:buChar char="-"/>
-            </a:pPr>
-            <a:r>
-              <a:rPr lang="en-US" sz="1600" dirty="0" err="1" smtClean="0"/>
-              <a:t>TestScheduler</a:t>
-            </a:r>
-            <a:r>
-              <a:rPr lang="en-US" sz="1600" dirty="0" smtClean="0"/>
+            <a:r>
+              <a:rPr lang="en-US" dirty="0" err="1">
+                <a:latin typeface="Courier"/>
+                <a:cs typeface="Courier"/>
+              </a:rPr>
+              <a:t>struct</a:t>
+            </a:r>
+            <a:r>
+              <a:rPr lang="en-US" dirty="0">
+                <a:latin typeface="Courier"/>
+                <a:cs typeface="Courier"/>
+              </a:rPr>
               <a:t> </a:t>
             </a:r>
             <a:r>
-              <a:rPr lang="en-US" sz="1600" dirty="0"/>
-              <a:t>- a scheduler which let’s you control values and time, and let’s you create testable </a:t>
-            </a:r>
-            <a:r>
-              <a:rPr lang="en-US" sz="1600" dirty="0" smtClean="0"/>
-              <a:t>observers</a:t>
-            </a:r>
-          </a:p>
-          <a:p>
-            <a:pPr marL="285750" indent="-285750">
-              <a:buFontTx/>
-              <a:buChar char="-"/>
-            </a:pPr>
-            <a:endParaRPr lang="en-US" sz="1600" dirty="0" smtClean="0"/>
-          </a:p>
-          <a:p>
-            <a:pPr marL="285750" indent="-285750">
-              <a:buFontTx/>
-              <a:buChar char="-"/>
-            </a:pPr>
-            <a:r>
-              <a:rPr lang="en-US" sz="1600" dirty="0" err="1" smtClean="0"/>
-              <a:t>TestObservable</a:t>
-            </a:r>
-            <a:r>
-              <a:rPr lang="en-US" sz="1600" dirty="0"/>
-              <a:t> - </a:t>
-            </a:r>
-            <a:r>
-              <a:rPr lang="en-US" sz="1600" dirty="0" smtClean="0"/>
-              <a:t>Observable</a:t>
-            </a:r>
-            <a:r>
-              <a:rPr lang="en-US" sz="1600" dirty="0"/>
-              <a:t>, where you can pass what events should it send at given </a:t>
-            </a:r>
-            <a:r>
-              <a:rPr lang="en-US" sz="1600" dirty="0" smtClean="0"/>
-              <a:t>schedule</a:t>
-            </a:r>
-          </a:p>
-          <a:p>
-            <a:pPr marL="285750" indent="-285750">
-              <a:buFontTx/>
-              <a:buChar char="-"/>
-            </a:pPr>
-            <a:endParaRPr lang="en-US" sz="1600" dirty="0" smtClean="0"/>
-          </a:p>
-          <a:p>
-            <a:pPr marL="285750" indent="-285750">
-              <a:buFontTx/>
-              <a:buChar char="-"/>
-            </a:pPr>
-            <a:r>
-              <a:rPr lang="en-US" sz="1600" dirty="0" smtClean="0"/>
-              <a:t>=</a:t>
-            </a:r>
-            <a:r>
-              <a:rPr lang="en-US" sz="1600" dirty="0"/>
-              <a:t>= (lhs: Event&lt;Element&gt;, </a:t>
-            </a:r>
-            <a:r>
-              <a:rPr lang="en-US" sz="1600" dirty="0" err="1"/>
-              <a:t>rhs</a:t>
-            </a:r>
-            <a:r>
-              <a:rPr lang="en-US" sz="1600" dirty="0"/>
-              <a:t>: Event&lt;Element&gt;) adds </a:t>
-            </a:r>
-            <a:r>
-              <a:rPr lang="en-US" sz="1600" dirty="0" err="1"/>
-              <a:t>Equatable</a:t>
-            </a:r>
-            <a:r>
-              <a:rPr lang="en-US" sz="1600" dirty="0"/>
-              <a:t> implementation to Rx events so you can easily check recorded </a:t>
-            </a:r>
-            <a:r>
-              <a:rPr lang="en-US" sz="1600" dirty="0" smtClean="0"/>
-              <a:t>events</a:t>
-            </a:r>
-            <a:endParaRPr lang="en-US" sz="1600" dirty="0"/>
+              <a:rPr lang="en-US" dirty="0" err="1">
+                <a:latin typeface="Courier"/>
+                <a:cs typeface="Courier"/>
+              </a:rPr>
+              <a:t>CornSorter</a:t>
+            </a:r>
+            <a:r>
+              <a:rPr lang="en-US" dirty="0">
+                <a:latin typeface="Courier"/>
+                <a:cs typeface="Courier"/>
+              </a:rPr>
+              <a:t> {</a:t>
+            </a:r>
+          </a:p>
+          <a:p>
+            <a:r>
+              <a:rPr lang="en-US" dirty="0">
+                <a:latin typeface="Courier"/>
+                <a:cs typeface="Courier"/>
+              </a:rPr>
+              <a:t>    let </a:t>
+            </a:r>
+            <a:r>
+              <a:rPr lang="en-US" dirty="0" err="1">
+                <a:latin typeface="Courier"/>
+                <a:cs typeface="Courier"/>
+              </a:rPr>
+              <a:t>barnStream</a:t>
+            </a:r>
+            <a:r>
+              <a:rPr lang="en-US" dirty="0">
+                <a:latin typeface="Courier"/>
+                <a:cs typeface="Courier"/>
+              </a:rPr>
+              <a:t>: Observable&lt;String&gt;</a:t>
+            </a:r>
+          </a:p>
+          <a:p>
+            <a:r>
+              <a:rPr lang="mr-IN" dirty="0">
+                <a:latin typeface="Courier"/>
+                <a:cs typeface="Courier"/>
+              </a:rPr>
+              <a:t>    </a:t>
+            </a:r>
+          </a:p>
+          <a:p>
+            <a:r>
+              <a:rPr lang="en-US" dirty="0">
+                <a:latin typeface="Courier"/>
+                <a:cs typeface="Courier"/>
+              </a:rPr>
+              <a:t>    </a:t>
+            </a:r>
+            <a:r>
+              <a:rPr lang="en-US" dirty="0" err="1">
+                <a:latin typeface="Courier"/>
+                <a:cs typeface="Courier"/>
+              </a:rPr>
+              <a:t>init</a:t>
+            </a:r>
+            <a:r>
+              <a:rPr lang="en-US" dirty="0">
+                <a:latin typeface="Courier"/>
+                <a:cs typeface="Courier"/>
+              </a:rPr>
+              <a:t>(</a:t>
+            </a:r>
+            <a:r>
+              <a:rPr lang="en-US" dirty="0" err="1">
+                <a:latin typeface="Courier"/>
+                <a:cs typeface="Courier"/>
+              </a:rPr>
+              <a:t>tractorStream</a:t>
+            </a:r>
+            <a:r>
+              <a:rPr lang="en-US" dirty="0">
+                <a:latin typeface="Courier"/>
+                <a:cs typeface="Courier"/>
+              </a:rPr>
+              <a:t>: Observable&lt;String&gt;) {</a:t>
+            </a:r>
+          </a:p>
+          <a:p>
+            <a:r>
+              <a:rPr lang="en-US" dirty="0">
+                <a:latin typeface="Courier"/>
+                <a:cs typeface="Courier"/>
+              </a:rPr>
+              <a:t>        </a:t>
+            </a:r>
+            <a:r>
+              <a:rPr lang="en-US" dirty="0" err="1">
+                <a:latin typeface="Courier"/>
+                <a:cs typeface="Courier"/>
+              </a:rPr>
+              <a:t>barnStream</a:t>
+            </a:r>
+            <a:r>
+              <a:rPr lang="en-US" dirty="0">
+                <a:latin typeface="Courier"/>
+                <a:cs typeface="Courier"/>
+              </a:rPr>
+              <a:t> = </a:t>
+            </a:r>
+            <a:r>
+              <a:rPr lang="en-US" dirty="0" err="1">
+                <a:latin typeface="Courier"/>
+                <a:cs typeface="Courier"/>
+              </a:rPr>
+              <a:t>tractorStream</a:t>
+            </a:r>
+            <a:endParaRPr lang="en-US" dirty="0">
+              <a:latin typeface="Courier"/>
+              <a:cs typeface="Courier"/>
+            </a:endParaRPr>
+          </a:p>
+          <a:p>
+            <a:r>
+              <a:rPr lang="mr-IN" dirty="0">
+                <a:latin typeface="Courier"/>
+                <a:cs typeface="Courier"/>
+              </a:rPr>
+              <a:t>            .filter { $0 == "🌽" }</a:t>
+            </a:r>
+          </a:p>
+          <a:p>
+            <a:r>
+              <a:rPr lang="mr-IN" dirty="0">
+                <a:latin typeface="Courier"/>
+                <a:cs typeface="Courier"/>
+              </a:rPr>
+              <a:t>    }</a:t>
+            </a:r>
+          </a:p>
+          <a:p>
+            <a:r>
+              <a:rPr lang="mr-IN" dirty="0">
+                <a:latin typeface="Courier"/>
+                <a:cs typeface="Courier"/>
+              </a:rPr>
+              <a:t>}</a:t>
+            </a:r>
+            <a:endParaRPr lang="en-US" dirty="0">
+              <a:latin typeface="Courier"/>
+              <a:cs typeface="Courier"/>
+            </a:endParaRPr>
           </a:p>
         </p:txBody>
       </p:sp>
     </p:spTree>
     <p:extLst>
       <p:ext uri="{BB962C8B-B14F-4D97-AF65-F5344CB8AC3E}">
-        <p14:creationId xmlns:p14="http://schemas.microsoft.com/office/powerpoint/2010/main" val="2440858287"/>
+        <p14:creationId xmlns:p14="http://schemas.microsoft.com/office/powerpoint/2010/main" val="3507461021"/>
       </p:ext>
     </p:extLst>
   </p:cSld>

--- a/AdvancedRxSwift/day5/AdvancedRxSwift5.pptx
+++ b/AdvancedRxSwift/day5/AdvancedRxSwift5.pptx
@@ -7259,27 +7259,33 @@
               <a:t> </a:t>
             </a:r>
             <a:r>
-              <a:rPr lang="en-US" dirty="0" smtClean="0"/>
-              <a:t>Advanced </a:t>
-            </a:r>
-            <a:r>
-              <a:rPr lang="en-US" dirty="0" err="1" smtClean="0"/>
+              <a:rPr lang="en-US" dirty="0"/>
+              <a:t>Adding a Reactive Extension to Custom UI Element, </a:t>
+            </a:r>
+          </a:p>
+          <a:p>
+            <a:r>
+              <a:rPr lang="en-US" dirty="0"/>
+              <a:t>              2 Way Binding, Advanced </a:t>
+            </a:r>
+            <a:r>
+              <a:rPr lang="en-US" dirty="0" err="1"/>
               <a:t>TableView</a:t>
             </a:r>
             <a:r>
-              <a:rPr lang="en-US" dirty="0" smtClean="0"/>
+              <a:rPr lang="en-US" dirty="0"/>
               <a:t> </a:t>
             </a:r>
             <a:r>
-              <a:rPr lang="mr-IN" dirty="0" smtClean="0"/>
+              <a:rPr lang="mr-IN" dirty="0"/>
               <a:t>–</a:t>
             </a:r>
             <a:r>
-              <a:rPr lang="en-US" dirty="0" smtClean="0"/>
+              <a:rPr lang="en-US" dirty="0"/>
               <a:t> </a:t>
             </a:r>
             <a:r>
-              <a:rPr lang="en-US" dirty="0" err="1" smtClean="0"/>
+              <a:rPr lang="en-US" smtClean="0"/>
               <a:t>RxDataSources</a:t>
             </a:r>
             <a:endParaRPr lang="en-US" dirty="0" smtClean="0"/>

--- a/AdvancedRxSwift/day5/AdvancedRxSwift5.pptx
+++ b/AdvancedRxSwift/day5/AdvancedRxSwift5.pptx
@@ -7237,7 +7237,15 @@
             </a:r>
             <a:r>
               <a:rPr lang="en-US" dirty="0" smtClean="0"/>
-              <a:t>Binding Track Activity (show / hide ‘Loading’ )</a:t>
+              <a:t>Binding Track Activity (show / hide ‘Loading</a:t>
+            </a:r>
+            <a:r>
+              <a:rPr lang="en-US" smtClean="0"/>
+              <a:t>’ </a:t>
+            </a:r>
+            <a:r>
+              <a:rPr lang="en-US"/>
+              <a:t>), Scan Operator</a:t>
             </a:r>
             <a:endParaRPr lang="en-US" dirty="0"/>
           </a:p>
@@ -7256,11 +7264,7 @@
             </a:r>
             <a:r>
               <a:rPr lang="en-US" dirty="0"/>
-              <a:t> </a:t>
-            </a:r>
-            <a:r>
-              <a:rPr lang="en-US" dirty="0"/>
-              <a:t>Adding a Reactive Extension to Custom UI Element, </a:t>
+              <a:t> Adding a Reactive Extension to Custom UI Element, </a:t>
             </a:r>
           </a:p>
           <a:p>
@@ -7285,7 +7289,7 @@
               <a:t> </a:t>
             </a:r>
             <a:r>
-              <a:rPr lang="en-US" smtClean="0"/>
+              <a:rPr lang="en-US" dirty="0" err="1" smtClean="0"/>
               <a:t>RxDataSources</a:t>
             </a:r>
             <a:endParaRPr lang="en-US" dirty="0" smtClean="0"/>

--- a/AdvancedRxSwift/day5/AdvancedRxSwift5.pptx
+++ b/AdvancedRxSwift/day5/AdvancedRxSwift5.pptx
@@ -5,7 +5,7 @@
     <p:sldMasterId id="2147483657" r:id="rId1"/>
   </p:sldMasterIdLst>
   <p:notesMasterIdLst>
-    <p:notesMasterId r:id="rId16"/>
+    <p:notesMasterId r:id="rId24"/>
   </p:notesMasterIdLst>
   <p:sldIdLst>
     <p:sldId id="256" r:id="rId2"/>
@@ -16,12 +16,20 @@
     <p:sldId id="354" r:id="rId7"/>
     <p:sldId id="353" r:id="rId8"/>
     <p:sldId id="355" r:id="rId9"/>
-    <p:sldId id="352" r:id="rId10"/>
-    <p:sldId id="356" r:id="rId11"/>
-    <p:sldId id="357" r:id="rId12"/>
-    <p:sldId id="358" r:id="rId13"/>
-    <p:sldId id="359" r:id="rId14"/>
-    <p:sldId id="360" r:id="rId15"/>
+    <p:sldId id="366" r:id="rId10"/>
+    <p:sldId id="367" r:id="rId11"/>
+    <p:sldId id="362" r:id="rId12"/>
+    <p:sldId id="363" r:id="rId13"/>
+    <p:sldId id="364" r:id="rId14"/>
+    <p:sldId id="368" r:id="rId15"/>
+    <p:sldId id="365" r:id="rId16"/>
+    <p:sldId id="361" r:id="rId17"/>
+    <p:sldId id="352" r:id="rId18"/>
+    <p:sldId id="356" r:id="rId19"/>
+    <p:sldId id="357" r:id="rId20"/>
+    <p:sldId id="358" r:id="rId21"/>
+    <p:sldId id="359" r:id="rId22"/>
+    <p:sldId id="360" r:id="rId23"/>
   </p:sldIdLst>
   <p:sldSz cx="9144000" cy="5143500" type="screen16x9"/>
   <p:notesSz cx="6858000" cy="9144000"/>
@@ -1116,7 +1124,815 @@
 </p:notes>
 </file>
 
+<file path=ppt/notesSlides/notesSlide15.xml><?xml version="1.0" encoding="utf-8"?>
+<p:notes xmlns:a="http://schemas.openxmlformats.org/drawingml/2006/main" xmlns:r="http://schemas.openxmlformats.org/officeDocument/2006/relationships" xmlns:p="http://schemas.openxmlformats.org/presentationml/2006/main" showMasterSp="0" showMasterPhAnim="0">
+  <p:cSld>
+    <p:spTree>
+      <p:nvGrpSpPr>
+        <p:cNvPr id="1" name="Shape 185"/>
+        <p:cNvGrpSpPr/>
+        <p:nvPr/>
+      </p:nvGrpSpPr>
+      <p:grpSpPr>
+        <a:xfrm>
+          <a:off x="0" y="0"/>
+          <a:ext cx="0" cy="0"/>
+          <a:chOff x="0" y="0"/>
+          <a:chExt cx="0" cy="0"/>
+        </a:xfrm>
+      </p:grpSpPr>
+      <p:sp>
+        <p:nvSpPr>
+          <p:cNvPr id="186" name="Shape 186"/>
+          <p:cNvSpPr>
+            <a:spLocks noGrp="1" noRot="1" noChangeAspect="1"/>
+          </p:cNvSpPr>
+          <p:nvPr>
+            <p:ph type="sldImg" idx="2"/>
+          </p:nvPr>
+        </p:nvSpPr>
+        <p:spPr>
+          <a:xfrm>
+            <a:off x="381000" y="685800"/>
+            <a:ext cx="6096000" cy="3429000"/>
+          </a:xfrm>
+          <a:custGeom>
+            <a:avLst/>
+            <a:gdLst/>
+            <a:ahLst/>
+            <a:cxnLst/>
+            <a:rect l="0" t="0" r="0" b="0"/>
+            <a:pathLst>
+              <a:path w="120000" h="120000" extrusionOk="0">
+                <a:moveTo>
+                  <a:pt x="0" y="0"/>
+                </a:moveTo>
+                <a:lnTo>
+                  <a:pt x="120000" y="0"/>
+                </a:lnTo>
+                <a:lnTo>
+                  <a:pt x="120000" y="120000"/>
+                </a:lnTo>
+                <a:lnTo>
+                  <a:pt x="0" y="120000"/>
+                </a:lnTo>
+                <a:close/>
+              </a:path>
+            </a:pathLst>
+          </a:custGeom>
+        </p:spPr>
+      </p:sp>
+      <p:sp>
+        <p:nvSpPr>
+          <p:cNvPr id="187" name="Shape 187"/>
+          <p:cNvSpPr txBox="1">
+            <a:spLocks noGrp="1"/>
+          </p:cNvSpPr>
+          <p:nvPr>
+            <p:ph type="body" idx="1"/>
+          </p:nvPr>
+        </p:nvSpPr>
+        <p:spPr>
+          <a:xfrm>
+            <a:off x="685800" y="4343400"/>
+            <a:ext cx="5486400" cy="4114800"/>
+          </a:xfrm>
+          <a:prstGeom prst="rect">
+            <a:avLst/>
+          </a:prstGeom>
+        </p:spPr>
+        <p:txBody>
+          <a:bodyPr wrap="square" lIns="91425" tIns="91425" rIns="91425" bIns="91425" anchor="t" anchorCtr="0">
+            <a:noAutofit/>
+          </a:bodyPr>
+          <a:lstStyle/>
+          <a:p>
+            <a:pPr lvl="0">
+              <a:spcBef>
+                <a:spcPts val="0"/>
+              </a:spcBef>
+              <a:buNone/>
+            </a:pPr>
+            <a:endParaRPr/>
+          </a:p>
+        </p:txBody>
+      </p:sp>
+    </p:spTree>
+  </p:cSld>
+  <p:clrMapOvr>
+    <a:masterClrMapping/>
+  </p:clrMapOvr>
+</p:notes>
+</file>
+
+<file path=ppt/notesSlides/notesSlide16.xml><?xml version="1.0" encoding="utf-8"?>
+<p:notes xmlns:a="http://schemas.openxmlformats.org/drawingml/2006/main" xmlns:r="http://schemas.openxmlformats.org/officeDocument/2006/relationships" xmlns:p="http://schemas.openxmlformats.org/presentationml/2006/main" showMasterSp="0" showMasterPhAnim="0">
+  <p:cSld>
+    <p:spTree>
+      <p:nvGrpSpPr>
+        <p:cNvPr id="1" name="Shape 185"/>
+        <p:cNvGrpSpPr/>
+        <p:nvPr/>
+      </p:nvGrpSpPr>
+      <p:grpSpPr>
+        <a:xfrm>
+          <a:off x="0" y="0"/>
+          <a:ext cx="0" cy="0"/>
+          <a:chOff x="0" y="0"/>
+          <a:chExt cx="0" cy="0"/>
+        </a:xfrm>
+      </p:grpSpPr>
+      <p:sp>
+        <p:nvSpPr>
+          <p:cNvPr id="186" name="Shape 186"/>
+          <p:cNvSpPr>
+            <a:spLocks noGrp="1" noRot="1" noChangeAspect="1"/>
+          </p:cNvSpPr>
+          <p:nvPr>
+            <p:ph type="sldImg" idx="2"/>
+          </p:nvPr>
+        </p:nvSpPr>
+        <p:spPr>
+          <a:xfrm>
+            <a:off x="381000" y="685800"/>
+            <a:ext cx="6096000" cy="3429000"/>
+          </a:xfrm>
+          <a:custGeom>
+            <a:avLst/>
+            <a:gdLst/>
+            <a:ahLst/>
+            <a:cxnLst/>
+            <a:rect l="0" t="0" r="0" b="0"/>
+            <a:pathLst>
+              <a:path w="120000" h="120000" extrusionOk="0">
+                <a:moveTo>
+                  <a:pt x="0" y="0"/>
+                </a:moveTo>
+                <a:lnTo>
+                  <a:pt x="120000" y="0"/>
+                </a:lnTo>
+                <a:lnTo>
+                  <a:pt x="120000" y="120000"/>
+                </a:lnTo>
+                <a:lnTo>
+                  <a:pt x="0" y="120000"/>
+                </a:lnTo>
+                <a:close/>
+              </a:path>
+            </a:pathLst>
+          </a:custGeom>
+        </p:spPr>
+      </p:sp>
+      <p:sp>
+        <p:nvSpPr>
+          <p:cNvPr id="187" name="Shape 187"/>
+          <p:cNvSpPr txBox="1">
+            <a:spLocks noGrp="1"/>
+          </p:cNvSpPr>
+          <p:nvPr>
+            <p:ph type="body" idx="1"/>
+          </p:nvPr>
+        </p:nvSpPr>
+        <p:spPr>
+          <a:xfrm>
+            <a:off x="685800" y="4343400"/>
+            <a:ext cx="5486400" cy="4114800"/>
+          </a:xfrm>
+          <a:prstGeom prst="rect">
+            <a:avLst/>
+          </a:prstGeom>
+        </p:spPr>
+        <p:txBody>
+          <a:bodyPr wrap="square" lIns="91425" tIns="91425" rIns="91425" bIns="91425" anchor="t" anchorCtr="0">
+            <a:noAutofit/>
+          </a:bodyPr>
+          <a:lstStyle/>
+          <a:p>
+            <a:pPr lvl="0">
+              <a:spcBef>
+                <a:spcPts val="0"/>
+              </a:spcBef>
+              <a:buNone/>
+            </a:pPr>
+            <a:endParaRPr/>
+          </a:p>
+        </p:txBody>
+      </p:sp>
+    </p:spTree>
+  </p:cSld>
+  <p:clrMapOvr>
+    <a:masterClrMapping/>
+  </p:clrMapOvr>
+</p:notes>
+</file>
+
+<file path=ppt/notesSlides/notesSlide17.xml><?xml version="1.0" encoding="utf-8"?>
+<p:notes xmlns:a="http://schemas.openxmlformats.org/drawingml/2006/main" xmlns:r="http://schemas.openxmlformats.org/officeDocument/2006/relationships" xmlns:p="http://schemas.openxmlformats.org/presentationml/2006/main" showMasterSp="0" showMasterPhAnim="0">
+  <p:cSld>
+    <p:spTree>
+      <p:nvGrpSpPr>
+        <p:cNvPr id="1" name="Shape 185"/>
+        <p:cNvGrpSpPr/>
+        <p:nvPr/>
+      </p:nvGrpSpPr>
+      <p:grpSpPr>
+        <a:xfrm>
+          <a:off x="0" y="0"/>
+          <a:ext cx="0" cy="0"/>
+          <a:chOff x="0" y="0"/>
+          <a:chExt cx="0" cy="0"/>
+        </a:xfrm>
+      </p:grpSpPr>
+      <p:sp>
+        <p:nvSpPr>
+          <p:cNvPr id="186" name="Shape 186"/>
+          <p:cNvSpPr>
+            <a:spLocks noGrp="1" noRot="1" noChangeAspect="1"/>
+          </p:cNvSpPr>
+          <p:nvPr>
+            <p:ph type="sldImg" idx="2"/>
+          </p:nvPr>
+        </p:nvSpPr>
+        <p:spPr>
+          <a:xfrm>
+            <a:off x="381000" y="685800"/>
+            <a:ext cx="6096000" cy="3429000"/>
+          </a:xfrm>
+          <a:custGeom>
+            <a:avLst/>
+            <a:gdLst/>
+            <a:ahLst/>
+            <a:cxnLst/>
+            <a:rect l="0" t="0" r="0" b="0"/>
+            <a:pathLst>
+              <a:path w="120000" h="120000" extrusionOk="0">
+                <a:moveTo>
+                  <a:pt x="0" y="0"/>
+                </a:moveTo>
+                <a:lnTo>
+                  <a:pt x="120000" y="0"/>
+                </a:lnTo>
+                <a:lnTo>
+                  <a:pt x="120000" y="120000"/>
+                </a:lnTo>
+                <a:lnTo>
+                  <a:pt x="0" y="120000"/>
+                </a:lnTo>
+                <a:close/>
+              </a:path>
+            </a:pathLst>
+          </a:custGeom>
+        </p:spPr>
+      </p:sp>
+      <p:sp>
+        <p:nvSpPr>
+          <p:cNvPr id="187" name="Shape 187"/>
+          <p:cNvSpPr txBox="1">
+            <a:spLocks noGrp="1"/>
+          </p:cNvSpPr>
+          <p:nvPr>
+            <p:ph type="body" idx="1"/>
+          </p:nvPr>
+        </p:nvSpPr>
+        <p:spPr>
+          <a:xfrm>
+            <a:off x="685800" y="4343400"/>
+            <a:ext cx="5486400" cy="4114800"/>
+          </a:xfrm>
+          <a:prstGeom prst="rect">
+            <a:avLst/>
+          </a:prstGeom>
+        </p:spPr>
+        <p:txBody>
+          <a:bodyPr wrap="square" lIns="91425" tIns="91425" rIns="91425" bIns="91425" anchor="t" anchorCtr="0">
+            <a:noAutofit/>
+          </a:bodyPr>
+          <a:lstStyle/>
+          <a:p>
+            <a:pPr lvl="0">
+              <a:spcBef>
+                <a:spcPts val="0"/>
+              </a:spcBef>
+              <a:buNone/>
+            </a:pPr>
+            <a:endParaRPr/>
+          </a:p>
+        </p:txBody>
+      </p:sp>
+    </p:spTree>
+  </p:cSld>
+  <p:clrMapOvr>
+    <a:masterClrMapping/>
+  </p:clrMapOvr>
+</p:notes>
+</file>
+
+<file path=ppt/notesSlides/notesSlide18.xml><?xml version="1.0" encoding="utf-8"?>
+<p:notes xmlns:a="http://schemas.openxmlformats.org/drawingml/2006/main" xmlns:r="http://schemas.openxmlformats.org/officeDocument/2006/relationships" xmlns:p="http://schemas.openxmlformats.org/presentationml/2006/main" showMasterSp="0" showMasterPhAnim="0">
+  <p:cSld>
+    <p:spTree>
+      <p:nvGrpSpPr>
+        <p:cNvPr id="1" name="Shape 185"/>
+        <p:cNvGrpSpPr/>
+        <p:nvPr/>
+      </p:nvGrpSpPr>
+      <p:grpSpPr>
+        <a:xfrm>
+          <a:off x="0" y="0"/>
+          <a:ext cx="0" cy="0"/>
+          <a:chOff x="0" y="0"/>
+          <a:chExt cx="0" cy="0"/>
+        </a:xfrm>
+      </p:grpSpPr>
+      <p:sp>
+        <p:nvSpPr>
+          <p:cNvPr id="186" name="Shape 186"/>
+          <p:cNvSpPr>
+            <a:spLocks noGrp="1" noRot="1" noChangeAspect="1"/>
+          </p:cNvSpPr>
+          <p:nvPr>
+            <p:ph type="sldImg" idx="2"/>
+          </p:nvPr>
+        </p:nvSpPr>
+        <p:spPr>
+          <a:xfrm>
+            <a:off x="381000" y="685800"/>
+            <a:ext cx="6096000" cy="3429000"/>
+          </a:xfrm>
+          <a:custGeom>
+            <a:avLst/>
+            <a:gdLst/>
+            <a:ahLst/>
+            <a:cxnLst/>
+            <a:rect l="0" t="0" r="0" b="0"/>
+            <a:pathLst>
+              <a:path w="120000" h="120000" extrusionOk="0">
+                <a:moveTo>
+                  <a:pt x="0" y="0"/>
+                </a:moveTo>
+                <a:lnTo>
+                  <a:pt x="120000" y="0"/>
+                </a:lnTo>
+                <a:lnTo>
+                  <a:pt x="120000" y="120000"/>
+                </a:lnTo>
+                <a:lnTo>
+                  <a:pt x="0" y="120000"/>
+                </a:lnTo>
+                <a:close/>
+              </a:path>
+            </a:pathLst>
+          </a:custGeom>
+        </p:spPr>
+      </p:sp>
+      <p:sp>
+        <p:nvSpPr>
+          <p:cNvPr id="187" name="Shape 187"/>
+          <p:cNvSpPr txBox="1">
+            <a:spLocks noGrp="1"/>
+          </p:cNvSpPr>
+          <p:nvPr>
+            <p:ph type="body" idx="1"/>
+          </p:nvPr>
+        </p:nvSpPr>
+        <p:spPr>
+          <a:xfrm>
+            <a:off x="685800" y="4343400"/>
+            <a:ext cx="5486400" cy="4114800"/>
+          </a:xfrm>
+          <a:prstGeom prst="rect">
+            <a:avLst/>
+          </a:prstGeom>
+        </p:spPr>
+        <p:txBody>
+          <a:bodyPr wrap="square" lIns="91425" tIns="91425" rIns="91425" bIns="91425" anchor="t" anchorCtr="0">
+            <a:noAutofit/>
+          </a:bodyPr>
+          <a:lstStyle/>
+          <a:p>
+            <a:pPr lvl="0">
+              <a:spcBef>
+                <a:spcPts val="0"/>
+              </a:spcBef>
+              <a:buNone/>
+            </a:pPr>
+            <a:endParaRPr/>
+          </a:p>
+        </p:txBody>
+      </p:sp>
+    </p:spTree>
+  </p:cSld>
+  <p:clrMapOvr>
+    <a:masterClrMapping/>
+  </p:clrMapOvr>
+</p:notes>
+</file>
+
+<file path=ppt/notesSlides/notesSlide19.xml><?xml version="1.0" encoding="utf-8"?>
+<p:notes xmlns:a="http://schemas.openxmlformats.org/drawingml/2006/main" xmlns:r="http://schemas.openxmlformats.org/officeDocument/2006/relationships" xmlns:p="http://schemas.openxmlformats.org/presentationml/2006/main" showMasterSp="0" showMasterPhAnim="0">
+  <p:cSld>
+    <p:spTree>
+      <p:nvGrpSpPr>
+        <p:cNvPr id="1" name="Shape 185"/>
+        <p:cNvGrpSpPr/>
+        <p:nvPr/>
+      </p:nvGrpSpPr>
+      <p:grpSpPr>
+        <a:xfrm>
+          <a:off x="0" y="0"/>
+          <a:ext cx="0" cy="0"/>
+          <a:chOff x="0" y="0"/>
+          <a:chExt cx="0" cy="0"/>
+        </a:xfrm>
+      </p:grpSpPr>
+      <p:sp>
+        <p:nvSpPr>
+          <p:cNvPr id="186" name="Shape 186"/>
+          <p:cNvSpPr>
+            <a:spLocks noGrp="1" noRot="1" noChangeAspect="1"/>
+          </p:cNvSpPr>
+          <p:nvPr>
+            <p:ph type="sldImg" idx="2"/>
+          </p:nvPr>
+        </p:nvSpPr>
+        <p:spPr>
+          <a:xfrm>
+            <a:off x="381000" y="685800"/>
+            <a:ext cx="6096000" cy="3429000"/>
+          </a:xfrm>
+          <a:custGeom>
+            <a:avLst/>
+            <a:gdLst/>
+            <a:ahLst/>
+            <a:cxnLst/>
+            <a:rect l="0" t="0" r="0" b="0"/>
+            <a:pathLst>
+              <a:path w="120000" h="120000" extrusionOk="0">
+                <a:moveTo>
+                  <a:pt x="0" y="0"/>
+                </a:moveTo>
+                <a:lnTo>
+                  <a:pt x="120000" y="0"/>
+                </a:lnTo>
+                <a:lnTo>
+                  <a:pt x="120000" y="120000"/>
+                </a:lnTo>
+                <a:lnTo>
+                  <a:pt x="0" y="120000"/>
+                </a:lnTo>
+                <a:close/>
+              </a:path>
+            </a:pathLst>
+          </a:custGeom>
+        </p:spPr>
+      </p:sp>
+      <p:sp>
+        <p:nvSpPr>
+          <p:cNvPr id="187" name="Shape 187"/>
+          <p:cNvSpPr txBox="1">
+            <a:spLocks noGrp="1"/>
+          </p:cNvSpPr>
+          <p:nvPr>
+            <p:ph type="body" idx="1"/>
+          </p:nvPr>
+        </p:nvSpPr>
+        <p:spPr>
+          <a:xfrm>
+            <a:off x="685800" y="4343400"/>
+            <a:ext cx="5486400" cy="4114800"/>
+          </a:xfrm>
+          <a:prstGeom prst="rect">
+            <a:avLst/>
+          </a:prstGeom>
+        </p:spPr>
+        <p:txBody>
+          <a:bodyPr wrap="square" lIns="91425" tIns="91425" rIns="91425" bIns="91425" anchor="t" anchorCtr="0">
+            <a:noAutofit/>
+          </a:bodyPr>
+          <a:lstStyle/>
+          <a:p>
+            <a:pPr lvl="0">
+              <a:spcBef>
+                <a:spcPts val="0"/>
+              </a:spcBef>
+              <a:buNone/>
+            </a:pPr>
+            <a:endParaRPr/>
+          </a:p>
+        </p:txBody>
+      </p:sp>
+    </p:spTree>
+  </p:cSld>
+  <p:clrMapOvr>
+    <a:masterClrMapping/>
+  </p:clrMapOvr>
+</p:notes>
+</file>
+
 <file path=ppt/notesSlides/notesSlide2.xml><?xml version="1.0" encoding="utf-8"?>
+<p:notes xmlns:a="http://schemas.openxmlformats.org/drawingml/2006/main" xmlns:r="http://schemas.openxmlformats.org/officeDocument/2006/relationships" xmlns:p="http://schemas.openxmlformats.org/presentationml/2006/main" showMasterSp="0" showMasterPhAnim="0">
+  <p:cSld>
+    <p:spTree>
+      <p:nvGrpSpPr>
+        <p:cNvPr id="1" name="Shape 185"/>
+        <p:cNvGrpSpPr/>
+        <p:nvPr/>
+      </p:nvGrpSpPr>
+      <p:grpSpPr>
+        <a:xfrm>
+          <a:off x="0" y="0"/>
+          <a:ext cx="0" cy="0"/>
+          <a:chOff x="0" y="0"/>
+          <a:chExt cx="0" cy="0"/>
+        </a:xfrm>
+      </p:grpSpPr>
+      <p:sp>
+        <p:nvSpPr>
+          <p:cNvPr id="186" name="Shape 186"/>
+          <p:cNvSpPr>
+            <a:spLocks noGrp="1" noRot="1" noChangeAspect="1"/>
+          </p:cNvSpPr>
+          <p:nvPr>
+            <p:ph type="sldImg" idx="2"/>
+          </p:nvPr>
+        </p:nvSpPr>
+        <p:spPr>
+          <a:xfrm>
+            <a:off x="381000" y="685800"/>
+            <a:ext cx="6096000" cy="3429000"/>
+          </a:xfrm>
+          <a:custGeom>
+            <a:avLst/>
+            <a:gdLst/>
+            <a:ahLst/>
+            <a:cxnLst/>
+            <a:rect l="0" t="0" r="0" b="0"/>
+            <a:pathLst>
+              <a:path w="120000" h="120000" extrusionOk="0">
+                <a:moveTo>
+                  <a:pt x="0" y="0"/>
+                </a:moveTo>
+                <a:lnTo>
+                  <a:pt x="120000" y="0"/>
+                </a:lnTo>
+                <a:lnTo>
+                  <a:pt x="120000" y="120000"/>
+                </a:lnTo>
+                <a:lnTo>
+                  <a:pt x="0" y="120000"/>
+                </a:lnTo>
+                <a:close/>
+              </a:path>
+            </a:pathLst>
+          </a:custGeom>
+        </p:spPr>
+      </p:sp>
+      <p:sp>
+        <p:nvSpPr>
+          <p:cNvPr id="187" name="Shape 187"/>
+          <p:cNvSpPr txBox="1">
+            <a:spLocks noGrp="1"/>
+          </p:cNvSpPr>
+          <p:nvPr>
+            <p:ph type="body" idx="1"/>
+          </p:nvPr>
+        </p:nvSpPr>
+        <p:spPr>
+          <a:xfrm>
+            <a:off x="685800" y="4343400"/>
+            <a:ext cx="5486400" cy="4114800"/>
+          </a:xfrm>
+          <a:prstGeom prst="rect">
+            <a:avLst/>
+          </a:prstGeom>
+        </p:spPr>
+        <p:txBody>
+          <a:bodyPr wrap="square" lIns="91425" tIns="91425" rIns="91425" bIns="91425" anchor="t" anchorCtr="0">
+            <a:noAutofit/>
+          </a:bodyPr>
+          <a:lstStyle/>
+          <a:p>
+            <a:pPr lvl="0">
+              <a:spcBef>
+                <a:spcPts val="0"/>
+              </a:spcBef>
+              <a:buNone/>
+            </a:pPr>
+            <a:endParaRPr/>
+          </a:p>
+        </p:txBody>
+      </p:sp>
+    </p:spTree>
+  </p:cSld>
+  <p:clrMapOvr>
+    <a:masterClrMapping/>
+  </p:clrMapOvr>
+</p:notes>
+</file>
+
+<file path=ppt/notesSlides/notesSlide20.xml><?xml version="1.0" encoding="utf-8"?>
+<p:notes xmlns:a="http://schemas.openxmlformats.org/drawingml/2006/main" xmlns:r="http://schemas.openxmlformats.org/officeDocument/2006/relationships" xmlns:p="http://schemas.openxmlformats.org/presentationml/2006/main" showMasterSp="0" showMasterPhAnim="0">
+  <p:cSld>
+    <p:spTree>
+      <p:nvGrpSpPr>
+        <p:cNvPr id="1" name="Shape 185"/>
+        <p:cNvGrpSpPr/>
+        <p:nvPr/>
+      </p:nvGrpSpPr>
+      <p:grpSpPr>
+        <a:xfrm>
+          <a:off x="0" y="0"/>
+          <a:ext cx="0" cy="0"/>
+          <a:chOff x="0" y="0"/>
+          <a:chExt cx="0" cy="0"/>
+        </a:xfrm>
+      </p:grpSpPr>
+      <p:sp>
+        <p:nvSpPr>
+          <p:cNvPr id="186" name="Shape 186"/>
+          <p:cNvSpPr>
+            <a:spLocks noGrp="1" noRot="1" noChangeAspect="1"/>
+          </p:cNvSpPr>
+          <p:nvPr>
+            <p:ph type="sldImg" idx="2"/>
+          </p:nvPr>
+        </p:nvSpPr>
+        <p:spPr>
+          <a:xfrm>
+            <a:off x="381000" y="685800"/>
+            <a:ext cx="6096000" cy="3429000"/>
+          </a:xfrm>
+          <a:custGeom>
+            <a:avLst/>
+            <a:gdLst/>
+            <a:ahLst/>
+            <a:cxnLst/>
+            <a:rect l="0" t="0" r="0" b="0"/>
+            <a:pathLst>
+              <a:path w="120000" h="120000" extrusionOk="0">
+                <a:moveTo>
+                  <a:pt x="0" y="0"/>
+                </a:moveTo>
+                <a:lnTo>
+                  <a:pt x="120000" y="0"/>
+                </a:lnTo>
+                <a:lnTo>
+                  <a:pt x="120000" y="120000"/>
+                </a:lnTo>
+                <a:lnTo>
+                  <a:pt x="0" y="120000"/>
+                </a:lnTo>
+                <a:close/>
+              </a:path>
+            </a:pathLst>
+          </a:custGeom>
+        </p:spPr>
+      </p:sp>
+      <p:sp>
+        <p:nvSpPr>
+          <p:cNvPr id="187" name="Shape 187"/>
+          <p:cNvSpPr txBox="1">
+            <a:spLocks noGrp="1"/>
+          </p:cNvSpPr>
+          <p:nvPr>
+            <p:ph type="body" idx="1"/>
+          </p:nvPr>
+        </p:nvSpPr>
+        <p:spPr>
+          <a:xfrm>
+            <a:off x="685800" y="4343400"/>
+            <a:ext cx="5486400" cy="4114800"/>
+          </a:xfrm>
+          <a:prstGeom prst="rect">
+            <a:avLst/>
+          </a:prstGeom>
+        </p:spPr>
+        <p:txBody>
+          <a:bodyPr wrap="square" lIns="91425" tIns="91425" rIns="91425" bIns="91425" anchor="t" anchorCtr="0">
+            <a:noAutofit/>
+          </a:bodyPr>
+          <a:lstStyle/>
+          <a:p>
+            <a:pPr lvl="0">
+              <a:spcBef>
+                <a:spcPts val="0"/>
+              </a:spcBef>
+              <a:buNone/>
+            </a:pPr>
+            <a:endParaRPr/>
+          </a:p>
+        </p:txBody>
+      </p:sp>
+    </p:spTree>
+  </p:cSld>
+  <p:clrMapOvr>
+    <a:masterClrMapping/>
+  </p:clrMapOvr>
+</p:notes>
+</file>
+
+<file path=ppt/notesSlides/notesSlide21.xml><?xml version="1.0" encoding="utf-8"?>
+<p:notes xmlns:a="http://schemas.openxmlformats.org/drawingml/2006/main" xmlns:r="http://schemas.openxmlformats.org/officeDocument/2006/relationships" xmlns:p="http://schemas.openxmlformats.org/presentationml/2006/main" showMasterSp="0" showMasterPhAnim="0">
+  <p:cSld>
+    <p:spTree>
+      <p:nvGrpSpPr>
+        <p:cNvPr id="1" name="Shape 185"/>
+        <p:cNvGrpSpPr/>
+        <p:nvPr/>
+      </p:nvGrpSpPr>
+      <p:grpSpPr>
+        <a:xfrm>
+          <a:off x="0" y="0"/>
+          <a:ext cx="0" cy="0"/>
+          <a:chOff x="0" y="0"/>
+          <a:chExt cx="0" cy="0"/>
+        </a:xfrm>
+      </p:grpSpPr>
+      <p:sp>
+        <p:nvSpPr>
+          <p:cNvPr id="186" name="Shape 186"/>
+          <p:cNvSpPr>
+            <a:spLocks noGrp="1" noRot="1" noChangeAspect="1"/>
+          </p:cNvSpPr>
+          <p:nvPr>
+            <p:ph type="sldImg" idx="2"/>
+          </p:nvPr>
+        </p:nvSpPr>
+        <p:spPr>
+          <a:xfrm>
+            <a:off x="381000" y="685800"/>
+            <a:ext cx="6096000" cy="3429000"/>
+          </a:xfrm>
+          <a:custGeom>
+            <a:avLst/>
+            <a:gdLst/>
+            <a:ahLst/>
+            <a:cxnLst/>
+            <a:rect l="0" t="0" r="0" b="0"/>
+            <a:pathLst>
+              <a:path w="120000" h="120000" extrusionOk="0">
+                <a:moveTo>
+                  <a:pt x="0" y="0"/>
+                </a:moveTo>
+                <a:lnTo>
+                  <a:pt x="120000" y="0"/>
+                </a:lnTo>
+                <a:lnTo>
+                  <a:pt x="120000" y="120000"/>
+                </a:lnTo>
+                <a:lnTo>
+                  <a:pt x="0" y="120000"/>
+                </a:lnTo>
+                <a:close/>
+              </a:path>
+            </a:pathLst>
+          </a:custGeom>
+        </p:spPr>
+      </p:sp>
+      <p:sp>
+        <p:nvSpPr>
+          <p:cNvPr id="187" name="Shape 187"/>
+          <p:cNvSpPr txBox="1">
+            <a:spLocks noGrp="1"/>
+          </p:cNvSpPr>
+          <p:nvPr>
+            <p:ph type="body" idx="1"/>
+          </p:nvPr>
+        </p:nvSpPr>
+        <p:spPr>
+          <a:xfrm>
+            <a:off x="685800" y="4343400"/>
+            <a:ext cx="5486400" cy="4114800"/>
+          </a:xfrm>
+          <a:prstGeom prst="rect">
+            <a:avLst/>
+          </a:prstGeom>
+        </p:spPr>
+        <p:txBody>
+          <a:bodyPr wrap="square" lIns="91425" tIns="91425" rIns="91425" bIns="91425" anchor="t" anchorCtr="0">
+            <a:noAutofit/>
+          </a:bodyPr>
+          <a:lstStyle/>
+          <a:p>
+            <a:pPr lvl="0">
+              <a:spcBef>
+                <a:spcPts val="0"/>
+              </a:spcBef>
+              <a:buNone/>
+            </a:pPr>
+            <a:endParaRPr/>
+          </a:p>
+        </p:txBody>
+      </p:sp>
+    </p:spTree>
+  </p:cSld>
+  <p:clrMapOvr>
+    <a:masterClrMapping/>
+  </p:clrMapOvr>
+</p:notes>
+</file>
+
+<file path=ppt/notesSlides/notesSlide22.xml><?xml version="1.0" encoding="utf-8"?>
 <p:notes xmlns:a="http://schemas.openxmlformats.org/drawingml/2006/main" xmlns:r="http://schemas.openxmlformats.org/officeDocument/2006/relationships" xmlns:p="http://schemas.openxmlformats.org/presentationml/2006/main" showMasterSp="0" showMasterPhAnim="0">
   <p:cSld>
     <p:spTree>
@@ -4625,8 +5441,8 @@
         </p:nvSpPr>
         <p:spPr>
           <a:xfrm>
-            <a:off x="814275" y="392575"/>
-            <a:ext cx="5258400" cy="766200"/>
+            <a:off x="1052178" y="392575"/>
+            <a:ext cx="4539261" cy="766200"/>
           </a:xfrm>
           <a:prstGeom prst="rect">
             <a:avLst/>
@@ -4638,15 +5454,10 @@
           </a:bodyPr>
           <a:lstStyle/>
           <a:p>
-            <a:pPr lvl="0" rtl="0">
-              <a:spcBef>
-                <a:spcPts val="0"/>
-              </a:spcBef>
-              <a:buNone/>
-            </a:pPr>
-            <a:r>
-              <a:rPr lang="en-US" dirty="0" err="1" smtClean="0"/>
-              <a:t>RxTest</a:t>
+            <a:pPr lvl="0"/>
+            <a:r>
+              <a:rPr lang="en-US" dirty="0" err="1"/>
+              <a:t>CurrentThreadScheduler</a:t>
             </a:r>
             <a:endParaRPr lang="en" dirty="0"/>
           </a:p>
@@ -4664,8 +5475,8 @@
         </p:nvSpPr>
         <p:spPr>
           <a:xfrm>
-            <a:off x="7618000" y="4636500"/>
-            <a:ext cx="1487400" cy="315600"/>
+            <a:off x="7955818" y="4636500"/>
+            <a:ext cx="1149581" cy="315600"/>
           </a:xfrm>
           <a:prstGeom prst="rect">
             <a:avLst/>
@@ -4687,7 +5498,7 @@
               <a:rPr lang="en"/>
               <a:t>10</a:t>
             </a:fld>
-            <a:endParaRPr lang="en"/>
+            <a:endParaRPr lang="en" dirty="0"/>
           </a:p>
         </p:txBody>
       </p:sp>
@@ -4723,441 +5534,51 @@
       </p:pic>
       <p:sp>
         <p:nvSpPr>
-          <p:cNvPr id="3" name="TextBox 2"/>
-          <p:cNvSpPr txBox="1"/>
+          <p:cNvPr id="4" name="Rectangle 3"/>
+          <p:cNvSpPr/>
           <p:nvPr/>
         </p:nvSpPr>
         <p:spPr>
           <a:xfrm>
-            <a:off x="49459" y="1351115"/>
-            <a:ext cx="7757202" cy="3231653"/>
+            <a:off x="232488" y="1695936"/>
+            <a:ext cx="8675058" cy="923330"/>
           </a:xfrm>
           <a:prstGeom prst="rect">
             <a:avLst/>
           </a:prstGeom>
-          <a:noFill/>
         </p:spPr>
         <p:txBody>
-          <a:bodyPr wrap="none" rtlCol="0">
+          <a:bodyPr wrap="square">
             <a:spAutoFit/>
           </a:bodyPr>
           <a:lstStyle/>
           <a:p>
             <a:r>
-              <a:rPr lang="en-US" sz="1200" dirty="0" err="1">
-                <a:latin typeface="Courier"/>
-                <a:cs typeface="Courier"/>
-              </a:rPr>
-              <a:t>func</a:t>
-            </a:r>
-            <a:r>
-              <a:rPr lang="en-US" sz="1200" dirty="0">
-                <a:latin typeface="Courier"/>
-                <a:cs typeface="Courier"/>
-              </a:rPr>
-              <a:t> </a:t>
-            </a:r>
-            <a:r>
-              <a:rPr lang="en-US" sz="1200" dirty="0" err="1">
-                <a:latin typeface="Courier"/>
-                <a:cs typeface="Courier"/>
-              </a:rPr>
-              <a:t>testCornSorter</a:t>
-            </a:r>
-            <a:r>
-              <a:rPr lang="en-US" sz="1200" dirty="0">
-                <a:latin typeface="Courier"/>
-                <a:cs typeface="Courier"/>
-              </a:rPr>
-              <a:t>() {</a:t>
-            </a:r>
-          </a:p>
-          <a:p>
-            <a:r>
-              <a:rPr lang="en-US" sz="1200" dirty="0">
-                <a:latin typeface="Courier"/>
-                <a:cs typeface="Courier"/>
-              </a:rPr>
-              <a:t>        </a:t>
-            </a:r>
-            <a:r>
-              <a:rPr lang="en-US" sz="1200" dirty="0" err="1">
-                <a:latin typeface="Courier"/>
-                <a:cs typeface="Courier"/>
-              </a:rPr>
-              <a:t>var</a:t>
-            </a:r>
-            <a:r>
-              <a:rPr lang="en-US" sz="1200" dirty="0">
-                <a:latin typeface="Courier"/>
-                <a:cs typeface="Courier"/>
-              </a:rPr>
-              <a:t> scheduler: </a:t>
-            </a:r>
-            <a:r>
-              <a:rPr lang="en-US" sz="1200" dirty="0" err="1">
-                <a:latin typeface="Courier"/>
-                <a:cs typeface="Courier"/>
-              </a:rPr>
-              <a:t>TestScheduler</a:t>
-            </a:r>
-            <a:r>
-              <a:rPr lang="en-US" sz="1200" dirty="0">
-                <a:latin typeface="Courier"/>
-                <a:cs typeface="Courier"/>
-              </a:rPr>
-              <a:t>!</a:t>
-            </a:r>
-          </a:p>
-          <a:p>
-            <a:r>
-              <a:rPr lang="en-US" sz="1200" dirty="0">
-                <a:latin typeface="Courier"/>
-                <a:cs typeface="Courier"/>
-              </a:rPr>
-              <a:t>        let </a:t>
-            </a:r>
-            <a:r>
-              <a:rPr lang="en-US" sz="1200" dirty="0" err="1">
-                <a:latin typeface="Courier"/>
-                <a:cs typeface="Courier"/>
-              </a:rPr>
-              <a:t>disposeBag</a:t>
-            </a:r>
-            <a:r>
-              <a:rPr lang="en-US" sz="1200" dirty="0">
-                <a:latin typeface="Courier"/>
-                <a:cs typeface="Courier"/>
-              </a:rPr>
-              <a:t> = </a:t>
-            </a:r>
-            <a:r>
-              <a:rPr lang="en-US" sz="1200" dirty="0" err="1">
-                <a:latin typeface="Courier"/>
-                <a:cs typeface="Courier"/>
-              </a:rPr>
-              <a:t>DisposeBag</a:t>
-            </a:r>
-            <a:r>
-              <a:rPr lang="en-US" sz="1200" dirty="0">
-                <a:latin typeface="Courier"/>
-                <a:cs typeface="Courier"/>
-              </a:rPr>
-              <a:t>()</a:t>
-            </a:r>
-          </a:p>
-          <a:p>
-            <a:r>
-              <a:rPr lang="mr-IN" sz="1200" dirty="0">
-                <a:latin typeface="Courier"/>
-                <a:cs typeface="Courier"/>
-              </a:rPr>
-              <a:t>        </a:t>
-            </a:r>
-          </a:p>
-          <a:p>
-            <a:r>
-              <a:rPr lang="en-US" sz="1200" dirty="0">
-                <a:latin typeface="Courier"/>
-                <a:cs typeface="Courier"/>
-              </a:rPr>
-              <a:t>        scheduler = </a:t>
-            </a:r>
-            <a:r>
-              <a:rPr lang="en-US" sz="1200" dirty="0" err="1">
-                <a:latin typeface="Courier"/>
-                <a:cs typeface="Courier"/>
-              </a:rPr>
-              <a:t>TestScheduler</a:t>
-            </a:r>
-            <a:r>
-              <a:rPr lang="en-US" sz="1200" dirty="0">
-                <a:latin typeface="Courier"/>
-                <a:cs typeface="Courier"/>
-              </a:rPr>
-              <a:t>(</a:t>
-            </a:r>
-            <a:r>
-              <a:rPr lang="en-US" sz="1200" dirty="0" err="1">
-                <a:latin typeface="Courier"/>
-                <a:cs typeface="Courier"/>
-              </a:rPr>
-              <a:t>initialClock</a:t>
-            </a:r>
-            <a:r>
-              <a:rPr lang="en-US" sz="1200" dirty="0">
-                <a:latin typeface="Courier"/>
-                <a:cs typeface="Courier"/>
-              </a:rPr>
-              <a:t>: 0</a:t>
-            </a:r>
-            <a:r>
-              <a:rPr lang="en-US" sz="1200" dirty="0" smtClean="0">
-                <a:latin typeface="Courier"/>
-                <a:cs typeface="Courier"/>
-              </a:rPr>
-              <a:t>)</a:t>
-            </a:r>
-            <a:endParaRPr lang="mr-IN" sz="1200" dirty="0">
-              <a:latin typeface="Courier"/>
-              <a:cs typeface="Courier"/>
-            </a:endParaRPr>
-          </a:p>
-          <a:p>
-            <a:r>
-              <a:rPr lang="en-US" sz="1200" dirty="0">
-                <a:latin typeface="Courier"/>
-                <a:cs typeface="Courier"/>
-              </a:rPr>
-              <a:t>        let </a:t>
-            </a:r>
-            <a:r>
-              <a:rPr lang="en-US" sz="1200" dirty="0" err="1">
-                <a:latin typeface="Courier"/>
-                <a:cs typeface="Courier"/>
-              </a:rPr>
-              <a:t>testObserver</a:t>
-            </a:r>
-            <a:r>
-              <a:rPr lang="en-US" sz="1200" dirty="0">
-                <a:latin typeface="Courier"/>
-                <a:cs typeface="Courier"/>
-              </a:rPr>
-              <a:t> = </a:t>
-            </a:r>
-            <a:r>
-              <a:rPr lang="en-US" sz="1200" dirty="0" err="1">
-                <a:latin typeface="Courier"/>
-                <a:cs typeface="Courier"/>
-              </a:rPr>
-              <a:t>scheduler.createObserver</a:t>
-            </a:r>
-            <a:r>
-              <a:rPr lang="en-US" sz="1200" dirty="0">
-                <a:latin typeface="Courier"/>
-                <a:cs typeface="Courier"/>
-              </a:rPr>
-              <a:t>(</a:t>
-            </a:r>
-            <a:r>
-              <a:rPr lang="en-US" sz="1200" dirty="0" err="1">
-                <a:latin typeface="Courier"/>
-                <a:cs typeface="Courier"/>
-              </a:rPr>
-              <a:t>String.self</a:t>
-            </a:r>
-            <a:r>
-              <a:rPr lang="en-US" sz="1200" dirty="0" smtClean="0">
-                <a:latin typeface="Courier"/>
-                <a:cs typeface="Courier"/>
-              </a:rPr>
-              <a:t>)</a:t>
-            </a:r>
-            <a:endParaRPr lang="mr-IN" sz="1200" dirty="0">
-              <a:latin typeface="Courier"/>
-              <a:cs typeface="Courier"/>
-            </a:endParaRPr>
-          </a:p>
-          <a:p>
-            <a:r>
-              <a:rPr lang="mr-IN" sz="1200" dirty="0">
-                <a:latin typeface="Courier"/>
-                <a:cs typeface="Courier"/>
-              </a:rPr>
-              <a:t>        // Given</a:t>
-            </a:r>
-          </a:p>
-          <a:p>
-            <a:r>
-              <a:rPr lang="en-US" sz="1200" dirty="0">
-                <a:latin typeface="Courier"/>
-                <a:cs typeface="Courier"/>
-              </a:rPr>
-              <a:t>        let </a:t>
-            </a:r>
-            <a:r>
-              <a:rPr lang="en-US" sz="1200" dirty="0" err="1">
-                <a:latin typeface="Courier"/>
-                <a:cs typeface="Courier"/>
-              </a:rPr>
-              <a:t>observableInput</a:t>
-            </a:r>
-            <a:r>
-              <a:rPr lang="en-US" sz="1200" dirty="0">
-                <a:latin typeface="Courier"/>
-                <a:cs typeface="Courier"/>
-              </a:rPr>
-              <a:t> = </a:t>
-            </a:r>
-            <a:r>
-              <a:rPr lang="en-US" sz="1200" dirty="0" err="1">
-                <a:latin typeface="Courier"/>
-                <a:cs typeface="Courier"/>
-              </a:rPr>
-              <a:t>scheduler.createHotObservable</a:t>
-            </a:r>
-            <a:r>
-              <a:rPr lang="en-US" sz="1200" dirty="0">
-                <a:latin typeface="Courier"/>
-                <a:cs typeface="Courier"/>
-              </a:rPr>
-              <a:t>([</a:t>
-            </a:r>
-          </a:p>
-          <a:p>
-            <a:r>
-              <a:rPr lang="mr-IN" sz="1200" dirty="0">
-                <a:latin typeface="Courier"/>
-                <a:cs typeface="Courier"/>
-              </a:rPr>
-              <a:t>            // 2</a:t>
-            </a:r>
-          </a:p>
-          <a:p>
-            <a:r>
-              <a:rPr lang="mr-IN" sz="1200" dirty="0">
-                <a:latin typeface="Courier"/>
-                <a:cs typeface="Courier"/>
-              </a:rPr>
-              <a:t>            Recorded.next(100, "🌽"),</a:t>
-            </a:r>
-          </a:p>
-          <a:p>
-            <a:r>
-              <a:rPr lang="mr-IN" sz="1200" dirty="0">
-                <a:latin typeface="Courier"/>
-                <a:cs typeface="Courier"/>
-              </a:rPr>
-              <a:t>            Recorded.next(200, "🐛"),</a:t>
-            </a:r>
-          </a:p>
-          <a:p>
-            <a:r>
-              <a:rPr lang="mr-IN" sz="1200" dirty="0">
-                <a:latin typeface="Courier"/>
-                <a:cs typeface="Courier"/>
-              </a:rPr>
-              <a:t>            Recorded.next(300, "🐭"),</a:t>
-            </a:r>
-          </a:p>
-          <a:p>
-            <a:r>
-              <a:rPr lang="mr-IN" sz="1200" dirty="0">
-                <a:latin typeface="Courier"/>
-                <a:cs typeface="Courier"/>
-              </a:rPr>
-              <a:t>            Recorded.next(400, "🌽"),</a:t>
-            </a:r>
-          </a:p>
-          <a:p>
-            <a:r>
-              <a:rPr lang="mr-IN" sz="1200" dirty="0">
-                <a:latin typeface="Courier"/>
-                <a:cs typeface="Courier"/>
-              </a:rPr>
-              <a:t>            Recorded.next(500, "🐝"),</a:t>
-            </a:r>
-          </a:p>
-          <a:p>
-            <a:r>
-              <a:rPr lang="mr-IN" sz="1200" dirty="0">
-                <a:latin typeface="Courier"/>
-                <a:cs typeface="Courier"/>
-              </a:rPr>
-              <a:t>            Recorded.next(600, "🐞")</a:t>
-            </a:r>
-          </a:p>
-          <a:p>
-            <a:r>
-              <a:rPr lang="mr-IN" sz="1200" dirty="0">
-                <a:latin typeface="Courier"/>
-                <a:cs typeface="Courier"/>
-              </a:rPr>
-              <a:t>            ])</a:t>
-            </a:r>
-          </a:p>
-          <a:p>
-            <a:r>
-              <a:rPr lang="en-US" sz="1200" dirty="0">
-                <a:latin typeface="Courier"/>
-                <a:cs typeface="Courier"/>
-              </a:rPr>
-              <a:t>        let </a:t>
-            </a:r>
-            <a:r>
-              <a:rPr lang="en-US" sz="1200" dirty="0" err="1">
-                <a:latin typeface="Courier"/>
-                <a:cs typeface="Courier"/>
-              </a:rPr>
-              <a:t>cornSorter</a:t>
-            </a:r>
-            <a:r>
-              <a:rPr lang="en-US" sz="1200" dirty="0">
-                <a:latin typeface="Courier"/>
-                <a:cs typeface="Courier"/>
-              </a:rPr>
-              <a:t> = </a:t>
-            </a:r>
-            <a:r>
-              <a:rPr lang="en-US" sz="1200" dirty="0" err="1">
-                <a:latin typeface="Courier"/>
-                <a:cs typeface="Courier"/>
-              </a:rPr>
-              <a:t>CornSorter</a:t>
-            </a:r>
-            <a:r>
-              <a:rPr lang="en-US" sz="1200" dirty="0">
-                <a:latin typeface="Courier"/>
-                <a:cs typeface="Courier"/>
-              </a:rPr>
-              <a:t>(</a:t>
-            </a:r>
-            <a:r>
-              <a:rPr lang="en-US" sz="1200" dirty="0" err="1">
-                <a:latin typeface="Courier"/>
-                <a:cs typeface="Courier"/>
-              </a:rPr>
-              <a:t>tractorStream</a:t>
-            </a:r>
-            <a:r>
-              <a:rPr lang="en-US" sz="1200" dirty="0">
-                <a:latin typeface="Courier"/>
-                <a:cs typeface="Courier"/>
-              </a:rPr>
-              <a:t>: </a:t>
-            </a:r>
-            <a:r>
-              <a:rPr lang="en-US" sz="1200" dirty="0" err="1">
-                <a:latin typeface="Courier"/>
-                <a:cs typeface="Courier"/>
-              </a:rPr>
-              <a:t>observableInput.asObservable</a:t>
-            </a:r>
-            <a:r>
-              <a:rPr lang="en-US" sz="1200" dirty="0">
-                <a:latin typeface="Courier"/>
-                <a:cs typeface="Courier"/>
-              </a:rPr>
-              <a:t>()</a:t>
-            </a:r>
-            <a:r>
-              <a:rPr lang="en-US" sz="1200" dirty="0" smtClean="0">
-                <a:latin typeface="Courier"/>
-                <a:cs typeface="Courier"/>
-              </a:rPr>
-              <a:t>)</a:t>
-            </a:r>
-            <a:endParaRPr lang="en-US" sz="1200" dirty="0">
-              <a:latin typeface="Courier"/>
-              <a:cs typeface="Courier"/>
-            </a:endParaRPr>
+              <a:rPr lang="en-US" sz="1800" i="1" dirty="0"/>
+              <a:t>Schedules units of work on the current thread. </a:t>
+            </a:r>
+            <a:endParaRPr lang="en-US" sz="1800" i="1" dirty="0" smtClean="0"/>
+          </a:p>
+          <a:p>
+            <a:endParaRPr lang="en-US" sz="1800" i="1" dirty="0"/>
+          </a:p>
+          <a:p>
+            <a:r>
+              <a:rPr lang="en-US" sz="1800" i="1" dirty="0" smtClean="0"/>
+              <a:t>This </a:t>
+            </a:r>
+            <a:r>
+              <a:rPr lang="en-US" sz="1800" i="1" dirty="0"/>
+              <a:t>is the default scheduler for operators that generate elements.</a:t>
+            </a:r>
+            <a:endParaRPr lang="en-US" sz="1800" i="1" dirty="0" smtClean="0"/>
           </a:p>
         </p:txBody>
       </p:sp>
     </p:spTree>
     <p:extLst>
       <p:ext uri="{BB962C8B-B14F-4D97-AF65-F5344CB8AC3E}">
-        <p14:creationId xmlns:p14="http://schemas.microsoft.com/office/powerpoint/2010/main" val="4182838520"/>
+        <p14:creationId xmlns:p14="http://schemas.microsoft.com/office/powerpoint/2010/main" val="3599342873"/>
       </p:ext>
     </p:extLst>
   </p:cSld>
@@ -5203,8 +5624,8 @@
         </p:nvSpPr>
         <p:spPr>
           <a:xfrm>
-            <a:off x="814275" y="392575"/>
-            <a:ext cx="5258400" cy="766200"/>
+            <a:off x="1052178" y="392575"/>
+            <a:ext cx="4507267" cy="766200"/>
           </a:xfrm>
           <a:prstGeom prst="rect">
             <a:avLst/>
@@ -5216,15 +5637,10 @@
           </a:bodyPr>
           <a:lstStyle/>
           <a:p>
-            <a:pPr lvl="0" rtl="0">
-              <a:spcBef>
-                <a:spcPts val="0"/>
-              </a:spcBef>
-              <a:buNone/>
-            </a:pPr>
+            <a:pPr lvl="0"/>
             <a:r>
               <a:rPr lang="en-US" dirty="0" err="1" smtClean="0"/>
-              <a:t>RxTest</a:t>
+              <a:t>SerialDispatchQueueScheduler</a:t>
             </a:r>
             <a:endParaRPr lang="en" dirty="0"/>
           </a:p>
@@ -5242,8 +5658,8 @@
         </p:nvSpPr>
         <p:spPr>
           <a:xfrm>
-            <a:off x="7618000" y="4636500"/>
-            <a:ext cx="1487400" cy="315600"/>
+            <a:off x="7955818" y="4636500"/>
+            <a:ext cx="1149581" cy="315600"/>
           </a:xfrm>
           <a:prstGeom prst="rect">
             <a:avLst/>
@@ -5265,7 +5681,7 @@
               <a:rPr lang="en"/>
               <a:t>11</a:t>
             </a:fld>
-            <a:endParaRPr lang="en"/>
+            <a:endParaRPr lang="en" dirty="0"/>
           </a:p>
         </p:txBody>
       </p:sp>
@@ -5301,14 +5717,116 @@
       </p:pic>
       <p:sp>
         <p:nvSpPr>
+          <p:cNvPr id="4" name="Rectangle 3"/>
+          <p:cNvSpPr/>
+          <p:nvPr/>
+        </p:nvSpPr>
+        <p:spPr>
+          <a:xfrm>
+            <a:off x="232488" y="1882448"/>
+            <a:ext cx="8675058" cy="2031325"/>
+          </a:xfrm>
+          <a:prstGeom prst="rect">
+            <a:avLst/>
+          </a:prstGeom>
+        </p:spPr>
+        <p:txBody>
+          <a:bodyPr wrap="square">
+            <a:spAutoFit/>
+          </a:bodyPr>
+          <a:lstStyle/>
+          <a:p>
+            <a:r>
+              <a:rPr lang="en-US" sz="1800" i="1" dirty="0"/>
+              <a:t>Abstracts the work that needs to be performed on a specific </a:t>
+            </a:r>
+            <a:r>
+              <a:rPr lang="en-US" sz="1800" i="1" dirty="0" err="1"/>
+              <a:t>dispatch_queue_t</a:t>
+            </a:r>
+            <a:r>
+              <a:rPr lang="en-US" sz="1800" i="1" dirty="0"/>
+              <a:t>. </a:t>
+            </a:r>
+            <a:r>
+              <a:rPr lang="en-US" sz="1800" i="1" dirty="0" smtClean="0"/>
+              <a:t/>
+            </a:r>
+            <a:br>
+              <a:rPr lang="en-US" sz="1800" i="1" dirty="0" smtClean="0"/>
+            </a:br>
+            <a:endParaRPr lang="en-US" sz="1800" i="1" dirty="0" smtClean="0"/>
+          </a:p>
+          <a:p>
+            <a:r>
+              <a:rPr lang="en-US" sz="1800" i="1" dirty="0" smtClean="0"/>
+              <a:t>It </a:t>
+            </a:r>
+            <a:r>
+              <a:rPr lang="en-US" sz="1800" i="1" dirty="0"/>
+              <a:t>will make sure that even if a concurrent dispatch queue is passed, it's transformed </a:t>
+            </a:r>
+            <a:endParaRPr lang="en-US" sz="1800" i="1" dirty="0" smtClean="0"/>
+          </a:p>
+          <a:p>
+            <a:endParaRPr lang="en-US" sz="1800" i="1" dirty="0"/>
+          </a:p>
+          <a:p>
+            <a:r>
+              <a:rPr lang="en-US" sz="1800" i="1" dirty="0" smtClean="0"/>
+              <a:t>into </a:t>
+            </a:r>
+            <a:r>
+              <a:rPr lang="en-US" sz="1800" i="1" dirty="0"/>
+              <a:t>a serial </a:t>
+            </a:r>
+            <a:r>
+              <a:rPr lang="en-US" sz="1800" i="1" dirty="0" err="1"/>
+              <a:t>one.Serial</a:t>
+            </a:r>
+            <a:r>
+              <a:rPr lang="en-US" sz="1800" i="1" dirty="0"/>
+              <a:t> schedulers enable certain optimizations for </a:t>
+            </a:r>
+            <a:r>
+              <a:rPr lang="en-US" sz="1800" i="1" dirty="0" err="1"/>
+              <a:t>observeOn</a:t>
+            </a:r>
+            <a:r>
+              <a:rPr lang="en-US" sz="1800" i="1" dirty="0" smtClean="0"/>
+              <a:t>.</a:t>
+            </a:r>
+          </a:p>
+          <a:p>
+            <a:endParaRPr lang="en-US" sz="1800" i="1" dirty="0"/>
+          </a:p>
+          <a:p>
+            <a:r>
+              <a:rPr lang="en-US" sz="1800" i="1" dirty="0" smtClean="0"/>
+              <a:t>The </a:t>
+            </a:r>
+            <a:r>
+              <a:rPr lang="en-US" sz="1800" i="1" dirty="0"/>
+              <a:t>main scheduler is an instance of </a:t>
+            </a:r>
+            <a:r>
+              <a:rPr lang="en-US" sz="1800" i="1" dirty="0" err="1"/>
+              <a:t>SerialDispatchQueueScheduler</a:t>
+            </a:r>
+            <a:endParaRPr lang="en-US" sz="1800" i="1" dirty="0"/>
+          </a:p>
+        </p:txBody>
+      </p:sp>
+      <p:sp>
+        <p:nvSpPr>
           <p:cNvPr id="3" name="TextBox 2"/>
           <p:cNvSpPr txBox="1"/>
           <p:nvPr/>
         </p:nvSpPr>
         <p:spPr>
           <a:xfrm>
-            <a:off x="257960" y="1474644"/>
-            <a:ext cx="4648102" cy="2492990"/>
+            <a:off x="1190040" y="4328723"/>
+            <a:ext cx="4817457" cy="307777"/>
           </a:xfrm>
           <a:prstGeom prst="rect">
             <a:avLst/>
@@ -5322,205 +5840,40 @@
           <a:lstStyle/>
           <a:p>
             <a:r>
-              <a:rPr lang="mr-IN" sz="1200" dirty="0" smtClean="0">
-                <a:latin typeface="Courier"/>
-                <a:cs typeface="Courier"/>
-              </a:rPr>
-              <a:t>        </a:t>
-            </a:r>
-            <a:r>
-              <a:rPr lang="mr-IN" sz="1200" dirty="0">
-                <a:latin typeface="Courier"/>
-                <a:cs typeface="Courier"/>
-              </a:rPr>
-              <a:t>// When</a:t>
-            </a:r>
-          </a:p>
-          <a:p>
-            <a:r>
-              <a:rPr lang="en-US" sz="1200" dirty="0">
-                <a:latin typeface="Courier"/>
-                <a:cs typeface="Courier"/>
-              </a:rPr>
-              <a:t>        </a:t>
-            </a:r>
-            <a:r>
-              <a:rPr lang="en-US" sz="1200" dirty="0" err="1">
-                <a:latin typeface="Courier"/>
-                <a:cs typeface="Courier"/>
-              </a:rPr>
-              <a:t>cornSorter.barnStream</a:t>
-            </a:r>
-            <a:endParaRPr lang="en-US" sz="1200" dirty="0">
-              <a:latin typeface="Courier"/>
-              <a:cs typeface="Courier"/>
-            </a:endParaRPr>
-          </a:p>
-          <a:p>
-            <a:r>
-              <a:rPr lang="en-US" sz="1200" dirty="0">
-                <a:latin typeface="Courier"/>
-                <a:cs typeface="Courier"/>
-              </a:rPr>
-              <a:t>            .subscribe(</a:t>
-            </a:r>
-            <a:r>
-              <a:rPr lang="en-US" sz="1200" dirty="0" err="1">
-                <a:latin typeface="Courier"/>
-                <a:cs typeface="Courier"/>
-              </a:rPr>
-              <a:t>testObserver</a:t>
-            </a:r>
-            <a:r>
-              <a:rPr lang="en-US" sz="1200" dirty="0">
-                <a:latin typeface="Courier"/>
-                <a:cs typeface="Courier"/>
-              </a:rPr>
-              <a:t>)</a:t>
-            </a:r>
-          </a:p>
-          <a:p>
-            <a:r>
-              <a:rPr lang="en-US" sz="1200" dirty="0">
-                <a:latin typeface="Courier"/>
-                <a:cs typeface="Courier"/>
-              </a:rPr>
-              <a:t>            .disposed(by: </a:t>
-            </a:r>
-            <a:r>
-              <a:rPr lang="en-US" sz="1200" dirty="0" err="1">
-                <a:latin typeface="Courier"/>
-                <a:cs typeface="Courier"/>
-              </a:rPr>
-              <a:t>disposeBag</a:t>
-            </a:r>
-            <a:r>
-              <a:rPr lang="en-US" sz="1200" dirty="0">
-                <a:latin typeface="Courier"/>
-                <a:cs typeface="Courier"/>
-              </a:rPr>
-              <a:t>)</a:t>
-            </a:r>
-          </a:p>
-          <a:p>
-            <a:r>
-              <a:rPr lang="mr-IN" sz="1200" dirty="0">
-                <a:latin typeface="Courier"/>
-                <a:cs typeface="Courier"/>
-              </a:rPr>
-              <a:t>        </a:t>
-            </a:r>
-          </a:p>
-          <a:p>
-            <a:r>
-              <a:rPr lang="en-US" sz="1200" dirty="0">
-                <a:latin typeface="Courier"/>
-                <a:cs typeface="Courier"/>
-              </a:rPr>
-              <a:t>        </a:t>
-            </a:r>
-            <a:r>
-              <a:rPr lang="en-US" sz="1200" dirty="0" err="1">
-                <a:latin typeface="Courier"/>
-                <a:cs typeface="Courier"/>
-              </a:rPr>
-              <a:t>scheduler.start</a:t>
-            </a:r>
-            <a:r>
-              <a:rPr lang="en-US" sz="1200" dirty="0">
-                <a:latin typeface="Courier"/>
-                <a:cs typeface="Courier"/>
-              </a:rPr>
-              <a:t>()</a:t>
-            </a:r>
-          </a:p>
-          <a:p>
-            <a:r>
-              <a:rPr lang="mr-IN" sz="1200" dirty="0">
-                <a:latin typeface="Courier"/>
-                <a:cs typeface="Courier"/>
-              </a:rPr>
-              <a:t>        </a:t>
-            </a:r>
-          </a:p>
-          <a:p>
-            <a:r>
-              <a:rPr lang="mr-IN" sz="1200" dirty="0">
-                <a:latin typeface="Courier"/>
-                <a:cs typeface="Courier"/>
-              </a:rPr>
-              <a:t>        // Then</a:t>
-            </a:r>
-          </a:p>
-          <a:p>
-            <a:r>
-              <a:rPr lang="en-US" sz="1200" dirty="0">
-                <a:latin typeface="Courier"/>
-                <a:cs typeface="Courier"/>
-              </a:rPr>
-              <a:t>        let results = </a:t>
-            </a:r>
-            <a:r>
-              <a:rPr lang="en-US" sz="1200" dirty="0" err="1">
-                <a:latin typeface="Courier"/>
-                <a:cs typeface="Courier"/>
-              </a:rPr>
-              <a:t>testObserver.events.map</a:t>
-            </a:r>
-            <a:r>
-              <a:rPr lang="en-US" sz="1200" dirty="0">
-                <a:latin typeface="Courier"/>
-                <a:cs typeface="Courier"/>
-              </a:rPr>
-              <a:t> {</a:t>
-            </a:r>
-          </a:p>
-          <a:p>
-            <a:r>
-              <a:rPr lang="mr-IN" sz="1200" dirty="0">
-                <a:latin typeface="Courier"/>
-                <a:cs typeface="Courier"/>
-              </a:rPr>
-              <a:t>            $0.value.element!</a:t>
-            </a:r>
-          </a:p>
-          <a:p>
-            <a:r>
-              <a:rPr lang="mr-IN" sz="1200" dirty="0">
-                <a:latin typeface="Courier"/>
-                <a:cs typeface="Courier"/>
-              </a:rPr>
-              <a:t>        }</a:t>
-            </a:r>
-          </a:p>
-          <a:p>
-            <a:r>
-              <a:rPr lang="mr-IN" sz="1200" dirty="0">
-                <a:latin typeface="Courier"/>
-                <a:cs typeface="Courier"/>
-              </a:rPr>
-              <a:t>        _ = XCTAssertEqual(results, ["🌽", "🌽"])</a:t>
-            </a:r>
-          </a:p>
-          <a:p>
-            <a:r>
-              <a:rPr lang="mr-IN" sz="1200" dirty="0">
-                <a:latin typeface="Courier"/>
-                <a:cs typeface="Courier"/>
-              </a:rPr>
-              <a:t>    }</a:t>
-            </a:r>
-            <a:endParaRPr lang="en-US" sz="1200" dirty="0">
-              <a:latin typeface="Courier"/>
-              <a:cs typeface="Courier"/>
-            </a:endParaRPr>
+              <a:rPr lang="en-US" i="1" dirty="0" err="1">
+                <a:latin typeface="Courier"/>
+                <a:cs typeface="Courier"/>
+              </a:rPr>
+              <a:t>SerialDispatchQueueScheduler</a:t>
+            </a:r>
+            <a:r>
+              <a:rPr lang="en-US" i="1" dirty="0">
+                <a:latin typeface="Courier"/>
+                <a:cs typeface="Courier"/>
+              </a:rPr>
+              <a:t>(</a:t>
+            </a:r>
+            <a:r>
+              <a:rPr lang="en-US" i="1" dirty="0" err="1">
+                <a:latin typeface="Courier"/>
+                <a:cs typeface="Courier"/>
+              </a:rPr>
+              <a:t>qos</a:t>
+            </a:r>
+            <a:r>
+              <a:rPr lang="en-US" i="1" dirty="0">
+                <a:latin typeface="Courier"/>
+                <a:cs typeface="Courier"/>
+              </a:rPr>
+              <a:t>: .default)</a:t>
+            </a:r>
           </a:p>
         </p:txBody>
       </p:sp>
     </p:spTree>
     <p:extLst>
       <p:ext uri="{BB962C8B-B14F-4D97-AF65-F5344CB8AC3E}">
-        <p14:creationId xmlns:p14="http://schemas.microsoft.com/office/powerpoint/2010/main" val="2009596403"/>
+        <p14:creationId xmlns:p14="http://schemas.microsoft.com/office/powerpoint/2010/main" val="899260431"/>
       </p:ext>
     </p:extLst>
   </p:cSld>
@@ -5567,7 +5920,7 @@
         <p:spPr>
           <a:xfrm>
             <a:off x="1052178" y="392575"/>
-            <a:ext cx="4539261" cy="766200"/>
+            <a:ext cx="5244382" cy="766200"/>
           </a:xfrm>
           <a:prstGeom prst="rect">
             <a:avLst/>
@@ -5579,15 +5932,10 @@
           </a:bodyPr>
           <a:lstStyle/>
           <a:p>
-            <a:pPr lvl="0" rtl="0">
-              <a:spcBef>
-                <a:spcPts val="0"/>
-              </a:spcBef>
-              <a:buNone/>
-            </a:pPr>
+            <a:pPr lvl="0"/>
             <a:r>
               <a:rPr lang="en-US" dirty="0" err="1" smtClean="0"/>
-              <a:t>RxBlocking</a:t>
+              <a:t>ConcurrentDispatchQueueScheduler</a:t>
             </a:r>
             <a:endParaRPr lang="en" dirty="0"/>
           </a:p>
@@ -5670,8 +6018,8 @@
         </p:nvSpPr>
         <p:spPr>
           <a:xfrm>
-            <a:off x="543626" y="1774961"/>
-            <a:ext cx="7568929" cy="2062103"/>
+            <a:off x="241370" y="1544950"/>
+            <a:ext cx="8675058" cy="1754327"/>
           </a:xfrm>
           <a:prstGeom prst="rect">
             <a:avLst/>
@@ -5683,65 +6031,149 @@
           </a:bodyPr>
           <a:lstStyle/>
           <a:p>
-            <a:pPr marL="285750" indent="-285750">
-              <a:buFontTx/>
-              <a:buChar char="-"/>
-            </a:pPr>
-            <a:r>
-              <a:rPr lang="en-US" sz="1600" dirty="0" err="1"/>
-              <a:t>RxBlocking</a:t>
-            </a:r>
-            <a:r>
-              <a:rPr lang="en-US" sz="1600" dirty="0"/>
-              <a:t> on the other hand is handy in case you need to test some asynchronous functionality where you can’t control the source of </a:t>
-            </a:r>
-            <a:r>
-              <a:rPr lang="en-US" sz="1600" dirty="0" err="1"/>
-              <a:t>asynchronisity</a:t>
-            </a:r>
-            <a:r>
-              <a:rPr lang="en-US" sz="1600" dirty="0"/>
-              <a:t>. Often times this means you’re stepping up from unit tests to integration </a:t>
-            </a:r>
-            <a:r>
-              <a:rPr lang="en-US" sz="1600" dirty="0" smtClean="0"/>
-              <a:t>test.</a:t>
-            </a:r>
-          </a:p>
-          <a:p>
-            <a:pPr marL="285750" indent="-285750">
-              <a:buFontTx/>
-              <a:buChar char="-"/>
-            </a:pPr>
-            <a:endParaRPr lang="en-US" sz="1600" dirty="0" smtClean="0"/>
-          </a:p>
-          <a:p>
-            <a:pPr marL="285750" indent="-285750">
-              <a:buFontTx/>
-              <a:buChar char="-"/>
-            </a:pPr>
-            <a:endParaRPr lang="en-US" sz="1600" dirty="0" smtClean="0"/>
-          </a:p>
-          <a:p>
-            <a:pPr marL="285750" indent="-285750">
-              <a:buFontTx/>
-              <a:buChar char="-"/>
-            </a:pPr>
-            <a:r>
-              <a:rPr lang="en-US" sz="1600" dirty="0"/>
-              <a:t>What </a:t>
-            </a:r>
-            <a:r>
-              <a:rPr lang="en-US" sz="1600" dirty="0" err="1"/>
-              <a:t>RxBlocking</a:t>
-            </a:r>
-            <a:r>
-              <a:rPr lang="en-US" sz="1600" dirty="0"/>
-              <a:t> is great to is to allow you to consume an observable sequence in batches or even wait on a single element to be emitted</a:t>
-            </a:r>
-            <a:r>
-              <a:rPr lang="en-US" sz="1600" dirty="0" smtClean="0"/>
-              <a:t>.</a:t>
+            <a:r>
+              <a:rPr lang="en-US" sz="1800" i="1" dirty="0"/>
+              <a:t>Abstracts the work that needs to be performed on a specific </a:t>
+            </a:r>
+            <a:r>
+              <a:rPr lang="en-US" sz="1800" i="1" dirty="0" err="1"/>
+              <a:t>dispatch_queue_t</a:t>
+            </a:r>
+            <a:r>
+              <a:rPr lang="en-US" sz="1800" i="1" dirty="0"/>
+              <a:t>. </a:t>
+            </a:r>
+            <a:endParaRPr lang="en-US" sz="1800" i="1" dirty="0" smtClean="0"/>
+          </a:p>
+          <a:p>
+            <a:endParaRPr lang="en-US" sz="1800" i="1" dirty="0"/>
+          </a:p>
+          <a:p>
+            <a:r>
+              <a:rPr lang="en-US" sz="1800" i="1" dirty="0" smtClean="0"/>
+              <a:t>You </a:t>
+            </a:r>
+            <a:r>
+              <a:rPr lang="en-US" sz="1800" i="1" dirty="0"/>
+              <a:t>can also pass a serial dispatch queue, it shouldn't cause any problems. </a:t>
+            </a:r>
+            <a:endParaRPr lang="en-US" sz="1800" i="1" dirty="0" smtClean="0"/>
+          </a:p>
+          <a:p>
+            <a:endParaRPr lang="en-US" sz="1800" i="1" dirty="0"/>
+          </a:p>
+          <a:p>
+            <a:r>
+              <a:rPr lang="en-US" sz="1800" i="1" dirty="0" smtClean="0"/>
+              <a:t>This </a:t>
+            </a:r>
+            <a:r>
+              <a:rPr lang="en-US" sz="1800" i="1" dirty="0"/>
+              <a:t>scheduler is suitable when some work needs to be performed in the background.</a:t>
+            </a:r>
+            <a:endParaRPr lang="en-US" sz="1800" i="1" dirty="0"/>
+          </a:p>
+        </p:txBody>
+      </p:sp>
+      <p:sp>
+        <p:nvSpPr>
+          <p:cNvPr id="3" name="TextBox 2"/>
+          <p:cNvSpPr txBox="1"/>
+          <p:nvPr/>
+        </p:nvSpPr>
+        <p:spPr>
+          <a:xfrm>
+            <a:off x="814275" y="3481193"/>
+            <a:ext cx="7018991" cy="738664"/>
+          </a:xfrm>
+          <a:prstGeom prst="rect">
+            <a:avLst/>
+          </a:prstGeom>
+          <a:noFill/>
+        </p:spPr>
+        <p:txBody>
+          <a:bodyPr wrap="square" rtlCol="0">
+            <a:spAutoFit/>
+          </a:bodyPr>
+          <a:lstStyle/>
+          <a:p>
+            <a:r>
+              <a:rPr lang="en-US" i="1" dirty="0" err="1" smtClean="0">
+                <a:latin typeface="Courier"/>
+                <a:cs typeface="Courier"/>
+              </a:rPr>
+              <a:t>ConcurrentDispatchQueueScheduler</a:t>
+            </a:r>
+            <a:r>
+              <a:rPr lang="en-US" i="1" dirty="0">
+                <a:latin typeface="Courier"/>
+                <a:cs typeface="Courier"/>
+              </a:rPr>
+              <a:t>(</a:t>
+            </a:r>
+            <a:r>
+              <a:rPr lang="en-US" i="1" dirty="0" err="1">
+                <a:latin typeface="Courier"/>
+                <a:cs typeface="Courier"/>
+              </a:rPr>
+              <a:t>qos</a:t>
+            </a:r>
+            <a:r>
+              <a:rPr lang="en-US" i="1" dirty="0">
+                <a:latin typeface="Courier"/>
+                <a:cs typeface="Courier"/>
+              </a:rPr>
+              <a:t>: .background</a:t>
+            </a:r>
+            <a:r>
+              <a:rPr lang="en-US" i="1" dirty="0" smtClean="0">
+                <a:latin typeface="Courier"/>
+                <a:cs typeface="Courier"/>
+              </a:rPr>
+              <a:t>)</a:t>
+            </a:r>
+          </a:p>
+          <a:p>
+            <a:endParaRPr lang="en-US" i="1" dirty="0">
+              <a:latin typeface="Courier"/>
+              <a:cs typeface="Courier"/>
+            </a:endParaRPr>
+          </a:p>
+          <a:p>
+            <a:r>
+              <a:rPr lang="en-US" i="1" dirty="0" err="1" smtClean="0">
+                <a:latin typeface="Courier"/>
+                <a:cs typeface="Courier"/>
+              </a:rPr>
+              <a:t>ConcurrentDispatchQueueScheduler</a:t>
+            </a:r>
+            <a:r>
+              <a:rPr lang="en-US" i="1" dirty="0">
+                <a:latin typeface="Courier"/>
+                <a:cs typeface="Courier"/>
+              </a:rPr>
+              <a:t>(queue</a:t>
+            </a:r>
+            <a:r>
+              <a:rPr lang="en-US" i="1" dirty="0" smtClean="0">
+                <a:latin typeface="Courier"/>
+                <a:cs typeface="Courier"/>
+              </a:rPr>
+              <a:t>: </a:t>
+            </a:r>
+            <a:r>
+              <a:rPr lang="en-US" i="1" dirty="0" err="1" smtClean="0">
+                <a:latin typeface="Courier"/>
+                <a:cs typeface="Courier"/>
+              </a:rPr>
+              <a:t>DispatchQueue.global</a:t>
+            </a:r>
+            <a:r>
+              <a:rPr lang="en-US" i="1" dirty="0">
+                <a:latin typeface="Courier"/>
+                <a:cs typeface="Courier"/>
+              </a:rPr>
+              <a:t>())</a:t>
             </a:r>
           </a:p>
         </p:txBody>
@@ -5749,7 +6181,7 @@
     </p:spTree>
     <p:extLst>
       <p:ext uri="{BB962C8B-B14F-4D97-AF65-F5344CB8AC3E}">
-        <p14:creationId xmlns:p14="http://schemas.microsoft.com/office/powerpoint/2010/main" val="3507504151"/>
+        <p14:creationId xmlns:p14="http://schemas.microsoft.com/office/powerpoint/2010/main" val="891930330"/>
       </p:ext>
     </p:extLst>
   </p:cSld>
@@ -5795,8 +6227,8 @@
         </p:nvSpPr>
         <p:spPr>
           <a:xfrm>
-            <a:off x="814275" y="392575"/>
-            <a:ext cx="5258400" cy="766200"/>
+            <a:off x="1052178" y="392575"/>
+            <a:ext cx="4507267" cy="766200"/>
           </a:xfrm>
           <a:prstGeom prst="rect">
             <a:avLst/>
@@ -5808,15 +6240,10 @@
           </a:bodyPr>
           <a:lstStyle/>
           <a:p>
-            <a:pPr lvl="0" rtl="0">
-              <a:spcBef>
-                <a:spcPts val="0"/>
-              </a:spcBef>
-              <a:buNone/>
-            </a:pPr>
+            <a:pPr lvl="0"/>
             <a:r>
               <a:rPr lang="en-US" dirty="0" err="1" smtClean="0"/>
-              <a:t>RxBlocking</a:t>
+              <a:t>OperationQueueScheduler</a:t>
             </a:r>
             <a:endParaRPr lang="en" dirty="0"/>
           </a:p>
@@ -5834,8 +6261,8 @@
         </p:nvSpPr>
         <p:spPr>
           <a:xfrm>
-            <a:off x="7618000" y="4636500"/>
-            <a:ext cx="1487400" cy="315600"/>
+            <a:off x="7955818" y="4636500"/>
+            <a:ext cx="1149581" cy="315600"/>
           </a:xfrm>
           <a:prstGeom prst="rect">
             <a:avLst/>
@@ -5857,7 +6284,7 @@
               <a:rPr lang="en"/>
               <a:t>13</a:t>
             </a:fld>
-            <a:endParaRPr lang="en"/>
+            <a:endParaRPr lang="en" dirty="0"/>
           </a:p>
         </p:txBody>
       </p:sp>
@@ -5893,230 +6320,98 @@
       </p:pic>
       <p:sp>
         <p:nvSpPr>
-          <p:cNvPr id="3" name="TextBox 2"/>
-          <p:cNvSpPr txBox="1"/>
+          <p:cNvPr id="4" name="Rectangle 3"/>
+          <p:cNvSpPr/>
           <p:nvPr/>
         </p:nvSpPr>
         <p:spPr>
           <a:xfrm>
-            <a:off x="498051" y="1761709"/>
-            <a:ext cx="6741374" cy="1938992"/>
+            <a:off x="232488" y="1766988"/>
+            <a:ext cx="8675058" cy="2031325"/>
           </a:xfrm>
           <a:prstGeom prst="rect">
             <a:avLst/>
           </a:prstGeom>
-          <a:noFill/>
         </p:spPr>
         <p:txBody>
-          <a:bodyPr wrap="none" rtlCol="0">
+          <a:bodyPr wrap="square">
             <a:spAutoFit/>
           </a:bodyPr>
           <a:lstStyle/>
           <a:p>
             <a:r>
-              <a:rPr lang="en-US" sz="1200" dirty="0" err="1">
-                <a:latin typeface="Courier"/>
-                <a:cs typeface="Courier"/>
-              </a:rPr>
-              <a:t>func</a:t>
-            </a:r>
-            <a:r>
-              <a:rPr lang="en-US" sz="1200" dirty="0">
-                <a:latin typeface="Courier"/>
-                <a:cs typeface="Courier"/>
-              </a:rPr>
+              <a:rPr lang="en-US" sz="1800" i="1" dirty="0"/>
+              <a:t>Abstracts the work that needs to be performed on a specific </a:t>
+            </a:r>
+            <a:r>
+              <a:rPr lang="en-US" sz="1800" i="1" dirty="0" err="1"/>
+              <a:t>NSOperationQueue</a:t>
+            </a:r>
+            <a:r>
+              <a:rPr lang="en-US" sz="1800" i="1" dirty="0"/>
+              <a:t>. </a:t>
+            </a:r>
+            <a:endParaRPr lang="en-US" sz="1800" i="1" dirty="0" smtClean="0"/>
+          </a:p>
+          <a:p>
+            <a:endParaRPr lang="en-US" sz="1800" i="1" dirty="0"/>
+          </a:p>
+          <a:p>
+            <a:r>
+              <a:rPr lang="en-US" sz="1800" i="1" dirty="0" smtClean="0"/>
+              <a:t>This </a:t>
+            </a:r>
+            <a:r>
+              <a:rPr lang="en-US" sz="1800" i="1" dirty="0"/>
+              <a:t>scheduler is suitable for cases when there is some bigger chunk of work </a:t>
+            </a:r>
+            <a:r>
+              <a:rPr lang="en-US" sz="1800" i="1" dirty="0" smtClean="0"/>
+              <a:t>that</a:t>
+            </a:r>
+          </a:p>
+          <a:p>
+            <a:endParaRPr lang="en-US" sz="1800" i="1" dirty="0"/>
+          </a:p>
+          <a:p>
+            <a:r>
+              <a:rPr lang="en-US" sz="1800" i="1" dirty="0" smtClean="0"/>
               <a:t> </a:t>
             </a:r>
             <a:r>
-              <a:rPr lang="en-US" sz="1200" dirty="0" err="1">
-                <a:latin typeface="Courier"/>
-                <a:cs typeface="Courier"/>
-              </a:rPr>
-              <a:t>testElements</a:t>
-            </a:r>
-            <a:r>
-              <a:rPr lang="en-US" sz="1200" dirty="0">
-                <a:latin typeface="Courier"/>
-                <a:cs typeface="Courier"/>
-              </a:rPr>
-              <a:t>() {</a:t>
-            </a:r>
-          </a:p>
-          <a:p>
-            <a:r>
-              <a:rPr lang="en-US" sz="1200" dirty="0">
-                <a:latin typeface="Courier"/>
-                <a:cs typeface="Courier"/>
-              </a:rPr>
-              <a:t>        let items = </a:t>
-            </a:r>
-            <a:r>
-              <a:rPr lang="en-US" sz="1200" dirty="0" err="1">
-                <a:latin typeface="Courier"/>
-                <a:cs typeface="Courier"/>
-              </a:rPr>
-              <a:t>Observable.of</a:t>
-            </a:r>
-            <a:r>
-              <a:rPr lang="en-US" sz="1200" dirty="0">
-                <a:latin typeface="Courier"/>
-                <a:cs typeface="Courier"/>
-              </a:rPr>
-              <a:t>(1, 5, 10, 15, 20)</a:t>
-            </a:r>
-          </a:p>
-          <a:p>
-            <a:r>
-              <a:rPr lang="mr-IN" sz="1200" dirty="0">
-                <a:latin typeface="Courier"/>
-                <a:cs typeface="Courier"/>
-              </a:rPr>
-              <a:t>        </a:t>
-            </a:r>
-          </a:p>
-          <a:p>
-            <a:r>
-              <a:rPr lang="en-US" sz="1200" dirty="0">
-                <a:latin typeface="Courier"/>
-                <a:cs typeface="Courier"/>
-              </a:rPr>
-              <a:t>        let elements = try! </a:t>
-            </a:r>
-            <a:r>
-              <a:rPr lang="en-US" sz="1200" dirty="0" err="1">
-                <a:latin typeface="Courier"/>
-                <a:cs typeface="Courier"/>
-              </a:rPr>
-              <a:t>items.toBlocking</a:t>
-            </a:r>
-            <a:r>
-              <a:rPr lang="en-US" sz="1200" dirty="0">
-                <a:latin typeface="Courier"/>
-                <a:cs typeface="Courier"/>
-              </a:rPr>
-              <a:t>().</a:t>
-            </a:r>
-            <a:r>
-              <a:rPr lang="en-US" sz="1200" dirty="0" err="1">
-                <a:latin typeface="Courier"/>
-                <a:cs typeface="Courier"/>
-              </a:rPr>
-              <a:t>toArray</a:t>
-            </a:r>
-            <a:r>
-              <a:rPr lang="en-US" sz="1200" dirty="0">
-                <a:latin typeface="Courier"/>
-                <a:cs typeface="Courier"/>
-              </a:rPr>
-              <a:t>()</a:t>
-            </a:r>
-          </a:p>
-          <a:p>
-            <a:r>
-              <a:rPr lang="mr-IN" sz="1200" dirty="0">
-                <a:latin typeface="Courier"/>
-                <a:cs typeface="Courier"/>
-              </a:rPr>
-              <a:t>        XCTAssertEqual([1, 5, 10, 15, 20], elements)</a:t>
-            </a:r>
-          </a:p>
-          <a:p>
-            <a:r>
-              <a:rPr lang="mr-IN" sz="1200" dirty="0">
-                <a:latin typeface="Courier"/>
-                <a:cs typeface="Courier"/>
-              </a:rPr>
-              <a:t>        </a:t>
-            </a:r>
-          </a:p>
-          <a:p>
-            <a:r>
-              <a:rPr lang="en-US" sz="1200" dirty="0">
-                <a:latin typeface="Courier"/>
-                <a:cs typeface="Courier"/>
-              </a:rPr>
-              <a:t>        let results = try! </a:t>
-            </a:r>
-            <a:r>
-              <a:rPr lang="en-US" sz="1200" dirty="0" err="1">
-                <a:latin typeface="Courier"/>
-                <a:cs typeface="Courier"/>
-              </a:rPr>
-              <a:t>items.skip</a:t>
-            </a:r>
-            <a:r>
-              <a:rPr lang="en-US" sz="1200" dirty="0">
-                <a:latin typeface="Courier"/>
-                <a:cs typeface="Courier"/>
-              </a:rPr>
-              <a:t>(3).take(2).</a:t>
-            </a:r>
-            <a:r>
-              <a:rPr lang="en-US" sz="1200" dirty="0" err="1">
-                <a:latin typeface="Courier"/>
-                <a:cs typeface="Courier"/>
-              </a:rPr>
-              <a:t>toBlocking</a:t>
-            </a:r>
-            <a:r>
-              <a:rPr lang="en-US" sz="1200" dirty="0">
-                <a:latin typeface="Courier"/>
-                <a:cs typeface="Courier"/>
-              </a:rPr>
-              <a:t>().</a:t>
-            </a:r>
-            <a:r>
-              <a:rPr lang="en-US" sz="1200" dirty="0" err="1">
-                <a:latin typeface="Courier"/>
-                <a:cs typeface="Courier"/>
-              </a:rPr>
-              <a:t>toArray</a:t>
-            </a:r>
-            <a:r>
-              <a:rPr lang="en-US" sz="1200" dirty="0">
-                <a:latin typeface="Courier"/>
-                <a:cs typeface="Courier"/>
-              </a:rPr>
-              <a:t>()</a:t>
-            </a:r>
-          </a:p>
-          <a:p>
-            <a:r>
-              <a:rPr lang="mr-IN" sz="1200" dirty="0">
-                <a:latin typeface="Courier"/>
-                <a:cs typeface="Courier"/>
-              </a:rPr>
-              <a:t>        XCTAssertEqual([15, 20], results)</a:t>
-            </a:r>
-          </a:p>
-          <a:p>
-            <a:r>
-              <a:rPr lang="mr-IN" sz="1200" dirty="0">
-                <a:latin typeface="Courier"/>
-                <a:cs typeface="Courier"/>
-              </a:rPr>
-              <a:t>        </a:t>
-            </a:r>
-          </a:p>
-          <a:p>
-            <a:r>
-              <a:rPr lang="mr-IN" sz="1200" dirty="0">
-                <a:latin typeface="Courier"/>
-                <a:cs typeface="Courier"/>
-              </a:rPr>
-              <a:t>    }</a:t>
-            </a:r>
-            <a:endParaRPr lang="en-US" sz="1200" dirty="0">
-              <a:latin typeface="Courier"/>
-              <a:cs typeface="Courier"/>
-            </a:endParaRPr>
+              <a:rPr lang="en-US" sz="1800" i="1" dirty="0"/>
+              <a:t>needs to be performed in the background and you want to fine tune concurrent </a:t>
+            </a:r>
+            <a:endParaRPr lang="en-US" sz="1800" i="1" dirty="0" smtClean="0"/>
+          </a:p>
+          <a:p>
+            <a:endParaRPr lang="en-US" sz="1800" i="1" dirty="0"/>
+          </a:p>
+          <a:p>
+            <a:r>
+              <a:rPr lang="en-US" sz="1800" i="1" dirty="0" smtClean="0"/>
+              <a:t>processing </a:t>
+            </a:r>
+            <a:r>
+              <a:rPr lang="en-US" sz="1800" i="1" dirty="0"/>
+              <a:t>using </a:t>
+            </a:r>
+            <a:r>
+              <a:rPr lang="en-US" sz="1800" i="1" dirty="0" err="1"/>
+              <a:t>maxConcurrentOperationCount</a:t>
+            </a:r>
+            <a:r>
+              <a:rPr lang="en-US" sz="1800" i="1" dirty="0"/>
+              <a:t>.</a:t>
+            </a:r>
+            <a:endParaRPr lang="en-US" sz="1800" i="1" dirty="0"/>
           </a:p>
         </p:txBody>
       </p:sp>
     </p:spTree>
     <p:extLst>
       <p:ext uri="{BB962C8B-B14F-4D97-AF65-F5344CB8AC3E}">
-        <p14:creationId xmlns:p14="http://schemas.microsoft.com/office/powerpoint/2010/main" val="2956619374"/>
+        <p14:creationId xmlns:p14="http://schemas.microsoft.com/office/powerpoint/2010/main" val="891930330"/>
       </p:ext>
     </p:extLst>
   </p:cSld>
@@ -6162,8 +6457,8 @@
         </p:nvSpPr>
         <p:spPr>
           <a:xfrm>
-            <a:off x="814275" y="392575"/>
-            <a:ext cx="5258400" cy="766200"/>
+            <a:off x="1052178" y="392575"/>
+            <a:ext cx="4507267" cy="766200"/>
           </a:xfrm>
           <a:prstGeom prst="rect">
             <a:avLst/>
@@ -6175,15 +6470,10 @@
           </a:bodyPr>
           <a:lstStyle/>
           <a:p>
-            <a:pPr lvl="0" rtl="0">
-              <a:spcBef>
-                <a:spcPts val="0"/>
-              </a:spcBef>
-              <a:buNone/>
-            </a:pPr>
+            <a:pPr lvl="0"/>
             <a:r>
               <a:rPr lang="en-US" dirty="0" err="1" smtClean="0"/>
-              <a:t>RxBlocking</a:t>
+              <a:t>OperationQueueScheduler</a:t>
             </a:r>
             <a:endParaRPr lang="en" dirty="0"/>
           </a:p>
@@ -6201,8 +6491,8 @@
         </p:nvSpPr>
         <p:spPr>
           <a:xfrm>
-            <a:off x="7618000" y="4636500"/>
-            <a:ext cx="1487400" cy="315600"/>
+            <a:off x="7955818" y="4636500"/>
+            <a:ext cx="1149581" cy="315600"/>
           </a:xfrm>
           <a:prstGeom prst="rect">
             <a:avLst/>
@@ -6224,7 +6514,7 @@
               <a:rPr lang="en"/>
               <a:t>14</a:t>
             </a:fld>
-            <a:endParaRPr lang="en"/>
+            <a:endParaRPr lang="en" dirty="0"/>
           </a:p>
         </p:txBody>
       </p:sp>
@@ -6266,8 +6556,8 @@
         </p:nvSpPr>
         <p:spPr>
           <a:xfrm>
-            <a:off x="100005" y="1278761"/>
-            <a:ext cx="8126594" cy="3785651"/>
+            <a:off x="538756" y="1392053"/>
+            <a:ext cx="7295462" cy="3539431"/>
           </a:xfrm>
           <a:prstGeom prst="rect">
             <a:avLst/>
@@ -6281,381 +6571,492 @@
           <a:lstStyle/>
           <a:p>
             <a:r>
-              <a:rPr lang="en-US" sz="1200" dirty="0" err="1">
-                <a:latin typeface="Courier"/>
-                <a:cs typeface="Courier"/>
-              </a:rPr>
-              <a:t>func</a:t>
-            </a:r>
-            <a:r>
-              <a:rPr lang="en-US" sz="1200" dirty="0">
+              <a:rPr lang="en-US" i="1" dirty="0">
+                <a:latin typeface="Courier"/>
+                <a:cs typeface="Courier"/>
+              </a:rPr>
+              <a:t>let </a:t>
+            </a:r>
+            <a:r>
+              <a:rPr lang="en-US" i="1" dirty="0" err="1">
+                <a:latin typeface="Courier"/>
+                <a:cs typeface="Courier"/>
+              </a:rPr>
+              <a:t>operationQueue</a:t>
+            </a:r>
+            <a:r>
+              <a:rPr lang="en-US" i="1" dirty="0">
+                <a:latin typeface="Courier"/>
+                <a:cs typeface="Courier"/>
+              </a:rPr>
+              <a:t> = </a:t>
+            </a:r>
+            <a:r>
+              <a:rPr lang="en-US" i="1" dirty="0" err="1">
+                <a:latin typeface="Courier"/>
+                <a:cs typeface="Courier"/>
+              </a:rPr>
+              <a:t>NSOperationQueue</a:t>
+            </a:r>
+            <a:r>
+              <a:rPr lang="en-US" i="1" dirty="0">
+                <a:latin typeface="Courier"/>
+                <a:cs typeface="Courier"/>
+              </a:rPr>
+              <a:t>()  </a:t>
+            </a:r>
+          </a:p>
+          <a:p>
+            <a:r>
+              <a:rPr lang="en-US" i="1" dirty="0" err="1" smtClean="0">
+                <a:latin typeface="Courier"/>
+                <a:cs typeface="Courier"/>
+              </a:rPr>
+              <a:t>operationQueue.maxConcurrentOperationCount</a:t>
+            </a:r>
+            <a:r>
+              <a:rPr lang="en-US" i="1" dirty="0" smtClean="0">
                 <a:latin typeface="Courier"/>
                 <a:cs typeface="Courier"/>
               </a:rPr>
               <a:t> </a:t>
             </a:r>
             <a:r>
-              <a:rPr lang="en-US" sz="1200" dirty="0" err="1">
-                <a:latin typeface="Courier"/>
-                <a:cs typeface="Courier"/>
-              </a:rPr>
-              <a:t>testCountryInfoFlow</a:t>
-            </a:r>
-            <a:r>
-              <a:rPr lang="en-US" sz="1200" dirty="0">
-                <a:latin typeface="Courier"/>
-                <a:cs typeface="Courier"/>
-              </a:rPr>
-              <a:t>() {</a:t>
-            </a:r>
-          </a:p>
-          <a:p>
-            <a:r>
-              <a:rPr lang="en-US" sz="1200" dirty="0">
-                <a:latin typeface="Courier"/>
-                <a:cs typeface="Courier"/>
-              </a:rPr>
-              <a:t>        let scheduler = </a:t>
-            </a:r>
-            <a:r>
-              <a:rPr lang="en-US" sz="1200" dirty="0" err="1">
-                <a:latin typeface="Courier"/>
-                <a:cs typeface="Courier"/>
-              </a:rPr>
-              <a:t>ConcurrentDispatchQueueScheduler</a:t>
-            </a:r>
-            <a:r>
-              <a:rPr lang="en-US" sz="1200" dirty="0">
-                <a:latin typeface="Courier"/>
-                <a:cs typeface="Courier"/>
-              </a:rPr>
-              <a:t>(</a:t>
-            </a:r>
-            <a:r>
-              <a:rPr lang="en-US" sz="1200" dirty="0" err="1">
-                <a:latin typeface="Courier"/>
-                <a:cs typeface="Courier"/>
-              </a:rPr>
-              <a:t>qos</a:t>
-            </a:r>
-            <a:r>
-              <a:rPr lang="en-US" sz="1200" dirty="0">
-                <a:latin typeface="Courier"/>
-                <a:cs typeface="Courier"/>
-              </a:rPr>
-              <a:t>: .default</a:t>
-            </a:r>
-            <a:r>
-              <a:rPr lang="en-US" sz="1200" dirty="0" smtClean="0">
-                <a:latin typeface="Courier"/>
-                <a:cs typeface="Courier"/>
-              </a:rPr>
-              <a:t>)</a:t>
-            </a:r>
-            <a:endParaRPr lang="mr-IN" sz="1200" dirty="0">
+              <a:rPr lang="en-US" i="1" dirty="0">
+                <a:latin typeface="Courier"/>
+                <a:cs typeface="Courier"/>
+              </a:rPr>
+              <a:t>= 3</a:t>
+            </a:r>
+          </a:p>
+          <a:p>
+            <a:r>
+              <a:rPr lang="en-US" i="1" dirty="0" err="1" smtClean="0">
+                <a:latin typeface="Courier"/>
+                <a:cs typeface="Courier"/>
+              </a:rPr>
+              <a:t>operationQueue.qualityOfService</a:t>
+            </a:r>
+            <a:r>
+              <a:rPr lang="en-US" i="1" dirty="0" smtClean="0">
+                <a:latin typeface="Courier"/>
+                <a:cs typeface="Courier"/>
+              </a:rPr>
+              <a:t> </a:t>
+            </a:r>
+            <a:r>
+              <a:rPr lang="en-US" i="1" dirty="0">
+                <a:latin typeface="Courier"/>
+                <a:cs typeface="Courier"/>
+              </a:rPr>
+              <a:t>= </a:t>
+            </a:r>
+            <a:r>
+              <a:rPr lang="en-US" i="1" dirty="0" err="1" smtClean="0">
+                <a:latin typeface="Courier"/>
+                <a:cs typeface="Courier"/>
+              </a:rPr>
+              <a:t>NSQualityOfService.UserInitiated</a:t>
+            </a:r>
+            <a:endParaRPr lang="en-US" i="1" dirty="0" smtClean="0">
               <a:latin typeface="Courier"/>
               <a:cs typeface="Courier"/>
             </a:endParaRPr>
           </a:p>
           <a:p>
-            <a:r>
-              <a:rPr lang="mr-IN" sz="1200" dirty="0">
-                <a:latin typeface="Courier"/>
-                <a:cs typeface="Courier"/>
-              </a:rPr>
-              <a:t>        do {</a:t>
-            </a:r>
-          </a:p>
-          <a:p>
-            <a:r>
-              <a:rPr lang="en-US" sz="1200" dirty="0">
-                <a:latin typeface="Courier"/>
-                <a:cs typeface="Courier"/>
-              </a:rPr>
-              <a:t>            let </a:t>
-            </a:r>
-            <a:r>
-              <a:rPr lang="en-US" sz="1200" dirty="0" err="1">
-                <a:latin typeface="Courier"/>
-                <a:cs typeface="Courier"/>
-              </a:rPr>
-              <a:t>myArray</a:t>
-            </a:r>
-            <a:r>
-              <a:rPr lang="en-US" sz="1200" dirty="0">
-                <a:latin typeface="Courier"/>
-                <a:cs typeface="Courier"/>
-              </a:rPr>
-              <a:t> = try </a:t>
-            </a:r>
-            <a:r>
-              <a:rPr lang="en-US" sz="1200" dirty="0" err="1">
-                <a:latin typeface="Courier"/>
-                <a:cs typeface="Courier"/>
-              </a:rPr>
-              <a:t>BordersBusinessLogic.shared.countryInfoFlow</a:t>
-            </a:r>
-            <a:r>
-              <a:rPr lang="en-US" sz="1200" dirty="0">
-                <a:latin typeface="Courier"/>
-                <a:cs typeface="Courier"/>
-              </a:rPr>
-              <a:t>(code: "FRA")</a:t>
-            </a:r>
-          </a:p>
-          <a:p>
-            <a:r>
-              <a:rPr lang="en-US" sz="1200" dirty="0">
-                <a:latin typeface="Courier"/>
-                <a:cs typeface="Courier"/>
-              </a:rPr>
-              <a:t>            .</a:t>
-            </a:r>
-            <a:r>
-              <a:rPr lang="en-US" sz="1200" dirty="0" err="1">
-                <a:latin typeface="Courier"/>
-                <a:cs typeface="Courier"/>
-              </a:rPr>
-              <a:t>subscribeOn</a:t>
-            </a:r>
-            <a:r>
-              <a:rPr lang="en-US" sz="1200" dirty="0">
-                <a:latin typeface="Courier"/>
-                <a:cs typeface="Courier"/>
-              </a:rPr>
-              <a:t>(scheduler)</a:t>
-            </a:r>
-          </a:p>
-          <a:p>
-            <a:r>
-              <a:rPr lang="mr-IN" sz="1200" dirty="0">
-                <a:latin typeface="Courier"/>
-                <a:cs typeface="Courier"/>
-              </a:rPr>
-              <a:t>            .toBlocking()</a:t>
-            </a:r>
-          </a:p>
-          <a:p>
-            <a:r>
-              <a:rPr lang="mr-IN" sz="1200" dirty="0">
-                <a:latin typeface="Courier"/>
-                <a:cs typeface="Courier"/>
-              </a:rPr>
-              <a:t>            .toArray(</a:t>
-            </a:r>
-            <a:r>
-              <a:rPr lang="mr-IN" sz="1200" dirty="0" smtClean="0">
-                <a:latin typeface="Courier"/>
-                <a:cs typeface="Courier"/>
-              </a:rPr>
-              <a:t>)</a:t>
-            </a:r>
-            <a:endParaRPr lang="mr-IN" sz="1200" dirty="0">
+            <a:endParaRPr lang="en-US" i="1" dirty="0">
               <a:latin typeface="Courier"/>
               <a:cs typeface="Courier"/>
             </a:endParaRPr>
           </a:p>
           <a:p>
             <a:r>
-              <a:rPr lang="en-US" sz="1200" dirty="0">
-                <a:latin typeface="Courier"/>
-                <a:cs typeface="Courier"/>
-              </a:rPr>
-              <a:t>            if let </a:t>
-            </a:r>
-            <a:r>
-              <a:rPr lang="en-US" sz="1200" dirty="0" err="1">
-                <a:latin typeface="Courier"/>
-                <a:cs typeface="Courier"/>
-              </a:rPr>
-              <a:t>countryInfo</a:t>
-            </a:r>
-            <a:r>
-              <a:rPr lang="en-US" sz="1200" dirty="0">
+              <a:rPr lang="en-US" b="1" i="1" dirty="0" smtClean="0">
+                <a:solidFill>
+                  <a:srgbClr val="3366FF"/>
+                </a:solidFill>
+                <a:latin typeface="Courier"/>
+                <a:cs typeface="Courier"/>
+              </a:rPr>
+              <a:t>let </a:t>
+            </a:r>
+            <a:r>
+              <a:rPr lang="en-US" b="1" i="1" dirty="0" err="1">
+                <a:solidFill>
+                  <a:srgbClr val="3366FF"/>
+                </a:solidFill>
+                <a:latin typeface="Courier"/>
+                <a:cs typeface="Courier"/>
+              </a:rPr>
+              <a:t>backgroundWorkScheduler</a:t>
+            </a:r>
+            <a:endParaRPr lang="en-US" b="1" i="1" dirty="0">
+              <a:solidFill>
+                <a:srgbClr val="3366FF"/>
+              </a:solidFill>
+              <a:latin typeface="Courier"/>
+              <a:cs typeface="Courier"/>
+            </a:endParaRPr>
+          </a:p>
+          <a:p>
+            <a:r>
+              <a:rPr lang="en-US" b="1" i="1" dirty="0">
+                <a:solidFill>
+                  <a:srgbClr val="3366FF"/>
+                </a:solidFill>
+                <a:latin typeface="Courier"/>
+                <a:cs typeface="Courier"/>
+              </a:rPr>
+              <a:t>    = </a:t>
+            </a:r>
+            <a:r>
+              <a:rPr lang="en-US" b="1" i="1" dirty="0" err="1">
+                <a:solidFill>
+                  <a:srgbClr val="3366FF"/>
+                </a:solidFill>
+                <a:latin typeface="Courier"/>
+                <a:cs typeface="Courier"/>
+              </a:rPr>
+              <a:t>OperationQueueScheduler</a:t>
+            </a:r>
+            <a:r>
+              <a:rPr lang="en-US" b="1" i="1" dirty="0">
+                <a:solidFill>
+                  <a:srgbClr val="3366FF"/>
+                </a:solidFill>
+                <a:latin typeface="Courier"/>
+                <a:cs typeface="Courier"/>
+              </a:rPr>
+              <a:t>(</a:t>
+            </a:r>
+            <a:r>
+              <a:rPr lang="en-US" b="1" i="1" dirty="0" err="1">
+                <a:solidFill>
+                  <a:srgbClr val="3366FF"/>
+                </a:solidFill>
+                <a:latin typeface="Courier"/>
+                <a:cs typeface="Courier"/>
+              </a:rPr>
+              <a:t>operationQueue</a:t>
+            </a:r>
+            <a:r>
+              <a:rPr lang="en-US" b="1" i="1" dirty="0">
+                <a:solidFill>
+                  <a:srgbClr val="3366FF"/>
+                </a:solidFill>
+                <a:latin typeface="Courier"/>
+                <a:cs typeface="Courier"/>
+              </a:rPr>
+              <a:t>: </a:t>
+            </a:r>
+            <a:r>
+              <a:rPr lang="en-US" b="1" i="1" dirty="0" err="1">
+                <a:solidFill>
+                  <a:srgbClr val="3366FF"/>
+                </a:solidFill>
+                <a:latin typeface="Courier"/>
+                <a:cs typeface="Courier"/>
+              </a:rPr>
+              <a:t>operationQueue</a:t>
+            </a:r>
+            <a:r>
+              <a:rPr lang="en-US" b="1" i="1" dirty="0">
+                <a:solidFill>
+                  <a:srgbClr val="3366FF"/>
+                </a:solidFill>
+                <a:latin typeface="Courier"/>
+                <a:cs typeface="Courier"/>
+              </a:rPr>
+              <a:t>)</a:t>
+            </a:r>
+          </a:p>
+          <a:p>
+            <a:endParaRPr lang="en-US" b="1" i="1" dirty="0">
+              <a:solidFill>
+                <a:srgbClr val="3366FF"/>
+              </a:solidFill>
+              <a:latin typeface="Courier"/>
+              <a:cs typeface="Courier"/>
+            </a:endParaRPr>
+          </a:p>
+          <a:p>
+            <a:r>
+              <a:rPr lang="en-US" i="1" dirty="0" err="1">
+                <a:latin typeface="Courier"/>
+                <a:cs typeface="Courier"/>
+              </a:rPr>
+              <a:t>videoUpload</a:t>
+            </a:r>
+            <a:r>
+              <a:rPr lang="en-US" i="1" dirty="0">
+                <a:latin typeface="Courier"/>
+                <a:cs typeface="Courier"/>
+              </a:rPr>
+              <a:t>  </a:t>
+            </a:r>
+          </a:p>
+          <a:p>
+            <a:r>
+              <a:rPr lang="en-US" i="1" dirty="0">
+                <a:latin typeface="Courier"/>
+                <a:cs typeface="Courier"/>
+              </a:rPr>
+              <a:t>  .</a:t>
+            </a:r>
+            <a:r>
+              <a:rPr lang="en-US" i="1" dirty="0" err="1">
+                <a:latin typeface="Courier"/>
+                <a:cs typeface="Courier"/>
+              </a:rPr>
+              <a:t>observeOn</a:t>
+            </a:r>
+            <a:r>
+              <a:rPr lang="en-US" i="1" dirty="0">
+                <a:latin typeface="Courier"/>
+                <a:cs typeface="Courier"/>
+              </a:rPr>
+              <a:t>(</a:t>
+            </a:r>
+            <a:r>
+              <a:rPr lang="en-US" b="1" i="1" dirty="0" err="1">
+                <a:solidFill>
+                  <a:srgbClr val="3366FF"/>
+                </a:solidFill>
+                <a:latin typeface="Courier"/>
+                <a:cs typeface="Courier"/>
+              </a:rPr>
+              <a:t>backgroundWorkScheduler</a:t>
+            </a:r>
+            <a:r>
+              <a:rPr lang="en-US" i="1" dirty="0">
+                <a:latin typeface="Courier"/>
+                <a:cs typeface="Courier"/>
+              </a:rPr>
+              <a:t>)</a:t>
+            </a:r>
+          </a:p>
+          <a:p>
+            <a:r>
+              <a:rPr lang="en-US" i="1" dirty="0">
+                <a:latin typeface="Courier"/>
+                <a:cs typeface="Courier"/>
+              </a:rPr>
+              <a:t>  .map({ </a:t>
+            </a:r>
+            <a:r>
+              <a:rPr lang="en-US" i="1" dirty="0" err="1">
+                <a:latin typeface="Courier"/>
+                <a:cs typeface="Courier"/>
+              </a:rPr>
+              <a:t>json</a:t>
+            </a:r>
+            <a:r>
+              <a:rPr lang="en-US" i="1" dirty="0">
+                <a:latin typeface="Courier"/>
+                <a:cs typeface="Courier"/>
+              </a:rPr>
+              <a:t> in</a:t>
+            </a:r>
+          </a:p>
+          <a:p>
+            <a:r>
+              <a:rPr lang="en-US" i="1" dirty="0">
+                <a:latin typeface="Courier"/>
+                <a:cs typeface="Courier"/>
+              </a:rPr>
+              <a:t>    return </a:t>
+            </a:r>
+            <a:r>
+              <a:rPr lang="en-US" i="1" dirty="0" err="1">
+                <a:latin typeface="Courier"/>
+                <a:cs typeface="Courier"/>
+              </a:rPr>
+              <a:t>json</a:t>
+            </a:r>
+            <a:r>
+              <a:rPr lang="en-US" i="1" dirty="0">
+                <a:latin typeface="Courier"/>
+                <a:cs typeface="Courier"/>
+              </a:rPr>
+              <a:t>["</a:t>
+            </a:r>
+            <a:r>
+              <a:rPr lang="en-US" i="1" dirty="0" err="1">
+                <a:latin typeface="Courier"/>
+                <a:cs typeface="Courier"/>
+              </a:rPr>
+              <a:t>videoUrl</a:t>
+            </a:r>
+            <a:r>
+              <a:rPr lang="en-US" i="1" dirty="0">
+                <a:latin typeface="Courier"/>
+                <a:cs typeface="Courier"/>
+              </a:rPr>
+              <a:t>"].</a:t>
+            </a:r>
+            <a:r>
+              <a:rPr lang="en-US" i="1" dirty="0" err="1">
+                <a:latin typeface="Courier"/>
+                <a:cs typeface="Courier"/>
+              </a:rPr>
+              <a:t>stringValue</a:t>
+            </a:r>
+            <a:endParaRPr lang="en-US" i="1" dirty="0">
+              <a:latin typeface="Courier"/>
+              <a:cs typeface="Courier"/>
+            </a:endParaRPr>
+          </a:p>
+          <a:p>
+            <a:r>
+              <a:rPr lang="en-US" i="1" dirty="0">
+                <a:latin typeface="Courier"/>
+                <a:cs typeface="Courier"/>
+              </a:rPr>
+              <a:t>  })</a:t>
+            </a:r>
+          </a:p>
+          <a:p>
+            <a:r>
+              <a:rPr lang="en-US" i="1" dirty="0">
+                <a:latin typeface="Courier"/>
+                <a:cs typeface="Courier"/>
+              </a:rPr>
+              <a:t>  .</a:t>
+            </a:r>
+            <a:r>
+              <a:rPr lang="en-US" i="1" dirty="0" err="1">
+                <a:latin typeface="Courier"/>
+                <a:cs typeface="Courier"/>
+              </a:rPr>
+              <a:t>observeOn</a:t>
+            </a:r>
+            <a:r>
+              <a:rPr lang="en-US" i="1" dirty="0">
+                <a:latin typeface="Courier"/>
+                <a:cs typeface="Courier"/>
+              </a:rPr>
+              <a:t>(</a:t>
+            </a:r>
+            <a:r>
+              <a:rPr lang="en-US" i="1" dirty="0" err="1">
+                <a:latin typeface="Courier"/>
+                <a:cs typeface="Courier"/>
+              </a:rPr>
+              <a:t>MainScheduler.sharedInstance</a:t>
+            </a:r>
+            <a:r>
+              <a:rPr lang="en-US" i="1" dirty="0">
+                <a:latin typeface="Courier"/>
+                <a:cs typeface="Courier"/>
+              </a:rPr>
+              <a:t>)</a:t>
+            </a:r>
+          </a:p>
+          <a:p>
+            <a:r>
+              <a:rPr lang="en-US" i="1" dirty="0">
+                <a:latin typeface="Courier"/>
+                <a:cs typeface="Courier"/>
+              </a:rPr>
+              <a:t>  .</a:t>
+            </a:r>
+            <a:r>
+              <a:rPr lang="en-US" i="1" dirty="0" smtClean="0">
+                <a:latin typeface="Courier"/>
+                <a:cs typeface="Courier"/>
+              </a:rPr>
+              <a:t>subscribe(</a:t>
+            </a:r>
+            <a:r>
+              <a:rPr lang="en-US" i="1" dirty="0" err="1" smtClean="0">
+                <a:latin typeface="Courier"/>
+                <a:cs typeface="Courier"/>
+              </a:rPr>
+              <a:t>onNext</a:t>
+            </a:r>
+            <a:r>
+              <a:rPr lang="en-US" i="1" dirty="0" smtClean="0">
+                <a:latin typeface="Courier"/>
+                <a:cs typeface="Courier"/>
+              </a:rPr>
+              <a:t>: { </a:t>
+            </a:r>
+            <a:r>
+              <a:rPr lang="en-US" i="1" dirty="0" err="1">
+                <a:latin typeface="Courier"/>
+                <a:cs typeface="Courier"/>
+              </a:rPr>
+              <a:t>url</a:t>
+            </a:r>
+            <a:endParaRPr lang="en-US" i="1" dirty="0">
+              <a:latin typeface="Courier"/>
+              <a:cs typeface="Courier"/>
+            </a:endParaRPr>
+          </a:p>
+          <a:p>
+            <a:r>
+              <a:rPr lang="en-US" i="1" dirty="0">
+                <a:latin typeface="Courier"/>
+                <a:cs typeface="Courier"/>
+              </a:rPr>
+              <a:t>    </a:t>
+            </a:r>
+            <a:r>
+              <a:rPr lang="en-US" i="1" dirty="0" err="1">
+                <a:latin typeface="Courier"/>
+                <a:cs typeface="Courier"/>
+              </a:rPr>
+              <a:t>self.urlLabel.text</a:t>
+            </a:r>
+            <a:r>
+              <a:rPr lang="en-US" i="1" dirty="0">
                 <a:latin typeface="Courier"/>
                 <a:cs typeface="Courier"/>
               </a:rPr>
               <a:t> = </a:t>
             </a:r>
             <a:r>
-              <a:rPr lang="en-US" sz="1200" dirty="0" err="1">
-                <a:latin typeface="Courier"/>
-                <a:cs typeface="Courier"/>
-              </a:rPr>
-              <a:t>myArray.first</a:t>
-            </a:r>
-            <a:r>
-              <a:rPr lang="en-US" sz="1200" dirty="0">
-                <a:latin typeface="Courier"/>
-                <a:cs typeface="Courier"/>
-              </a:rPr>
-              <a:t> {</a:t>
-            </a:r>
-          </a:p>
-          <a:p>
-            <a:r>
-              <a:rPr lang="en-US" sz="1200" dirty="0">
-                <a:latin typeface="Courier"/>
-                <a:cs typeface="Courier"/>
-              </a:rPr>
-              <a:t>                switch </a:t>
-            </a:r>
-            <a:r>
-              <a:rPr lang="en-US" sz="1200" dirty="0" err="1">
-                <a:latin typeface="Courier"/>
-                <a:cs typeface="Courier"/>
-              </a:rPr>
-              <a:t>countryInfo</a:t>
-            </a:r>
-            <a:r>
-              <a:rPr lang="en-US" sz="1200" dirty="0">
-                <a:latin typeface="Courier"/>
-                <a:cs typeface="Courier"/>
-              </a:rPr>
-              <a:t> {</a:t>
-            </a:r>
-          </a:p>
-          <a:p>
-            <a:r>
-              <a:rPr lang="mr-IN" sz="1200" dirty="0">
-                <a:latin typeface="Courier"/>
-                <a:cs typeface="Courier"/>
-              </a:rPr>
-              <a:t>                case .success(_):</a:t>
-            </a:r>
-          </a:p>
-          <a:p>
-            <a:r>
-              <a:rPr lang="mr-IN" sz="1200" dirty="0">
-                <a:latin typeface="Courier"/>
-                <a:cs typeface="Courier"/>
-              </a:rPr>
-              <a:t>                    XCTAssert(true)</a:t>
-            </a:r>
-          </a:p>
-          <a:p>
-            <a:r>
-              <a:rPr lang="mr-IN" sz="1200" dirty="0">
-                <a:latin typeface="Courier"/>
-                <a:cs typeface="Courier"/>
-              </a:rPr>
-              <a:t>                    break</a:t>
-            </a:r>
-          </a:p>
-          <a:p>
-            <a:r>
-              <a:rPr lang="mr-IN" sz="1200" dirty="0">
-                <a:latin typeface="Courier"/>
-                <a:cs typeface="Courier"/>
-              </a:rPr>
-              <a:t>                case .failure(_):</a:t>
-            </a:r>
-          </a:p>
-          <a:p>
-            <a:r>
-              <a:rPr lang="mr-IN" sz="1200" dirty="0">
-                <a:latin typeface="Courier"/>
-                <a:cs typeface="Courier"/>
-              </a:rPr>
-              <a:t>                    XCTAssert(false)</a:t>
-            </a:r>
-          </a:p>
-          <a:p>
-            <a:r>
-              <a:rPr lang="mr-IN" sz="1200" dirty="0">
-                <a:latin typeface="Courier"/>
-                <a:cs typeface="Courier"/>
-              </a:rPr>
-              <a:t>                    break</a:t>
-            </a:r>
-          </a:p>
-          <a:p>
-            <a:r>
-              <a:rPr lang="mr-IN" sz="1200" dirty="0">
-                <a:latin typeface="Courier"/>
-                <a:cs typeface="Courier"/>
-              </a:rPr>
-              <a:t>                }</a:t>
-            </a:r>
-          </a:p>
-          <a:p>
-            <a:r>
-              <a:rPr lang="mr-IN" sz="1200" dirty="0">
-                <a:latin typeface="Courier"/>
-                <a:cs typeface="Courier"/>
-              </a:rPr>
-              <a:t>            }</a:t>
-            </a:r>
-          </a:p>
-          <a:p>
-            <a:r>
-              <a:rPr lang="mr-IN" sz="1200" dirty="0">
-                <a:latin typeface="Courier"/>
-                <a:cs typeface="Courier"/>
-              </a:rPr>
-              <a:t>        } catch(let e) </a:t>
-            </a:r>
-            <a:r>
-              <a:rPr lang="mr-IN" sz="1200" dirty="0" smtClean="0">
-                <a:latin typeface="Courier"/>
-                <a:cs typeface="Courier"/>
-              </a:rPr>
-              <a:t>{</a:t>
-            </a:r>
-            <a:r>
-              <a:rPr lang="en-US" sz="1200" dirty="0" smtClean="0">
-                <a:latin typeface="Courier"/>
-                <a:cs typeface="Courier"/>
-              </a:rPr>
-              <a:t> </a:t>
-            </a:r>
-            <a:r>
-              <a:rPr lang="en-US" sz="1200" dirty="0" err="1" smtClean="0">
-                <a:latin typeface="Courier"/>
-                <a:cs typeface="Courier"/>
-              </a:rPr>
-              <a:t>XCTAssert</a:t>
-            </a:r>
-            <a:r>
-              <a:rPr lang="en-US" sz="1200" dirty="0">
-                <a:latin typeface="Courier"/>
-                <a:cs typeface="Courier"/>
-              </a:rPr>
-              <a:t>(false, </a:t>
-            </a:r>
-            <a:r>
-              <a:rPr lang="en-US" sz="1200" dirty="0" err="1">
-                <a:latin typeface="Courier"/>
-                <a:cs typeface="Courier"/>
-              </a:rPr>
-              <a:t>e.localizedDescription</a:t>
-            </a:r>
-            <a:r>
-              <a:rPr lang="en-US" sz="1200" dirty="0">
+              <a:rPr lang="en-US" i="1" dirty="0" err="1">
+                <a:latin typeface="Courier"/>
+                <a:cs typeface="Courier"/>
+              </a:rPr>
+              <a:t>url</a:t>
+            </a:r>
+            <a:endParaRPr lang="en-US" i="1" dirty="0">
+              <a:latin typeface="Courier"/>
+              <a:cs typeface="Courier"/>
+            </a:endParaRPr>
+          </a:p>
+          <a:p>
+            <a:r>
+              <a:rPr lang="en-US" i="1" dirty="0">
+                <a:latin typeface="Courier"/>
+                <a:cs typeface="Courier"/>
+              </a:rPr>
+              <a:t>  </a:t>
+            </a:r>
+            <a:r>
+              <a:rPr lang="en-US" i="1" dirty="0" smtClean="0">
+                <a:latin typeface="Courier"/>
+                <a:cs typeface="Courier"/>
+              </a:rPr>
+              <a:t>}).disposed(by </a:t>
+            </a:r>
+            <a:r>
+              <a:rPr lang="en-US" i="1" dirty="0" err="1" smtClean="0">
+                <a:latin typeface="Courier"/>
+                <a:cs typeface="Courier"/>
+              </a:rPr>
+              <a:t>disposeBag</a:t>
+            </a:r>
+            <a:r>
+              <a:rPr lang="en-US" i="1" dirty="0" smtClean="0">
                 <a:latin typeface="Courier"/>
                 <a:cs typeface="Courier"/>
               </a:rPr>
               <a:t>)</a:t>
             </a:r>
-          </a:p>
-          <a:p>
-            <a:r>
-              <a:rPr lang="mr-IN" sz="1200" dirty="0">
-                <a:latin typeface="Courier"/>
-                <a:cs typeface="Courier"/>
-              </a:rPr>
-              <a:t>        }</a:t>
-            </a:r>
-          </a:p>
-          <a:p>
-            <a:r>
-              <a:rPr lang="mr-IN" sz="1200" dirty="0">
-                <a:latin typeface="Courier"/>
-                <a:cs typeface="Courier"/>
-              </a:rPr>
-              <a:t>    }</a:t>
-            </a:r>
-            <a:endParaRPr lang="en-US" sz="1200" dirty="0">
+            <a:endParaRPr lang="en-US" i="1" dirty="0">
               <a:latin typeface="Courier"/>
               <a:cs typeface="Courier"/>
             </a:endParaRPr>
@@ -6665,7 +7066,1776 @@
     </p:spTree>
     <p:extLst>
       <p:ext uri="{BB962C8B-B14F-4D97-AF65-F5344CB8AC3E}">
-        <p14:creationId xmlns:p14="http://schemas.microsoft.com/office/powerpoint/2010/main" val="1540600270"/>
+        <p14:creationId xmlns:p14="http://schemas.microsoft.com/office/powerpoint/2010/main" val="290578275"/>
+      </p:ext>
+    </p:extLst>
+  </p:cSld>
+  <p:clrMapOvr>
+    <a:masterClrMapping/>
+  </p:clrMapOvr>
+  <p:timing>
+    <p:tnLst>
+      <p:par>
+        <p:cTn xmlns:p14="http://schemas.microsoft.com/office/powerpoint/2010/main" id="1" dur="indefinite" restart="never" nodeType="tmRoot"/>
+      </p:par>
+    </p:tnLst>
+  </p:timing>
+</p:sld>
+</file>
+
+<file path=ppt/slides/slide15.xml><?xml version="1.0" encoding="utf-8"?>
+<p:sld xmlns:a="http://schemas.openxmlformats.org/drawingml/2006/main" xmlns:r="http://schemas.openxmlformats.org/officeDocument/2006/relationships" xmlns:p="http://schemas.openxmlformats.org/presentationml/2006/main">
+  <p:cSld>
+    <p:spTree>
+      <p:nvGrpSpPr>
+        <p:cNvPr id="1" name="Shape 188"/>
+        <p:cNvGrpSpPr/>
+        <p:nvPr/>
+      </p:nvGrpSpPr>
+      <p:grpSpPr>
+        <a:xfrm>
+          <a:off x="0" y="0"/>
+          <a:ext cx="0" cy="0"/>
+          <a:chOff x="0" y="0"/>
+          <a:chExt cx="0" cy="0"/>
+        </a:xfrm>
+      </p:grpSpPr>
+      <p:sp>
+        <p:nvSpPr>
+          <p:cNvPr id="189" name="Shape 189"/>
+          <p:cNvSpPr txBox="1">
+            <a:spLocks noGrp="1"/>
+          </p:cNvSpPr>
+          <p:nvPr>
+            <p:ph type="title"/>
+          </p:nvPr>
+        </p:nvSpPr>
+        <p:spPr>
+          <a:xfrm>
+            <a:off x="1052178" y="392575"/>
+            <a:ext cx="4507267" cy="766200"/>
+          </a:xfrm>
+          <a:prstGeom prst="rect">
+            <a:avLst/>
+          </a:prstGeom>
+        </p:spPr>
+        <p:txBody>
+          <a:bodyPr wrap="square" lIns="91425" tIns="91425" rIns="91425" bIns="91425" anchor="ctr" anchorCtr="0">
+            <a:noAutofit/>
+          </a:bodyPr>
+          <a:lstStyle/>
+          <a:p>
+            <a:pPr lvl="0"/>
+            <a:r>
+              <a:rPr lang="en-US" dirty="0" err="1" smtClean="0"/>
+              <a:t>TestScheduler</a:t>
+            </a:r>
+            <a:endParaRPr lang="en" dirty="0"/>
+          </a:p>
+        </p:txBody>
+      </p:sp>
+      <p:sp>
+        <p:nvSpPr>
+          <p:cNvPr id="192" name="Shape 192"/>
+          <p:cNvSpPr txBox="1">
+            <a:spLocks noGrp="1"/>
+          </p:cNvSpPr>
+          <p:nvPr>
+            <p:ph type="sldNum" idx="12"/>
+          </p:nvPr>
+        </p:nvSpPr>
+        <p:spPr>
+          <a:xfrm>
+            <a:off x="7955818" y="4636500"/>
+            <a:ext cx="1149581" cy="315600"/>
+          </a:xfrm>
+          <a:prstGeom prst="rect">
+            <a:avLst/>
+          </a:prstGeom>
+        </p:spPr>
+        <p:txBody>
+          <a:bodyPr wrap="square" lIns="91425" tIns="91425" rIns="91425" bIns="91425" anchor="ctr" anchorCtr="0">
+            <a:noAutofit/>
+          </a:bodyPr>
+          <a:lstStyle/>
+          <a:p>
+            <a:pPr lvl="0">
+              <a:spcBef>
+                <a:spcPts val="0"/>
+              </a:spcBef>
+              <a:buNone/>
+            </a:pPr>
+            <a:fld id="{00000000-1234-1234-1234-123412341234}" type="slidenum">
+              <a:rPr lang="en"/>
+              <a:t>15</a:t>
+            </a:fld>
+            <a:endParaRPr lang="en" dirty="0"/>
+          </a:p>
+        </p:txBody>
+      </p:sp>
+      <p:pic>
+        <p:nvPicPr>
+          <p:cNvPr id="2" name="Picture 1" descr="Rx_Logo_M.png"/>
+          <p:cNvPicPr>
+            <a:picLocks noChangeAspect="1"/>
+          </p:cNvPicPr>
+          <p:nvPr/>
+        </p:nvPicPr>
+        <p:blipFill>
+          <a:blip r:embed="rId3">
+            <a:extLst>
+              <a:ext uri="{28A0092B-C50C-407E-A947-70E740481C1C}">
+                <a14:useLocalDpi xmlns:a14="http://schemas.microsoft.com/office/drawing/2010/main" val="0"/>
+              </a:ext>
+            </a:extLst>
+          </a:blip>
+          <a:stretch>
+            <a:fillRect/>
+          </a:stretch>
+        </p:blipFill>
+        <p:spPr>
+          <a:xfrm>
+            <a:off x="151129" y="442005"/>
+            <a:ext cx="663146" cy="663146"/>
+          </a:xfrm>
+          <a:prstGeom prst="rect">
+            <a:avLst/>
+          </a:prstGeom>
+        </p:spPr>
+      </p:pic>
+      <p:sp>
+        <p:nvSpPr>
+          <p:cNvPr id="4" name="Rectangle 3"/>
+          <p:cNvSpPr/>
+          <p:nvPr/>
+        </p:nvSpPr>
+        <p:spPr>
+          <a:xfrm>
+            <a:off x="232488" y="1766988"/>
+            <a:ext cx="8675058" cy="1754327"/>
+          </a:xfrm>
+          <a:prstGeom prst="rect">
+            <a:avLst/>
+          </a:prstGeom>
+        </p:spPr>
+        <p:txBody>
+          <a:bodyPr wrap="square">
+            <a:spAutoFit/>
+          </a:bodyPr>
+          <a:lstStyle/>
+          <a:p>
+            <a:r>
+              <a:rPr lang="en-US" sz="1800" i="1" dirty="0" err="1"/>
+              <a:t>TestScheduler</a:t>
+            </a:r>
+            <a:r>
+              <a:rPr lang="en-US" sz="1800" i="1" dirty="0"/>
+              <a:t> is a special kind of beast. It’s meant only to be used in testing, so try not to use this scheduler in production code. </a:t>
+            </a:r>
+            <a:endParaRPr lang="en-US" sz="1800" i="1" dirty="0" smtClean="0"/>
+          </a:p>
+          <a:p>
+            <a:endParaRPr lang="en-US" sz="1800" i="1" dirty="0"/>
+          </a:p>
+          <a:p>
+            <a:r>
+              <a:rPr lang="en-US" sz="1800" i="1" dirty="0" smtClean="0"/>
+              <a:t>This </a:t>
+            </a:r>
+            <a:r>
+              <a:rPr lang="en-US" sz="1800" i="1" dirty="0"/>
+              <a:t>special scheduler simplifies operator testing; it’s part of the </a:t>
+            </a:r>
+            <a:r>
+              <a:rPr lang="en-US" sz="1800" i="1" dirty="0" err="1"/>
+              <a:t>RxTest</a:t>
+            </a:r>
+            <a:r>
+              <a:rPr lang="en-US" sz="1800" i="1" dirty="0"/>
+              <a:t> library. You will have a look into using this scheduler in the dedicated chapter about testing, but let's have a quick look since you're doing the grand tour of schedulers</a:t>
+            </a:r>
+            <a:r>
+              <a:rPr lang="en-US" sz="1800" i="1" dirty="0" smtClean="0"/>
+              <a:t>.</a:t>
+            </a:r>
+            <a:endParaRPr lang="en-US" sz="1800" i="1" dirty="0"/>
+          </a:p>
+        </p:txBody>
+      </p:sp>
+    </p:spTree>
+    <p:extLst>
+      <p:ext uri="{BB962C8B-B14F-4D97-AF65-F5344CB8AC3E}">
+        <p14:creationId xmlns:p14="http://schemas.microsoft.com/office/powerpoint/2010/main" val="2726729543"/>
+      </p:ext>
+    </p:extLst>
+  </p:cSld>
+  <p:clrMapOvr>
+    <a:masterClrMapping/>
+  </p:clrMapOvr>
+  <p:timing>
+    <p:tnLst>
+      <p:par>
+        <p:cTn xmlns:p14="http://schemas.microsoft.com/office/powerpoint/2010/main" id="1" dur="indefinite" restart="never" nodeType="tmRoot"/>
+      </p:par>
+    </p:tnLst>
+  </p:timing>
+</p:sld>
+</file>
+
+<file path=ppt/slides/slide16.xml><?xml version="1.0" encoding="utf-8"?>
+<p:sld xmlns:a="http://schemas.openxmlformats.org/drawingml/2006/main" xmlns:r="http://schemas.openxmlformats.org/officeDocument/2006/relationships" xmlns:p="http://schemas.openxmlformats.org/presentationml/2006/main">
+  <p:cSld>
+    <p:spTree>
+      <p:nvGrpSpPr>
+        <p:cNvPr id="1" name="Shape 188"/>
+        <p:cNvGrpSpPr/>
+        <p:nvPr/>
+      </p:nvGrpSpPr>
+      <p:grpSpPr>
+        <a:xfrm>
+          <a:off x="0" y="0"/>
+          <a:ext cx="0" cy="0"/>
+          <a:chOff x="0" y="0"/>
+          <a:chExt cx="0" cy="0"/>
+        </a:xfrm>
+      </p:grpSpPr>
+      <p:sp>
+        <p:nvSpPr>
+          <p:cNvPr id="189" name="Shape 189"/>
+          <p:cNvSpPr txBox="1">
+            <a:spLocks noGrp="1"/>
+          </p:cNvSpPr>
+          <p:nvPr>
+            <p:ph type="title"/>
+          </p:nvPr>
+        </p:nvSpPr>
+        <p:spPr>
+          <a:xfrm>
+            <a:off x="1052178" y="392575"/>
+            <a:ext cx="4539261" cy="766200"/>
+          </a:xfrm>
+          <a:prstGeom prst="rect">
+            <a:avLst/>
+          </a:prstGeom>
+        </p:spPr>
+        <p:txBody>
+          <a:bodyPr wrap="square" lIns="91425" tIns="91425" rIns="91425" bIns="91425" anchor="ctr" anchorCtr="0">
+            <a:noAutofit/>
+          </a:bodyPr>
+          <a:lstStyle/>
+          <a:p>
+            <a:pPr lvl="0" rtl="0">
+              <a:spcBef>
+                <a:spcPts val="0"/>
+              </a:spcBef>
+              <a:buNone/>
+            </a:pPr>
+            <a:r>
+              <a:rPr lang="en-US" dirty="0" err="1" smtClean="0"/>
+              <a:t>RxTest</a:t>
+            </a:r>
+            <a:endParaRPr lang="en" dirty="0"/>
+          </a:p>
+        </p:txBody>
+      </p:sp>
+      <p:sp>
+        <p:nvSpPr>
+          <p:cNvPr id="192" name="Shape 192"/>
+          <p:cNvSpPr txBox="1">
+            <a:spLocks noGrp="1"/>
+          </p:cNvSpPr>
+          <p:nvPr>
+            <p:ph type="sldNum" idx="12"/>
+          </p:nvPr>
+        </p:nvSpPr>
+        <p:spPr>
+          <a:xfrm>
+            <a:off x="7955818" y="4636500"/>
+            <a:ext cx="1149581" cy="315600"/>
+          </a:xfrm>
+          <a:prstGeom prst="rect">
+            <a:avLst/>
+          </a:prstGeom>
+        </p:spPr>
+        <p:txBody>
+          <a:bodyPr wrap="square" lIns="91425" tIns="91425" rIns="91425" bIns="91425" anchor="ctr" anchorCtr="0">
+            <a:noAutofit/>
+          </a:bodyPr>
+          <a:lstStyle/>
+          <a:p>
+            <a:pPr lvl="0">
+              <a:spcBef>
+                <a:spcPts val="0"/>
+              </a:spcBef>
+              <a:buNone/>
+            </a:pPr>
+            <a:fld id="{00000000-1234-1234-1234-123412341234}" type="slidenum">
+              <a:rPr lang="en"/>
+              <a:t>16</a:t>
+            </a:fld>
+            <a:endParaRPr lang="en" dirty="0"/>
+          </a:p>
+        </p:txBody>
+      </p:sp>
+      <p:pic>
+        <p:nvPicPr>
+          <p:cNvPr id="2" name="Picture 1" descr="Rx_Logo_M.png"/>
+          <p:cNvPicPr>
+            <a:picLocks noChangeAspect="1"/>
+          </p:cNvPicPr>
+          <p:nvPr/>
+        </p:nvPicPr>
+        <p:blipFill>
+          <a:blip r:embed="rId3">
+            <a:extLst>
+              <a:ext uri="{28A0092B-C50C-407E-A947-70E740481C1C}">
+                <a14:useLocalDpi xmlns:a14="http://schemas.microsoft.com/office/drawing/2010/main" val="0"/>
+              </a:ext>
+            </a:extLst>
+          </a:blip>
+          <a:stretch>
+            <a:fillRect/>
+          </a:stretch>
+        </p:blipFill>
+        <p:spPr>
+          <a:xfrm>
+            <a:off x="151129" y="442005"/>
+            <a:ext cx="663146" cy="663146"/>
+          </a:xfrm>
+          <a:prstGeom prst="rect">
+            <a:avLst/>
+          </a:prstGeom>
+        </p:spPr>
+      </p:pic>
+      <p:sp>
+        <p:nvSpPr>
+          <p:cNvPr id="4" name="Rectangle 3"/>
+          <p:cNvSpPr/>
+          <p:nvPr/>
+        </p:nvSpPr>
+        <p:spPr>
+          <a:xfrm>
+            <a:off x="303535" y="1465340"/>
+            <a:ext cx="8333429" cy="2800766"/>
+          </a:xfrm>
+          <a:prstGeom prst="rect">
+            <a:avLst/>
+          </a:prstGeom>
+        </p:spPr>
+        <p:txBody>
+          <a:bodyPr wrap="square">
+            <a:spAutoFit/>
+          </a:bodyPr>
+          <a:lstStyle/>
+          <a:p>
+            <a:pPr marL="285750" indent="-285750">
+              <a:buFontTx/>
+              <a:buChar char="-"/>
+            </a:pPr>
+            <a:r>
+              <a:rPr lang="en-US" sz="1600" dirty="0" err="1" smtClean="0"/>
+              <a:t>TestableObserver</a:t>
+            </a:r>
+            <a:r>
+              <a:rPr lang="en-US" sz="1600" dirty="0"/>
+              <a:t>&lt;</a:t>
+            </a:r>
+            <a:r>
+              <a:rPr lang="en-US" sz="1600" dirty="0" err="1"/>
+              <a:t>ElementType</a:t>
+            </a:r>
+            <a:r>
+              <a:rPr lang="en-US" sz="1600" dirty="0"/>
+              <a:t>&gt; - an observer, which records all emitted events so you can inspect them and run your asserts on those </a:t>
+            </a:r>
+            <a:r>
+              <a:rPr lang="en-US" sz="1600" dirty="0" smtClean="0"/>
+              <a:t>events</a:t>
+            </a:r>
+          </a:p>
+          <a:p>
+            <a:pPr marL="285750" indent="-285750">
+              <a:buFontTx/>
+              <a:buChar char="-"/>
+            </a:pPr>
+            <a:endParaRPr lang="en-US" sz="1600" dirty="0" smtClean="0"/>
+          </a:p>
+          <a:p>
+            <a:pPr marL="285750" indent="-285750">
+              <a:buFontTx/>
+              <a:buChar char="-"/>
+            </a:pPr>
+            <a:r>
+              <a:rPr lang="en-US" sz="1600" dirty="0" err="1" smtClean="0"/>
+              <a:t>TestScheduler</a:t>
+            </a:r>
+            <a:r>
+              <a:rPr lang="en-US" sz="1600" dirty="0" smtClean="0"/>
+              <a:t> </a:t>
+            </a:r>
+            <a:r>
+              <a:rPr lang="en-US" sz="1600" dirty="0"/>
+              <a:t>- a scheduler which let’s you control values and time, and let’s you create testable </a:t>
+            </a:r>
+            <a:r>
+              <a:rPr lang="en-US" sz="1600" dirty="0" smtClean="0"/>
+              <a:t>observers</a:t>
+            </a:r>
+          </a:p>
+          <a:p>
+            <a:pPr marL="285750" indent="-285750">
+              <a:buFontTx/>
+              <a:buChar char="-"/>
+            </a:pPr>
+            <a:endParaRPr lang="en-US" sz="1600" dirty="0" smtClean="0"/>
+          </a:p>
+          <a:p>
+            <a:pPr marL="285750" indent="-285750">
+              <a:buFontTx/>
+              <a:buChar char="-"/>
+            </a:pPr>
+            <a:r>
+              <a:rPr lang="en-US" sz="1600" dirty="0" err="1" smtClean="0"/>
+              <a:t>TestObservable</a:t>
+            </a:r>
+            <a:r>
+              <a:rPr lang="en-US" sz="1600" dirty="0"/>
+              <a:t> - </a:t>
+            </a:r>
+            <a:r>
+              <a:rPr lang="en-US" sz="1600" dirty="0" smtClean="0"/>
+              <a:t>Observable</a:t>
+            </a:r>
+            <a:r>
+              <a:rPr lang="en-US" sz="1600" dirty="0"/>
+              <a:t>, where you can pass what events should it send at given </a:t>
+            </a:r>
+            <a:r>
+              <a:rPr lang="en-US" sz="1600" dirty="0" smtClean="0"/>
+              <a:t>schedule</a:t>
+            </a:r>
+          </a:p>
+          <a:p>
+            <a:pPr marL="285750" indent="-285750">
+              <a:buFontTx/>
+              <a:buChar char="-"/>
+            </a:pPr>
+            <a:endParaRPr lang="en-US" sz="1600" dirty="0" smtClean="0"/>
+          </a:p>
+          <a:p>
+            <a:pPr marL="285750" indent="-285750">
+              <a:buFontTx/>
+              <a:buChar char="-"/>
+            </a:pPr>
+            <a:r>
+              <a:rPr lang="en-US" sz="1600" dirty="0" smtClean="0"/>
+              <a:t>=</a:t>
+            </a:r>
+            <a:r>
+              <a:rPr lang="en-US" sz="1600" dirty="0"/>
+              <a:t>= (lhs: Event&lt;Element&gt;, </a:t>
+            </a:r>
+            <a:r>
+              <a:rPr lang="en-US" sz="1600" dirty="0" err="1"/>
+              <a:t>rhs</a:t>
+            </a:r>
+            <a:r>
+              <a:rPr lang="en-US" sz="1600" dirty="0"/>
+              <a:t>: Event&lt;Element&gt;) adds </a:t>
+            </a:r>
+            <a:r>
+              <a:rPr lang="en-US" sz="1600" dirty="0" err="1"/>
+              <a:t>Equatable</a:t>
+            </a:r>
+            <a:r>
+              <a:rPr lang="en-US" sz="1600" dirty="0"/>
+              <a:t> implementation to Rx events so you can easily check recorded </a:t>
+            </a:r>
+            <a:r>
+              <a:rPr lang="en-US" sz="1600" dirty="0" smtClean="0"/>
+              <a:t>events</a:t>
+            </a:r>
+            <a:endParaRPr lang="en-US" sz="1600" dirty="0"/>
+          </a:p>
+        </p:txBody>
+      </p:sp>
+    </p:spTree>
+    <p:extLst>
+      <p:ext uri="{BB962C8B-B14F-4D97-AF65-F5344CB8AC3E}">
+        <p14:creationId xmlns:p14="http://schemas.microsoft.com/office/powerpoint/2010/main" val="4099683042"/>
+      </p:ext>
+    </p:extLst>
+  </p:cSld>
+  <p:clrMapOvr>
+    <a:masterClrMapping/>
+  </p:clrMapOvr>
+  <p:timing>
+    <p:tnLst>
+      <p:par>
+        <p:cTn xmlns:p14="http://schemas.microsoft.com/office/powerpoint/2010/main" id="1" dur="indefinite" restart="never" nodeType="tmRoot"/>
+      </p:par>
+    </p:tnLst>
+  </p:timing>
+</p:sld>
+</file>
+
+<file path=ppt/slides/slide17.xml><?xml version="1.0" encoding="utf-8"?>
+<p:sld xmlns:a="http://schemas.openxmlformats.org/drawingml/2006/main" xmlns:r="http://schemas.openxmlformats.org/officeDocument/2006/relationships" xmlns:p="http://schemas.openxmlformats.org/presentationml/2006/main">
+  <p:cSld>
+    <p:spTree>
+      <p:nvGrpSpPr>
+        <p:cNvPr id="1" name="Shape 188"/>
+        <p:cNvGrpSpPr/>
+        <p:nvPr/>
+      </p:nvGrpSpPr>
+      <p:grpSpPr>
+        <a:xfrm>
+          <a:off x="0" y="0"/>
+          <a:ext cx="0" cy="0"/>
+          <a:chOff x="0" y="0"/>
+          <a:chExt cx="0" cy="0"/>
+        </a:xfrm>
+      </p:grpSpPr>
+      <p:sp>
+        <p:nvSpPr>
+          <p:cNvPr id="189" name="Shape 189"/>
+          <p:cNvSpPr txBox="1">
+            <a:spLocks noGrp="1"/>
+          </p:cNvSpPr>
+          <p:nvPr>
+            <p:ph type="title"/>
+          </p:nvPr>
+        </p:nvSpPr>
+        <p:spPr>
+          <a:xfrm>
+            <a:off x="814275" y="392575"/>
+            <a:ext cx="5258400" cy="766200"/>
+          </a:xfrm>
+          <a:prstGeom prst="rect">
+            <a:avLst/>
+          </a:prstGeom>
+        </p:spPr>
+        <p:txBody>
+          <a:bodyPr wrap="square" lIns="91425" tIns="91425" rIns="91425" bIns="91425" anchor="ctr" anchorCtr="0">
+            <a:noAutofit/>
+          </a:bodyPr>
+          <a:lstStyle/>
+          <a:p>
+            <a:pPr lvl="0" rtl="0">
+              <a:spcBef>
+                <a:spcPts val="0"/>
+              </a:spcBef>
+              <a:buNone/>
+            </a:pPr>
+            <a:r>
+              <a:rPr lang="en-US" dirty="0" err="1" smtClean="0"/>
+              <a:t>RxTest</a:t>
+            </a:r>
+            <a:endParaRPr lang="en" dirty="0"/>
+          </a:p>
+        </p:txBody>
+      </p:sp>
+      <p:sp>
+        <p:nvSpPr>
+          <p:cNvPr id="192" name="Shape 192"/>
+          <p:cNvSpPr txBox="1">
+            <a:spLocks noGrp="1"/>
+          </p:cNvSpPr>
+          <p:nvPr>
+            <p:ph type="sldNum" idx="12"/>
+          </p:nvPr>
+        </p:nvSpPr>
+        <p:spPr>
+          <a:xfrm>
+            <a:off x="7618000" y="4636500"/>
+            <a:ext cx="1487400" cy="315600"/>
+          </a:xfrm>
+          <a:prstGeom prst="rect">
+            <a:avLst/>
+          </a:prstGeom>
+        </p:spPr>
+        <p:txBody>
+          <a:bodyPr wrap="square" lIns="91425" tIns="91425" rIns="91425" bIns="91425" anchor="ctr" anchorCtr="0">
+            <a:noAutofit/>
+          </a:bodyPr>
+          <a:lstStyle/>
+          <a:p>
+            <a:pPr lvl="0">
+              <a:spcBef>
+                <a:spcPts val="0"/>
+              </a:spcBef>
+              <a:buNone/>
+            </a:pPr>
+            <a:fld id="{00000000-1234-1234-1234-123412341234}" type="slidenum">
+              <a:rPr lang="en"/>
+              <a:t>17</a:t>
+            </a:fld>
+            <a:endParaRPr lang="en"/>
+          </a:p>
+        </p:txBody>
+      </p:sp>
+      <p:pic>
+        <p:nvPicPr>
+          <p:cNvPr id="2" name="Picture 1" descr="Rx_Logo_M.png"/>
+          <p:cNvPicPr>
+            <a:picLocks noChangeAspect="1"/>
+          </p:cNvPicPr>
+          <p:nvPr/>
+        </p:nvPicPr>
+        <p:blipFill>
+          <a:blip r:embed="rId3">
+            <a:extLst>
+              <a:ext uri="{28A0092B-C50C-407E-A947-70E740481C1C}">
+                <a14:useLocalDpi xmlns:a14="http://schemas.microsoft.com/office/drawing/2010/main" val="0"/>
+              </a:ext>
+            </a:extLst>
+          </a:blip>
+          <a:stretch>
+            <a:fillRect/>
+          </a:stretch>
+        </p:blipFill>
+        <p:spPr>
+          <a:xfrm>
+            <a:off x="151129" y="442005"/>
+            <a:ext cx="663146" cy="663146"/>
+          </a:xfrm>
+          <a:prstGeom prst="rect">
+            <a:avLst/>
+          </a:prstGeom>
+        </p:spPr>
+      </p:pic>
+      <p:sp>
+        <p:nvSpPr>
+          <p:cNvPr id="3" name="TextBox 2"/>
+          <p:cNvSpPr txBox="1"/>
+          <p:nvPr/>
+        </p:nvSpPr>
+        <p:spPr>
+          <a:xfrm>
+            <a:off x="1142462" y="1613657"/>
+            <a:ext cx="5032936" cy="1815882"/>
+          </a:xfrm>
+          <a:prstGeom prst="rect">
+            <a:avLst/>
+          </a:prstGeom>
+          <a:noFill/>
+        </p:spPr>
+        <p:txBody>
+          <a:bodyPr wrap="none" rtlCol="0">
+            <a:spAutoFit/>
+          </a:bodyPr>
+          <a:lstStyle/>
+          <a:p>
+            <a:r>
+              <a:rPr lang="en-US" dirty="0" err="1">
+                <a:latin typeface="Courier"/>
+                <a:cs typeface="Courier"/>
+              </a:rPr>
+              <a:t>struct</a:t>
+            </a:r>
+            <a:r>
+              <a:rPr lang="en-US" dirty="0">
+                <a:latin typeface="Courier"/>
+                <a:cs typeface="Courier"/>
+              </a:rPr>
+              <a:t> </a:t>
+            </a:r>
+            <a:r>
+              <a:rPr lang="en-US" dirty="0" err="1">
+                <a:latin typeface="Courier"/>
+                <a:cs typeface="Courier"/>
+              </a:rPr>
+              <a:t>CornSorter</a:t>
+            </a:r>
+            <a:r>
+              <a:rPr lang="en-US" dirty="0">
+                <a:latin typeface="Courier"/>
+                <a:cs typeface="Courier"/>
+              </a:rPr>
+              <a:t> {</a:t>
+            </a:r>
+          </a:p>
+          <a:p>
+            <a:r>
+              <a:rPr lang="en-US" dirty="0">
+                <a:latin typeface="Courier"/>
+                <a:cs typeface="Courier"/>
+              </a:rPr>
+              <a:t>    let </a:t>
+            </a:r>
+            <a:r>
+              <a:rPr lang="en-US" dirty="0" err="1">
+                <a:latin typeface="Courier"/>
+                <a:cs typeface="Courier"/>
+              </a:rPr>
+              <a:t>barnStream</a:t>
+            </a:r>
+            <a:r>
+              <a:rPr lang="en-US" dirty="0">
+                <a:latin typeface="Courier"/>
+                <a:cs typeface="Courier"/>
+              </a:rPr>
+              <a:t>: Observable&lt;String&gt;</a:t>
+            </a:r>
+          </a:p>
+          <a:p>
+            <a:r>
+              <a:rPr lang="mr-IN" dirty="0">
+                <a:latin typeface="Courier"/>
+                <a:cs typeface="Courier"/>
+              </a:rPr>
+              <a:t>    </a:t>
+            </a:r>
+          </a:p>
+          <a:p>
+            <a:r>
+              <a:rPr lang="en-US" dirty="0">
+                <a:latin typeface="Courier"/>
+                <a:cs typeface="Courier"/>
+              </a:rPr>
+              <a:t>    </a:t>
+            </a:r>
+            <a:r>
+              <a:rPr lang="en-US" dirty="0" err="1">
+                <a:latin typeface="Courier"/>
+                <a:cs typeface="Courier"/>
+              </a:rPr>
+              <a:t>init</a:t>
+            </a:r>
+            <a:r>
+              <a:rPr lang="en-US" dirty="0">
+                <a:latin typeface="Courier"/>
+                <a:cs typeface="Courier"/>
+              </a:rPr>
+              <a:t>(</a:t>
+            </a:r>
+            <a:r>
+              <a:rPr lang="en-US" dirty="0" err="1">
+                <a:latin typeface="Courier"/>
+                <a:cs typeface="Courier"/>
+              </a:rPr>
+              <a:t>tractorStream</a:t>
+            </a:r>
+            <a:r>
+              <a:rPr lang="en-US" dirty="0">
+                <a:latin typeface="Courier"/>
+                <a:cs typeface="Courier"/>
+              </a:rPr>
+              <a:t>: Observable&lt;String&gt;) {</a:t>
+            </a:r>
+          </a:p>
+          <a:p>
+            <a:r>
+              <a:rPr lang="en-US" dirty="0">
+                <a:latin typeface="Courier"/>
+                <a:cs typeface="Courier"/>
+              </a:rPr>
+              <a:t>        </a:t>
+            </a:r>
+            <a:r>
+              <a:rPr lang="en-US" dirty="0" err="1">
+                <a:latin typeface="Courier"/>
+                <a:cs typeface="Courier"/>
+              </a:rPr>
+              <a:t>barnStream</a:t>
+            </a:r>
+            <a:r>
+              <a:rPr lang="en-US" dirty="0">
+                <a:latin typeface="Courier"/>
+                <a:cs typeface="Courier"/>
+              </a:rPr>
+              <a:t> = </a:t>
+            </a:r>
+            <a:r>
+              <a:rPr lang="en-US" dirty="0" err="1">
+                <a:latin typeface="Courier"/>
+                <a:cs typeface="Courier"/>
+              </a:rPr>
+              <a:t>tractorStream</a:t>
+            </a:r>
+            <a:endParaRPr lang="en-US" dirty="0">
+              <a:latin typeface="Courier"/>
+              <a:cs typeface="Courier"/>
+            </a:endParaRPr>
+          </a:p>
+          <a:p>
+            <a:r>
+              <a:rPr lang="mr-IN" dirty="0">
+                <a:latin typeface="Courier"/>
+                <a:cs typeface="Courier"/>
+              </a:rPr>
+              <a:t>            .filter { $0 == "🌽" }</a:t>
+            </a:r>
+          </a:p>
+          <a:p>
+            <a:r>
+              <a:rPr lang="mr-IN" dirty="0">
+                <a:latin typeface="Courier"/>
+                <a:cs typeface="Courier"/>
+              </a:rPr>
+              <a:t>    }</a:t>
+            </a:r>
+          </a:p>
+          <a:p>
+            <a:r>
+              <a:rPr lang="mr-IN" dirty="0">
+                <a:latin typeface="Courier"/>
+                <a:cs typeface="Courier"/>
+              </a:rPr>
+              <a:t>}</a:t>
+            </a:r>
+            <a:endParaRPr lang="en-US" dirty="0">
+              <a:latin typeface="Courier"/>
+              <a:cs typeface="Courier"/>
+            </a:endParaRPr>
+          </a:p>
+        </p:txBody>
+      </p:sp>
+    </p:spTree>
+    <p:extLst>
+      <p:ext uri="{BB962C8B-B14F-4D97-AF65-F5344CB8AC3E}">
+        <p14:creationId xmlns:p14="http://schemas.microsoft.com/office/powerpoint/2010/main" val="3507461021"/>
+      </p:ext>
+    </p:extLst>
+  </p:cSld>
+  <p:clrMapOvr>
+    <a:masterClrMapping/>
+  </p:clrMapOvr>
+  <p:timing>
+    <p:tnLst>
+      <p:par>
+        <p:cTn xmlns:p14="http://schemas.microsoft.com/office/powerpoint/2010/main" id="1" dur="indefinite" restart="never" nodeType="tmRoot"/>
+      </p:par>
+    </p:tnLst>
+  </p:timing>
+</p:sld>
+</file>
+
+<file path=ppt/slides/slide18.xml><?xml version="1.0" encoding="utf-8"?>
+<p:sld xmlns:a="http://schemas.openxmlformats.org/drawingml/2006/main" xmlns:r="http://schemas.openxmlformats.org/officeDocument/2006/relationships" xmlns:p="http://schemas.openxmlformats.org/presentationml/2006/main">
+  <p:cSld>
+    <p:spTree>
+      <p:nvGrpSpPr>
+        <p:cNvPr id="1" name="Shape 188"/>
+        <p:cNvGrpSpPr/>
+        <p:nvPr/>
+      </p:nvGrpSpPr>
+      <p:grpSpPr>
+        <a:xfrm>
+          <a:off x="0" y="0"/>
+          <a:ext cx="0" cy="0"/>
+          <a:chOff x="0" y="0"/>
+          <a:chExt cx="0" cy="0"/>
+        </a:xfrm>
+      </p:grpSpPr>
+      <p:sp>
+        <p:nvSpPr>
+          <p:cNvPr id="189" name="Shape 189"/>
+          <p:cNvSpPr txBox="1">
+            <a:spLocks noGrp="1"/>
+          </p:cNvSpPr>
+          <p:nvPr>
+            <p:ph type="title"/>
+          </p:nvPr>
+        </p:nvSpPr>
+        <p:spPr>
+          <a:xfrm>
+            <a:off x="814275" y="392575"/>
+            <a:ext cx="5258400" cy="766200"/>
+          </a:xfrm>
+          <a:prstGeom prst="rect">
+            <a:avLst/>
+          </a:prstGeom>
+        </p:spPr>
+        <p:txBody>
+          <a:bodyPr wrap="square" lIns="91425" tIns="91425" rIns="91425" bIns="91425" anchor="ctr" anchorCtr="0">
+            <a:noAutofit/>
+          </a:bodyPr>
+          <a:lstStyle/>
+          <a:p>
+            <a:pPr lvl="0" rtl="0">
+              <a:spcBef>
+                <a:spcPts val="0"/>
+              </a:spcBef>
+              <a:buNone/>
+            </a:pPr>
+            <a:r>
+              <a:rPr lang="en-US" dirty="0" err="1" smtClean="0"/>
+              <a:t>RxTest</a:t>
+            </a:r>
+            <a:endParaRPr lang="en" dirty="0"/>
+          </a:p>
+        </p:txBody>
+      </p:sp>
+      <p:sp>
+        <p:nvSpPr>
+          <p:cNvPr id="192" name="Shape 192"/>
+          <p:cNvSpPr txBox="1">
+            <a:spLocks noGrp="1"/>
+          </p:cNvSpPr>
+          <p:nvPr>
+            <p:ph type="sldNum" idx="12"/>
+          </p:nvPr>
+        </p:nvSpPr>
+        <p:spPr>
+          <a:xfrm>
+            <a:off x="7618000" y="4636500"/>
+            <a:ext cx="1487400" cy="315600"/>
+          </a:xfrm>
+          <a:prstGeom prst="rect">
+            <a:avLst/>
+          </a:prstGeom>
+        </p:spPr>
+        <p:txBody>
+          <a:bodyPr wrap="square" lIns="91425" tIns="91425" rIns="91425" bIns="91425" anchor="ctr" anchorCtr="0">
+            <a:noAutofit/>
+          </a:bodyPr>
+          <a:lstStyle/>
+          <a:p>
+            <a:pPr lvl="0">
+              <a:spcBef>
+                <a:spcPts val="0"/>
+              </a:spcBef>
+              <a:buNone/>
+            </a:pPr>
+            <a:fld id="{00000000-1234-1234-1234-123412341234}" type="slidenum">
+              <a:rPr lang="en"/>
+              <a:t>18</a:t>
+            </a:fld>
+            <a:endParaRPr lang="en"/>
+          </a:p>
+        </p:txBody>
+      </p:sp>
+      <p:pic>
+        <p:nvPicPr>
+          <p:cNvPr id="2" name="Picture 1" descr="Rx_Logo_M.png"/>
+          <p:cNvPicPr>
+            <a:picLocks noChangeAspect="1"/>
+          </p:cNvPicPr>
+          <p:nvPr/>
+        </p:nvPicPr>
+        <p:blipFill>
+          <a:blip r:embed="rId3">
+            <a:extLst>
+              <a:ext uri="{28A0092B-C50C-407E-A947-70E740481C1C}">
+                <a14:useLocalDpi xmlns:a14="http://schemas.microsoft.com/office/drawing/2010/main" val="0"/>
+              </a:ext>
+            </a:extLst>
+          </a:blip>
+          <a:stretch>
+            <a:fillRect/>
+          </a:stretch>
+        </p:blipFill>
+        <p:spPr>
+          <a:xfrm>
+            <a:off x="151129" y="442005"/>
+            <a:ext cx="663146" cy="663146"/>
+          </a:xfrm>
+          <a:prstGeom prst="rect">
+            <a:avLst/>
+          </a:prstGeom>
+        </p:spPr>
+      </p:pic>
+      <p:sp>
+        <p:nvSpPr>
+          <p:cNvPr id="3" name="TextBox 2"/>
+          <p:cNvSpPr txBox="1"/>
+          <p:nvPr/>
+        </p:nvSpPr>
+        <p:spPr>
+          <a:xfrm>
+            <a:off x="49459" y="1351115"/>
+            <a:ext cx="7757202" cy="3231653"/>
+          </a:xfrm>
+          <a:prstGeom prst="rect">
+            <a:avLst/>
+          </a:prstGeom>
+          <a:noFill/>
+        </p:spPr>
+        <p:txBody>
+          <a:bodyPr wrap="none" rtlCol="0">
+            <a:spAutoFit/>
+          </a:bodyPr>
+          <a:lstStyle/>
+          <a:p>
+            <a:r>
+              <a:rPr lang="en-US" sz="1200" dirty="0" err="1">
+                <a:latin typeface="Courier"/>
+                <a:cs typeface="Courier"/>
+              </a:rPr>
+              <a:t>func</a:t>
+            </a:r>
+            <a:r>
+              <a:rPr lang="en-US" sz="1200" dirty="0">
+                <a:latin typeface="Courier"/>
+                <a:cs typeface="Courier"/>
+              </a:rPr>
+              <a:t> </a:t>
+            </a:r>
+            <a:r>
+              <a:rPr lang="en-US" sz="1200" dirty="0" err="1">
+                <a:latin typeface="Courier"/>
+                <a:cs typeface="Courier"/>
+              </a:rPr>
+              <a:t>testCornSorter</a:t>
+            </a:r>
+            <a:r>
+              <a:rPr lang="en-US" sz="1200" dirty="0">
+                <a:latin typeface="Courier"/>
+                <a:cs typeface="Courier"/>
+              </a:rPr>
+              <a:t>() {</a:t>
+            </a:r>
+          </a:p>
+          <a:p>
+            <a:r>
+              <a:rPr lang="en-US" sz="1200" dirty="0">
+                <a:latin typeface="Courier"/>
+                <a:cs typeface="Courier"/>
+              </a:rPr>
+              <a:t>        </a:t>
+            </a:r>
+            <a:r>
+              <a:rPr lang="en-US" sz="1200" dirty="0" err="1">
+                <a:latin typeface="Courier"/>
+                <a:cs typeface="Courier"/>
+              </a:rPr>
+              <a:t>var</a:t>
+            </a:r>
+            <a:r>
+              <a:rPr lang="en-US" sz="1200" dirty="0">
+                <a:latin typeface="Courier"/>
+                <a:cs typeface="Courier"/>
+              </a:rPr>
+              <a:t> scheduler: </a:t>
+            </a:r>
+            <a:r>
+              <a:rPr lang="en-US" sz="1200" dirty="0" err="1">
+                <a:latin typeface="Courier"/>
+                <a:cs typeface="Courier"/>
+              </a:rPr>
+              <a:t>TestScheduler</a:t>
+            </a:r>
+            <a:r>
+              <a:rPr lang="en-US" sz="1200" dirty="0">
+                <a:latin typeface="Courier"/>
+                <a:cs typeface="Courier"/>
+              </a:rPr>
+              <a:t>!</a:t>
+            </a:r>
+          </a:p>
+          <a:p>
+            <a:r>
+              <a:rPr lang="en-US" sz="1200" dirty="0">
+                <a:latin typeface="Courier"/>
+                <a:cs typeface="Courier"/>
+              </a:rPr>
+              <a:t>        let </a:t>
+            </a:r>
+            <a:r>
+              <a:rPr lang="en-US" sz="1200" dirty="0" err="1">
+                <a:latin typeface="Courier"/>
+                <a:cs typeface="Courier"/>
+              </a:rPr>
+              <a:t>disposeBag</a:t>
+            </a:r>
+            <a:r>
+              <a:rPr lang="en-US" sz="1200" dirty="0">
+                <a:latin typeface="Courier"/>
+                <a:cs typeface="Courier"/>
+              </a:rPr>
+              <a:t> = </a:t>
+            </a:r>
+            <a:r>
+              <a:rPr lang="en-US" sz="1200" dirty="0" err="1">
+                <a:latin typeface="Courier"/>
+                <a:cs typeface="Courier"/>
+              </a:rPr>
+              <a:t>DisposeBag</a:t>
+            </a:r>
+            <a:r>
+              <a:rPr lang="en-US" sz="1200" dirty="0">
+                <a:latin typeface="Courier"/>
+                <a:cs typeface="Courier"/>
+              </a:rPr>
+              <a:t>()</a:t>
+            </a:r>
+          </a:p>
+          <a:p>
+            <a:r>
+              <a:rPr lang="mr-IN" sz="1200" dirty="0">
+                <a:latin typeface="Courier"/>
+                <a:cs typeface="Courier"/>
+              </a:rPr>
+              <a:t>        </a:t>
+            </a:r>
+          </a:p>
+          <a:p>
+            <a:r>
+              <a:rPr lang="en-US" sz="1200" dirty="0">
+                <a:latin typeface="Courier"/>
+                <a:cs typeface="Courier"/>
+              </a:rPr>
+              <a:t>        scheduler = </a:t>
+            </a:r>
+            <a:r>
+              <a:rPr lang="en-US" sz="1200" dirty="0" err="1">
+                <a:latin typeface="Courier"/>
+                <a:cs typeface="Courier"/>
+              </a:rPr>
+              <a:t>TestScheduler</a:t>
+            </a:r>
+            <a:r>
+              <a:rPr lang="en-US" sz="1200" dirty="0">
+                <a:latin typeface="Courier"/>
+                <a:cs typeface="Courier"/>
+              </a:rPr>
+              <a:t>(</a:t>
+            </a:r>
+            <a:r>
+              <a:rPr lang="en-US" sz="1200" dirty="0" err="1">
+                <a:latin typeface="Courier"/>
+                <a:cs typeface="Courier"/>
+              </a:rPr>
+              <a:t>initialClock</a:t>
+            </a:r>
+            <a:r>
+              <a:rPr lang="en-US" sz="1200" dirty="0">
+                <a:latin typeface="Courier"/>
+                <a:cs typeface="Courier"/>
+              </a:rPr>
+              <a:t>: 0</a:t>
+            </a:r>
+            <a:r>
+              <a:rPr lang="en-US" sz="1200" dirty="0" smtClean="0">
+                <a:latin typeface="Courier"/>
+                <a:cs typeface="Courier"/>
+              </a:rPr>
+              <a:t>)</a:t>
+            </a:r>
+            <a:endParaRPr lang="mr-IN" sz="1200" dirty="0">
+              <a:latin typeface="Courier"/>
+              <a:cs typeface="Courier"/>
+            </a:endParaRPr>
+          </a:p>
+          <a:p>
+            <a:r>
+              <a:rPr lang="en-US" sz="1200" dirty="0">
+                <a:latin typeface="Courier"/>
+                <a:cs typeface="Courier"/>
+              </a:rPr>
+              <a:t>        let </a:t>
+            </a:r>
+            <a:r>
+              <a:rPr lang="en-US" sz="1200" dirty="0" err="1">
+                <a:latin typeface="Courier"/>
+                <a:cs typeface="Courier"/>
+              </a:rPr>
+              <a:t>testObserver</a:t>
+            </a:r>
+            <a:r>
+              <a:rPr lang="en-US" sz="1200" dirty="0">
+                <a:latin typeface="Courier"/>
+                <a:cs typeface="Courier"/>
+              </a:rPr>
+              <a:t> = </a:t>
+            </a:r>
+            <a:r>
+              <a:rPr lang="en-US" sz="1200" dirty="0" err="1">
+                <a:latin typeface="Courier"/>
+                <a:cs typeface="Courier"/>
+              </a:rPr>
+              <a:t>scheduler.createObserver</a:t>
+            </a:r>
+            <a:r>
+              <a:rPr lang="en-US" sz="1200" dirty="0">
+                <a:latin typeface="Courier"/>
+                <a:cs typeface="Courier"/>
+              </a:rPr>
+              <a:t>(</a:t>
+            </a:r>
+            <a:r>
+              <a:rPr lang="en-US" sz="1200" dirty="0" err="1">
+                <a:latin typeface="Courier"/>
+                <a:cs typeface="Courier"/>
+              </a:rPr>
+              <a:t>String.self</a:t>
+            </a:r>
+            <a:r>
+              <a:rPr lang="en-US" sz="1200" dirty="0" smtClean="0">
+                <a:latin typeface="Courier"/>
+                <a:cs typeface="Courier"/>
+              </a:rPr>
+              <a:t>)</a:t>
+            </a:r>
+            <a:endParaRPr lang="mr-IN" sz="1200" dirty="0">
+              <a:latin typeface="Courier"/>
+              <a:cs typeface="Courier"/>
+            </a:endParaRPr>
+          </a:p>
+          <a:p>
+            <a:r>
+              <a:rPr lang="mr-IN" sz="1200" dirty="0">
+                <a:latin typeface="Courier"/>
+                <a:cs typeface="Courier"/>
+              </a:rPr>
+              <a:t>        // Given</a:t>
+            </a:r>
+          </a:p>
+          <a:p>
+            <a:r>
+              <a:rPr lang="en-US" sz="1200" dirty="0">
+                <a:latin typeface="Courier"/>
+                <a:cs typeface="Courier"/>
+              </a:rPr>
+              <a:t>        let </a:t>
+            </a:r>
+            <a:r>
+              <a:rPr lang="en-US" sz="1200" dirty="0" err="1">
+                <a:latin typeface="Courier"/>
+                <a:cs typeface="Courier"/>
+              </a:rPr>
+              <a:t>observableInput</a:t>
+            </a:r>
+            <a:r>
+              <a:rPr lang="en-US" sz="1200" dirty="0">
+                <a:latin typeface="Courier"/>
+                <a:cs typeface="Courier"/>
+              </a:rPr>
+              <a:t> = </a:t>
+            </a:r>
+            <a:r>
+              <a:rPr lang="en-US" sz="1200" dirty="0" err="1">
+                <a:latin typeface="Courier"/>
+                <a:cs typeface="Courier"/>
+              </a:rPr>
+              <a:t>scheduler.createHotObservable</a:t>
+            </a:r>
+            <a:r>
+              <a:rPr lang="en-US" sz="1200" dirty="0">
+                <a:latin typeface="Courier"/>
+                <a:cs typeface="Courier"/>
+              </a:rPr>
+              <a:t>([</a:t>
+            </a:r>
+          </a:p>
+          <a:p>
+            <a:r>
+              <a:rPr lang="mr-IN" sz="1200" dirty="0">
+                <a:latin typeface="Courier"/>
+                <a:cs typeface="Courier"/>
+              </a:rPr>
+              <a:t>            // 2</a:t>
+            </a:r>
+          </a:p>
+          <a:p>
+            <a:r>
+              <a:rPr lang="mr-IN" sz="1200" dirty="0">
+                <a:latin typeface="Courier"/>
+                <a:cs typeface="Courier"/>
+              </a:rPr>
+              <a:t>            Recorded.next(100, "🌽"),</a:t>
+            </a:r>
+          </a:p>
+          <a:p>
+            <a:r>
+              <a:rPr lang="mr-IN" sz="1200" dirty="0">
+                <a:latin typeface="Courier"/>
+                <a:cs typeface="Courier"/>
+              </a:rPr>
+              <a:t>            Recorded.next(200, "🐛"),</a:t>
+            </a:r>
+          </a:p>
+          <a:p>
+            <a:r>
+              <a:rPr lang="mr-IN" sz="1200" dirty="0">
+                <a:latin typeface="Courier"/>
+                <a:cs typeface="Courier"/>
+              </a:rPr>
+              <a:t>            Recorded.next(300, "🐭"),</a:t>
+            </a:r>
+          </a:p>
+          <a:p>
+            <a:r>
+              <a:rPr lang="mr-IN" sz="1200" dirty="0">
+                <a:latin typeface="Courier"/>
+                <a:cs typeface="Courier"/>
+              </a:rPr>
+              <a:t>            Recorded.next(400, "🌽"),</a:t>
+            </a:r>
+          </a:p>
+          <a:p>
+            <a:r>
+              <a:rPr lang="mr-IN" sz="1200" dirty="0">
+                <a:latin typeface="Courier"/>
+                <a:cs typeface="Courier"/>
+              </a:rPr>
+              <a:t>            Recorded.next(500, "🐝"),</a:t>
+            </a:r>
+          </a:p>
+          <a:p>
+            <a:r>
+              <a:rPr lang="mr-IN" sz="1200" dirty="0">
+                <a:latin typeface="Courier"/>
+                <a:cs typeface="Courier"/>
+              </a:rPr>
+              <a:t>            Recorded.next(600, "🐞")</a:t>
+            </a:r>
+          </a:p>
+          <a:p>
+            <a:r>
+              <a:rPr lang="mr-IN" sz="1200" dirty="0">
+                <a:latin typeface="Courier"/>
+                <a:cs typeface="Courier"/>
+              </a:rPr>
+              <a:t>            ])</a:t>
+            </a:r>
+          </a:p>
+          <a:p>
+            <a:r>
+              <a:rPr lang="en-US" sz="1200" dirty="0">
+                <a:latin typeface="Courier"/>
+                <a:cs typeface="Courier"/>
+              </a:rPr>
+              <a:t>        let </a:t>
+            </a:r>
+            <a:r>
+              <a:rPr lang="en-US" sz="1200" dirty="0" err="1">
+                <a:latin typeface="Courier"/>
+                <a:cs typeface="Courier"/>
+              </a:rPr>
+              <a:t>cornSorter</a:t>
+            </a:r>
+            <a:r>
+              <a:rPr lang="en-US" sz="1200" dirty="0">
+                <a:latin typeface="Courier"/>
+                <a:cs typeface="Courier"/>
+              </a:rPr>
+              <a:t> = </a:t>
+            </a:r>
+            <a:r>
+              <a:rPr lang="en-US" sz="1200" dirty="0" err="1">
+                <a:latin typeface="Courier"/>
+                <a:cs typeface="Courier"/>
+              </a:rPr>
+              <a:t>CornSorter</a:t>
+            </a:r>
+            <a:r>
+              <a:rPr lang="en-US" sz="1200" dirty="0">
+                <a:latin typeface="Courier"/>
+                <a:cs typeface="Courier"/>
+              </a:rPr>
+              <a:t>(</a:t>
+            </a:r>
+            <a:r>
+              <a:rPr lang="en-US" sz="1200" dirty="0" err="1">
+                <a:latin typeface="Courier"/>
+                <a:cs typeface="Courier"/>
+              </a:rPr>
+              <a:t>tractorStream</a:t>
+            </a:r>
+            <a:r>
+              <a:rPr lang="en-US" sz="1200" dirty="0">
+                <a:latin typeface="Courier"/>
+                <a:cs typeface="Courier"/>
+              </a:rPr>
+              <a:t>: </a:t>
+            </a:r>
+            <a:r>
+              <a:rPr lang="en-US" sz="1200" dirty="0" err="1">
+                <a:latin typeface="Courier"/>
+                <a:cs typeface="Courier"/>
+              </a:rPr>
+              <a:t>observableInput.asObservable</a:t>
+            </a:r>
+            <a:r>
+              <a:rPr lang="en-US" sz="1200" dirty="0">
+                <a:latin typeface="Courier"/>
+                <a:cs typeface="Courier"/>
+              </a:rPr>
+              <a:t>()</a:t>
+            </a:r>
+            <a:r>
+              <a:rPr lang="en-US" sz="1200" dirty="0" smtClean="0">
+                <a:latin typeface="Courier"/>
+                <a:cs typeface="Courier"/>
+              </a:rPr>
+              <a:t>)</a:t>
+            </a:r>
+            <a:endParaRPr lang="en-US" sz="1200" dirty="0">
+              <a:latin typeface="Courier"/>
+              <a:cs typeface="Courier"/>
+            </a:endParaRPr>
+          </a:p>
+        </p:txBody>
+      </p:sp>
+    </p:spTree>
+    <p:extLst>
+      <p:ext uri="{BB962C8B-B14F-4D97-AF65-F5344CB8AC3E}">
+        <p14:creationId xmlns:p14="http://schemas.microsoft.com/office/powerpoint/2010/main" val="4182838520"/>
+      </p:ext>
+    </p:extLst>
+  </p:cSld>
+  <p:clrMapOvr>
+    <a:masterClrMapping/>
+  </p:clrMapOvr>
+  <p:timing>
+    <p:tnLst>
+      <p:par>
+        <p:cTn xmlns:p14="http://schemas.microsoft.com/office/powerpoint/2010/main" id="1" dur="indefinite" restart="never" nodeType="tmRoot"/>
+      </p:par>
+    </p:tnLst>
+  </p:timing>
+</p:sld>
+</file>
+
+<file path=ppt/slides/slide19.xml><?xml version="1.0" encoding="utf-8"?>
+<p:sld xmlns:a="http://schemas.openxmlformats.org/drawingml/2006/main" xmlns:r="http://schemas.openxmlformats.org/officeDocument/2006/relationships" xmlns:p="http://schemas.openxmlformats.org/presentationml/2006/main">
+  <p:cSld>
+    <p:spTree>
+      <p:nvGrpSpPr>
+        <p:cNvPr id="1" name="Shape 188"/>
+        <p:cNvGrpSpPr/>
+        <p:nvPr/>
+      </p:nvGrpSpPr>
+      <p:grpSpPr>
+        <a:xfrm>
+          <a:off x="0" y="0"/>
+          <a:ext cx="0" cy="0"/>
+          <a:chOff x="0" y="0"/>
+          <a:chExt cx="0" cy="0"/>
+        </a:xfrm>
+      </p:grpSpPr>
+      <p:sp>
+        <p:nvSpPr>
+          <p:cNvPr id="189" name="Shape 189"/>
+          <p:cNvSpPr txBox="1">
+            <a:spLocks noGrp="1"/>
+          </p:cNvSpPr>
+          <p:nvPr>
+            <p:ph type="title"/>
+          </p:nvPr>
+        </p:nvSpPr>
+        <p:spPr>
+          <a:xfrm>
+            <a:off x="814275" y="392575"/>
+            <a:ext cx="5258400" cy="766200"/>
+          </a:xfrm>
+          <a:prstGeom prst="rect">
+            <a:avLst/>
+          </a:prstGeom>
+        </p:spPr>
+        <p:txBody>
+          <a:bodyPr wrap="square" lIns="91425" tIns="91425" rIns="91425" bIns="91425" anchor="ctr" anchorCtr="0">
+            <a:noAutofit/>
+          </a:bodyPr>
+          <a:lstStyle/>
+          <a:p>
+            <a:pPr lvl="0" rtl="0">
+              <a:spcBef>
+                <a:spcPts val="0"/>
+              </a:spcBef>
+              <a:buNone/>
+            </a:pPr>
+            <a:r>
+              <a:rPr lang="en-US" dirty="0" err="1" smtClean="0"/>
+              <a:t>RxTest</a:t>
+            </a:r>
+            <a:endParaRPr lang="en" dirty="0"/>
+          </a:p>
+        </p:txBody>
+      </p:sp>
+      <p:sp>
+        <p:nvSpPr>
+          <p:cNvPr id="192" name="Shape 192"/>
+          <p:cNvSpPr txBox="1">
+            <a:spLocks noGrp="1"/>
+          </p:cNvSpPr>
+          <p:nvPr>
+            <p:ph type="sldNum" idx="12"/>
+          </p:nvPr>
+        </p:nvSpPr>
+        <p:spPr>
+          <a:xfrm>
+            <a:off x="7618000" y="4636500"/>
+            <a:ext cx="1487400" cy="315600"/>
+          </a:xfrm>
+          <a:prstGeom prst="rect">
+            <a:avLst/>
+          </a:prstGeom>
+        </p:spPr>
+        <p:txBody>
+          <a:bodyPr wrap="square" lIns="91425" tIns="91425" rIns="91425" bIns="91425" anchor="ctr" anchorCtr="0">
+            <a:noAutofit/>
+          </a:bodyPr>
+          <a:lstStyle/>
+          <a:p>
+            <a:pPr lvl="0">
+              <a:spcBef>
+                <a:spcPts val="0"/>
+              </a:spcBef>
+              <a:buNone/>
+            </a:pPr>
+            <a:fld id="{00000000-1234-1234-1234-123412341234}" type="slidenum">
+              <a:rPr lang="en"/>
+              <a:t>19</a:t>
+            </a:fld>
+            <a:endParaRPr lang="en"/>
+          </a:p>
+        </p:txBody>
+      </p:sp>
+      <p:pic>
+        <p:nvPicPr>
+          <p:cNvPr id="2" name="Picture 1" descr="Rx_Logo_M.png"/>
+          <p:cNvPicPr>
+            <a:picLocks noChangeAspect="1"/>
+          </p:cNvPicPr>
+          <p:nvPr/>
+        </p:nvPicPr>
+        <p:blipFill>
+          <a:blip r:embed="rId3">
+            <a:extLst>
+              <a:ext uri="{28A0092B-C50C-407E-A947-70E740481C1C}">
+                <a14:useLocalDpi xmlns:a14="http://schemas.microsoft.com/office/drawing/2010/main" val="0"/>
+              </a:ext>
+            </a:extLst>
+          </a:blip>
+          <a:stretch>
+            <a:fillRect/>
+          </a:stretch>
+        </p:blipFill>
+        <p:spPr>
+          <a:xfrm>
+            <a:off x="151129" y="442005"/>
+            <a:ext cx="663146" cy="663146"/>
+          </a:xfrm>
+          <a:prstGeom prst="rect">
+            <a:avLst/>
+          </a:prstGeom>
+        </p:spPr>
+      </p:pic>
+      <p:sp>
+        <p:nvSpPr>
+          <p:cNvPr id="3" name="TextBox 2"/>
+          <p:cNvSpPr txBox="1"/>
+          <p:nvPr/>
+        </p:nvSpPr>
+        <p:spPr>
+          <a:xfrm>
+            <a:off x="257960" y="1474644"/>
+            <a:ext cx="4648102" cy="2492990"/>
+          </a:xfrm>
+          <a:prstGeom prst="rect">
+            <a:avLst/>
+          </a:prstGeom>
+          <a:noFill/>
+        </p:spPr>
+        <p:txBody>
+          <a:bodyPr wrap="none" rtlCol="0">
+            <a:spAutoFit/>
+          </a:bodyPr>
+          <a:lstStyle/>
+          <a:p>
+            <a:r>
+              <a:rPr lang="mr-IN" sz="1200" dirty="0" smtClean="0">
+                <a:latin typeface="Courier"/>
+                <a:cs typeface="Courier"/>
+              </a:rPr>
+              <a:t>        </a:t>
+            </a:r>
+            <a:r>
+              <a:rPr lang="mr-IN" sz="1200" dirty="0">
+                <a:latin typeface="Courier"/>
+                <a:cs typeface="Courier"/>
+              </a:rPr>
+              <a:t>// When</a:t>
+            </a:r>
+          </a:p>
+          <a:p>
+            <a:r>
+              <a:rPr lang="en-US" sz="1200" dirty="0">
+                <a:latin typeface="Courier"/>
+                <a:cs typeface="Courier"/>
+              </a:rPr>
+              <a:t>        </a:t>
+            </a:r>
+            <a:r>
+              <a:rPr lang="en-US" sz="1200" dirty="0" err="1">
+                <a:latin typeface="Courier"/>
+                <a:cs typeface="Courier"/>
+              </a:rPr>
+              <a:t>cornSorter.barnStream</a:t>
+            </a:r>
+            <a:endParaRPr lang="en-US" sz="1200" dirty="0">
+              <a:latin typeface="Courier"/>
+              <a:cs typeface="Courier"/>
+            </a:endParaRPr>
+          </a:p>
+          <a:p>
+            <a:r>
+              <a:rPr lang="en-US" sz="1200" dirty="0">
+                <a:latin typeface="Courier"/>
+                <a:cs typeface="Courier"/>
+              </a:rPr>
+              <a:t>            .subscribe(</a:t>
+            </a:r>
+            <a:r>
+              <a:rPr lang="en-US" sz="1200" dirty="0" err="1">
+                <a:latin typeface="Courier"/>
+                <a:cs typeface="Courier"/>
+              </a:rPr>
+              <a:t>testObserver</a:t>
+            </a:r>
+            <a:r>
+              <a:rPr lang="en-US" sz="1200" dirty="0">
+                <a:latin typeface="Courier"/>
+                <a:cs typeface="Courier"/>
+              </a:rPr>
+              <a:t>)</a:t>
+            </a:r>
+          </a:p>
+          <a:p>
+            <a:r>
+              <a:rPr lang="en-US" sz="1200" dirty="0">
+                <a:latin typeface="Courier"/>
+                <a:cs typeface="Courier"/>
+              </a:rPr>
+              <a:t>            .disposed(by: </a:t>
+            </a:r>
+            <a:r>
+              <a:rPr lang="en-US" sz="1200" dirty="0" err="1">
+                <a:latin typeface="Courier"/>
+                <a:cs typeface="Courier"/>
+              </a:rPr>
+              <a:t>disposeBag</a:t>
+            </a:r>
+            <a:r>
+              <a:rPr lang="en-US" sz="1200" dirty="0">
+                <a:latin typeface="Courier"/>
+                <a:cs typeface="Courier"/>
+              </a:rPr>
+              <a:t>)</a:t>
+            </a:r>
+          </a:p>
+          <a:p>
+            <a:r>
+              <a:rPr lang="mr-IN" sz="1200" dirty="0">
+                <a:latin typeface="Courier"/>
+                <a:cs typeface="Courier"/>
+              </a:rPr>
+              <a:t>        </a:t>
+            </a:r>
+          </a:p>
+          <a:p>
+            <a:r>
+              <a:rPr lang="en-US" sz="1200" dirty="0">
+                <a:latin typeface="Courier"/>
+                <a:cs typeface="Courier"/>
+              </a:rPr>
+              <a:t>        </a:t>
+            </a:r>
+            <a:r>
+              <a:rPr lang="en-US" sz="1200" dirty="0" err="1">
+                <a:latin typeface="Courier"/>
+                <a:cs typeface="Courier"/>
+              </a:rPr>
+              <a:t>scheduler.start</a:t>
+            </a:r>
+            <a:r>
+              <a:rPr lang="en-US" sz="1200" dirty="0">
+                <a:latin typeface="Courier"/>
+                <a:cs typeface="Courier"/>
+              </a:rPr>
+              <a:t>()</a:t>
+            </a:r>
+          </a:p>
+          <a:p>
+            <a:r>
+              <a:rPr lang="mr-IN" sz="1200" dirty="0">
+                <a:latin typeface="Courier"/>
+                <a:cs typeface="Courier"/>
+              </a:rPr>
+              <a:t>        </a:t>
+            </a:r>
+          </a:p>
+          <a:p>
+            <a:r>
+              <a:rPr lang="mr-IN" sz="1200" dirty="0">
+                <a:latin typeface="Courier"/>
+                <a:cs typeface="Courier"/>
+              </a:rPr>
+              <a:t>        // Then</a:t>
+            </a:r>
+          </a:p>
+          <a:p>
+            <a:r>
+              <a:rPr lang="en-US" sz="1200" dirty="0">
+                <a:latin typeface="Courier"/>
+                <a:cs typeface="Courier"/>
+              </a:rPr>
+              <a:t>        let results = </a:t>
+            </a:r>
+            <a:r>
+              <a:rPr lang="en-US" sz="1200" dirty="0" err="1">
+                <a:latin typeface="Courier"/>
+                <a:cs typeface="Courier"/>
+              </a:rPr>
+              <a:t>testObserver.events.map</a:t>
+            </a:r>
+            <a:r>
+              <a:rPr lang="en-US" sz="1200" dirty="0">
+                <a:latin typeface="Courier"/>
+                <a:cs typeface="Courier"/>
+              </a:rPr>
+              <a:t> {</a:t>
+            </a:r>
+          </a:p>
+          <a:p>
+            <a:r>
+              <a:rPr lang="mr-IN" sz="1200" dirty="0">
+                <a:latin typeface="Courier"/>
+                <a:cs typeface="Courier"/>
+              </a:rPr>
+              <a:t>            $0.value.element!</a:t>
+            </a:r>
+          </a:p>
+          <a:p>
+            <a:r>
+              <a:rPr lang="mr-IN" sz="1200" dirty="0">
+                <a:latin typeface="Courier"/>
+                <a:cs typeface="Courier"/>
+              </a:rPr>
+              <a:t>        }</a:t>
+            </a:r>
+          </a:p>
+          <a:p>
+            <a:r>
+              <a:rPr lang="mr-IN" sz="1200" dirty="0">
+                <a:latin typeface="Courier"/>
+                <a:cs typeface="Courier"/>
+              </a:rPr>
+              <a:t>        _ = XCTAssertEqual(results, ["🌽", "🌽"])</a:t>
+            </a:r>
+          </a:p>
+          <a:p>
+            <a:r>
+              <a:rPr lang="mr-IN" sz="1200" dirty="0">
+                <a:latin typeface="Courier"/>
+                <a:cs typeface="Courier"/>
+              </a:rPr>
+              <a:t>    }</a:t>
+            </a:r>
+            <a:endParaRPr lang="en-US" sz="1200" dirty="0">
+              <a:latin typeface="Courier"/>
+              <a:cs typeface="Courier"/>
+            </a:endParaRPr>
+          </a:p>
+        </p:txBody>
+      </p:sp>
+    </p:spTree>
+    <p:extLst>
+      <p:ext uri="{BB962C8B-B14F-4D97-AF65-F5344CB8AC3E}">
+        <p14:creationId xmlns:p14="http://schemas.microsoft.com/office/powerpoint/2010/main" val="2009596403"/>
       </p:ext>
     </p:extLst>
   </p:cSld>
@@ -7003,6 +9173,1151 @@
     <p:extLst>
       <p:ext uri="{BB962C8B-B14F-4D97-AF65-F5344CB8AC3E}">
         <p14:creationId xmlns:p14="http://schemas.microsoft.com/office/powerpoint/2010/main" val="2255794702"/>
+      </p:ext>
+    </p:extLst>
+  </p:cSld>
+  <p:clrMapOvr>
+    <a:masterClrMapping/>
+  </p:clrMapOvr>
+  <p:timing>
+    <p:tnLst>
+      <p:par>
+        <p:cTn xmlns:p14="http://schemas.microsoft.com/office/powerpoint/2010/main" id="1" dur="indefinite" restart="never" nodeType="tmRoot"/>
+      </p:par>
+    </p:tnLst>
+  </p:timing>
+</p:sld>
+</file>
+
+<file path=ppt/slides/slide20.xml><?xml version="1.0" encoding="utf-8"?>
+<p:sld xmlns:a="http://schemas.openxmlformats.org/drawingml/2006/main" xmlns:r="http://schemas.openxmlformats.org/officeDocument/2006/relationships" xmlns:p="http://schemas.openxmlformats.org/presentationml/2006/main">
+  <p:cSld>
+    <p:spTree>
+      <p:nvGrpSpPr>
+        <p:cNvPr id="1" name="Shape 188"/>
+        <p:cNvGrpSpPr/>
+        <p:nvPr/>
+      </p:nvGrpSpPr>
+      <p:grpSpPr>
+        <a:xfrm>
+          <a:off x="0" y="0"/>
+          <a:ext cx="0" cy="0"/>
+          <a:chOff x="0" y="0"/>
+          <a:chExt cx="0" cy="0"/>
+        </a:xfrm>
+      </p:grpSpPr>
+      <p:sp>
+        <p:nvSpPr>
+          <p:cNvPr id="189" name="Shape 189"/>
+          <p:cNvSpPr txBox="1">
+            <a:spLocks noGrp="1"/>
+          </p:cNvSpPr>
+          <p:nvPr>
+            <p:ph type="title"/>
+          </p:nvPr>
+        </p:nvSpPr>
+        <p:spPr>
+          <a:xfrm>
+            <a:off x="1052178" y="392575"/>
+            <a:ext cx="4539261" cy="766200"/>
+          </a:xfrm>
+          <a:prstGeom prst="rect">
+            <a:avLst/>
+          </a:prstGeom>
+        </p:spPr>
+        <p:txBody>
+          <a:bodyPr wrap="square" lIns="91425" tIns="91425" rIns="91425" bIns="91425" anchor="ctr" anchorCtr="0">
+            <a:noAutofit/>
+          </a:bodyPr>
+          <a:lstStyle/>
+          <a:p>
+            <a:pPr lvl="0" rtl="0">
+              <a:spcBef>
+                <a:spcPts val="0"/>
+              </a:spcBef>
+              <a:buNone/>
+            </a:pPr>
+            <a:r>
+              <a:rPr lang="en-US" dirty="0" err="1" smtClean="0"/>
+              <a:t>RxBlocking</a:t>
+            </a:r>
+            <a:endParaRPr lang="en" dirty="0"/>
+          </a:p>
+        </p:txBody>
+      </p:sp>
+      <p:sp>
+        <p:nvSpPr>
+          <p:cNvPr id="192" name="Shape 192"/>
+          <p:cNvSpPr txBox="1">
+            <a:spLocks noGrp="1"/>
+          </p:cNvSpPr>
+          <p:nvPr>
+            <p:ph type="sldNum" idx="12"/>
+          </p:nvPr>
+        </p:nvSpPr>
+        <p:spPr>
+          <a:xfrm>
+            <a:off x="7955818" y="4636500"/>
+            <a:ext cx="1149581" cy="315600"/>
+          </a:xfrm>
+          <a:prstGeom prst="rect">
+            <a:avLst/>
+          </a:prstGeom>
+        </p:spPr>
+        <p:txBody>
+          <a:bodyPr wrap="square" lIns="91425" tIns="91425" rIns="91425" bIns="91425" anchor="ctr" anchorCtr="0">
+            <a:noAutofit/>
+          </a:bodyPr>
+          <a:lstStyle/>
+          <a:p>
+            <a:pPr lvl="0">
+              <a:spcBef>
+                <a:spcPts val="0"/>
+              </a:spcBef>
+              <a:buNone/>
+            </a:pPr>
+            <a:fld id="{00000000-1234-1234-1234-123412341234}" type="slidenum">
+              <a:rPr lang="en"/>
+              <a:t>20</a:t>
+            </a:fld>
+            <a:endParaRPr lang="en" dirty="0"/>
+          </a:p>
+        </p:txBody>
+      </p:sp>
+      <p:pic>
+        <p:nvPicPr>
+          <p:cNvPr id="2" name="Picture 1" descr="Rx_Logo_M.png"/>
+          <p:cNvPicPr>
+            <a:picLocks noChangeAspect="1"/>
+          </p:cNvPicPr>
+          <p:nvPr/>
+        </p:nvPicPr>
+        <p:blipFill>
+          <a:blip r:embed="rId3">
+            <a:extLst>
+              <a:ext uri="{28A0092B-C50C-407E-A947-70E740481C1C}">
+                <a14:useLocalDpi xmlns:a14="http://schemas.microsoft.com/office/drawing/2010/main" val="0"/>
+              </a:ext>
+            </a:extLst>
+          </a:blip>
+          <a:stretch>
+            <a:fillRect/>
+          </a:stretch>
+        </p:blipFill>
+        <p:spPr>
+          <a:xfrm>
+            <a:off x="151129" y="442005"/>
+            <a:ext cx="663146" cy="663146"/>
+          </a:xfrm>
+          <a:prstGeom prst="rect">
+            <a:avLst/>
+          </a:prstGeom>
+        </p:spPr>
+      </p:pic>
+      <p:sp>
+        <p:nvSpPr>
+          <p:cNvPr id="4" name="Rectangle 3"/>
+          <p:cNvSpPr/>
+          <p:nvPr/>
+        </p:nvSpPr>
+        <p:spPr>
+          <a:xfrm>
+            <a:off x="543626" y="1774961"/>
+            <a:ext cx="7568929" cy="2062103"/>
+          </a:xfrm>
+          <a:prstGeom prst="rect">
+            <a:avLst/>
+          </a:prstGeom>
+        </p:spPr>
+        <p:txBody>
+          <a:bodyPr wrap="square">
+            <a:spAutoFit/>
+          </a:bodyPr>
+          <a:lstStyle/>
+          <a:p>
+            <a:pPr marL="285750" indent="-285750">
+              <a:buFontTx/>
+              <a:buChar char="-"/>
+            </a:pPr>
+            <a:r>
+              <a:rPr lang="en-US" sz="1600" dirty="0" err="1"/>
+              <a:t>RxBlocking</a:t>
+            </a:r>
+            <a:r>
+              <a:rPr lang="en-US" sz="1600" dirty="0"/>
+              <a:t> on the other hand is handy in case you need to test some asynchronous functionality where you can’t control the source of </a:t>
+            </a:r>
+            <a:r>
+              <a:rPr lang="en-US" sz="1600" dirty="0" err="1"/>
+              <a:t>asynchronisity</a:t>
+            </a:r>
+            <a:r>
+              <a:rPr lang="en-US" sz="1600" dirty="0"/>
+              <a:t>. Often times this means you’re stepping up from unit tests to integration </a:t>
+            </a:r>
+            <a:r>
+              <a:rPr lang="en-US" sz="1600" dirty="0" smtClean="0"/>
+              <a:t>test.</a:t>
+            </a:r>
+          </a:p>
+          <a:p>
+            <a:pPr marL="285750" indent="-285750">
+              <a:buFontTx/>
+              <a:buChar char="-"/>
+            </a:pPr>
+            <a:endParaRPr lang="en-US" sz="1600" dirty="0" smtClean="0"/>
+          </a:p>
+          <a:p>
+            <a:pPr marL="285750" indent="-285750">
+              <a:buFontTx/>
+              <a:buChar char="-"/>
+            </a:pPr>
+            <a:endParaRPr lang="en-US" sz="1600" dirty="0" smtClean="0"/>
+          </a:p>
+          <a:p>
+            <a:pPr marL="285750" indent="-285750">
+              <a:buFontTx/>
+              <a:buChar char="-"/>
+            </a:pPr>
+            <a:r>
+              <a:rPr lang="en-US" sz="1600" dirty="0"/>
+              <a:t>What </a:t>
+            </a:r>
+            <a:r>
+              <a:rPr lang="en-US" sz="1600" dirty="0" err="1"/>
+              <a:t>RxBlocking</a:t>
+            </a:r>
+            <a:r>
+              <a:rPr lang="en-US" sz="1600" dirty="0"/>
+              <a:t> is great to is to allow you to consume an observable sequence in batches or even wait on a single element to be emitted</a:t>
+            </a:r>
+            <a:r>
+              <a:rPr lang="en-US" sz="1600" dirty="0" smtClean="0"/>
+              <a:t>.</a:t>
+            </a:r>
+          </a:p>
+        </p:txBody>
+      </p:sp>
+    </p:spTree>
+    <p:extLst>
+      <p:ext uri="{BB962C8B-B14F-4D97-AF65-F5344CB8AC3E}">
+        <p14:creationId xmlns:p14="http://schemas.microsoft.com/office/powerpoint/2010/main" val="3507504151"/>
+      </p:ext>
+    </p:extLst>
+  </p:cSld>
+  <p:clrMapOvr>
+    <a:masterClrMapping/>
+  </p:clrMapOvr>
+  <p:timing>
+    <p:tnLst>
+      <p:par>
+        <p:cTn xmlns:p14="http://schemas.microsoft.com/office/powerpoint/2010/main" id="1" dur="indefinite" restart="never" nodeType="tmRoot"/>
+      </p:par>
+    </p:tnLst>
+  </p:timing>
+</p:sld>
+</file>
+
+<file path=ppt/slides/slide21.xml><?xml version="1.0" encoding="utf-8"?>
+<p:sld xmlns:a="http://schemas.openxmlformats.org/drawingml/2006/main" xmlns:r="http://schemas.openxmlformats.org/officeDocument/2006/relationships" xmlns:p="http://schemas.openxmlformats.org/presentationml/2006/main">
+  <p:cSld>
+    <p:spTree>
+      <p:nvGrpSpPr>
+        <p:cNvPr id="1" name="Shape 188"/>
+        <p:cNvGrpSpPr/>
+        <p:nvPr/>
+      </p:nvGrpSpPr>
+      <p:grpSpPr>
+        <a:xfrm>
+          <a:off x="0" y="0"/>
+          <a:ext cx="0" cy="0"/>
+          <a:chOff x="0" y="0"/>
+          <a:chExt cx="0" cy="0"/>
+        </a:xfrm>
+      </p:grpSpPr>
+      <p:sp>
+        <p:nvSpPr>
+          <p:cNvPr id="189" name="Shape 189"/>
+          <p:cNvSpPr txBox="1">
+            <a:spLocks noGrp="1"/>
+          </p:cNvSpPr>
+          <p:nvPr>
+            <p:ph type="title"/>
+          </p:nvPr>
+        </p:nvSpPr>
+        <p:spPr>
+          <a:xfrm>
+            <a:off x="814275" y="392575"/>
+            <a:ext cx="5258400" cy="766200"/>
+          </a:xfrm>
+          <a:prstGeom prst="rect">
+            <a:avLst/>
+          </a:prstGeom>
+        </p:spPr>
+        <p:txBody>
+          <a:bodyPr wrap="square" lIns="91425" tIns="91425" rIns="91425" bIns="91425" anchor="ctr" anchorCtr="0">
+            <a:noAutofit/>
+          </a:bodyPr>
+          <a:lstStyle/>
+          <a:p>
+            <a:pPr lvl="0" rtl="0">
+              <a:spcBef>
+                <a:spcPts val="0"/>
+              </a:spcBef>
+              <a:buNone/>
+            </a:pPr>
+            <a:r>
+              <a:rPr lang="en-US" dirty="0" err="1" smtClean="0"/>
+              <a:t>RxBlocking</a:t>
+            </a:r>
+            <a:endParaRPr lang="en" dirty="0"/>
+          </a:p>
+        </p:txBody>
+      </p:sp>
+      <p:sp>
+        <p:nvSpPr>
+          <p:cNvPr id="192" name="Shape 192"/>
+          <p:cNvSpPr txBox="1">
+            <a:spLocks noGrp="1"/>
+          </p:cNvSpPr>
+          <p:nvPr>
+            <p:ph type="sldNum" idx="12"/>
+          </p:nvPr>
+        </p:nvSpPr>
+        <p:spPr>
+          <a:xfrm>
+            <a:off x="7618000" y="4636500"/>
+            <a:ext cx="1487400" cy="315600"/>
+          </a:xfrm>
+          <a:prstGeom prst="rect">
+            <a:avLst/>
+          </a:prstGeom>
+        </p:spPr>
+        <p:txBody>
+          <a:bodyPr wrap="square" lIns="91425" tIns="91425" rIns="91425" bIns="91425" anchor="ctr" anchorCtr="0">
+            <a:noAutofit/>
+          </a:bodyPr>
+          <a:lstStyle/>
+          <a:p>
+            <a:pPr lvl="0">
+              <a:spcBef>
+                <a:spcPts val="0"/>
+              </a:spcBef>
+              <a:buNone/>
+            </a:pPr>
+            <a:fld id="{00000000-1234-1234-1234-123412341234}" type="slidenum">
+              <a:rPr lang="en"/>
+              <a:t>21</a:t>
+            </a:fld>
+            <a:endParaRPr lang="en"/>
+          </a:p>
+        </p:txBody>
+      </p:sp>
+      <p:pic>
+        <p:nvPicPr>
+          <p:cNvPr id="2" name="Picture 1" descr="Rx_Logo_M.png"/>
+          <p:cNvPicPr>
+            <a:picLocks noChangeAspect="1"/>
+          </p:cNvPicPr>
+          <p:nvPr/>
+        </p:nvPicPr>
+        <p:blipFill>
+          <a:blip r:embed="rId3">
+            <a:extLst>
+              <a:ext uri="{28A0092B-C50C-407E-A947-70E740481C1C}">
+                <a14:useLocalDpi xmlns:a14="http://schemas.microsoft.com/office/drawing/2010/main" val="0"/>
+              </a:ext>
+            </a:extLst>
+          </a:blip>
+          <a:stretch>
+            <a:fillRect/>
+          </a:stretch>
+        </p:blipFill>
+        <p:spPr>
+          <a:xfrm>
+            <a:off x="151129" y="442005"/>
+            <a:ext cx="663146" cy="663146"/>
+          </a:xfrm>
+          <a:prstGeom prst="rect">
+            <a:avLst/>
+          </a:prstGeom>
+        </p:spPr>
+      </p:pic>
+      <p:sp>
+        <p:nvSpPr>
+          <p:cNvPr id="3" name="TextBox 2"/>
+          <p:cNvSpPr txBox="1"/>
+          <p:nvPr/>
+        </p:nvSpPr>
+        <p:spPr>
+          <a:xfrm>
+            <a:off x="498051" y="1761709"/>
+            <a:ext cx="6741374" cy="1938992"/>
+          </a:xfrm>
+          <a:prstGeom prst="rect">
+            <a:avLst/>
+          </a:prstGeom>
+          <a:noFill/>
+        </p:spPr>
+        <p:txBody>
+          <a:bodyPr wrap="none" rtlCol="0">
+            <a:spAutoFit/>
+          </a:bodyPr>
+          <a:lstStyle/>
+          <a:p>
+            <a:r>
+              <a:rPr lang="en-US" sz="1200" dirty="0" err="1">
+                <a:latin typeface="Courier"/>
+                <a:cs typeface="Courier"/>
+              </a:rPr>
+              <a:t>func</a:t>
+            </a:r>
+            <a:r>
+              <a:rPr lang="en-US" sz="1200" dirty="0">
+                <a:latin typeface="Courier"/>
+                <a:cs typeface="Courier"/>
+              </a:rPr>
+              <a:t> </a:t>
+            </a:r>
+            <a:r>
+              <a:rPr lang="en-US" sz="1200" dirty="0" err="1">
+                <a:latin typeface="Courier"/>
+                <a:cs typeface="Courier"/>
+              </a:rPr>
+              <a:t>testElements</a:t>
+            </a:r>
+            <a:r>
+              <a:rPr lang="en-US" sz="1200" dirty="0">
+                <a:latin typeface="Courier"/>
+                <a:cs typeface="Courier"/>
+              </a:rPr>
+              <a:t>() {</a:t>
+            </a:r>
+          </a:p>
+          <a:p>
+            <a:r>
+              <a:rPr lang="en-US" sz="1200" dirty="0">
+                <a:latin typeface="Courier"/>
+                <a:cs typeface="Courier"/>
+              </a:rPr>
+              <a:t>        let items = </a:t>
+            </a:r>
+            <a:r>
+              <a:rPr lang="en-US" sz="1200" dirty="0" err="1">
+                <a:latin typeface="Courier"/>
+                <a:cs typeface="Courier"/>
+              </a:rPr>
+              <a:t>Observable.of</a:t>
+            </a:r>
+            <a:r>
+              <a:rPr lang="en-US" sz="1200" dirty="0">
+                <a:latin typeface="Courier"/>
+                <a:cs typeface="Courier"/>
+              </a:rPr>
+              <a:t>(1, 5, 10, 15, 20)</a:t>
+            </a:r>
+          </a:p>
+          <a:p>
+            <a:r>
+              <a:rPr lang="mr-IN" sz="1200" dirty="0">
+                <a:latin typeface="Courier"/>
+                <a:cs typeface="Courier"/>
+              </a:rPr>
+              <a:t>        </a:t>
+            </a:r>
+          </a:p>
+          <a:p>
+            <a:r>
+              <a:rPr lang="en-US" sz="1200" dirty="0">
+                <a:latin typeface="Courier"/>
+                <a:cs typeface="Courier"/>
+              </a:rPr>
+              <a:t>        let elements = try! </a:t>
+            </a:r>
+            <a:r>
+              <a:rPr lang="en-US" sz="1200" dirty="0" err="1">
+                <a:latin typeface="Courier"/>
+                <a:cs typeface="Courier"/>
+              </a:rPr>
+              <a:t>items.toBlocking</a:t>
+            </a:r>
+            <a:r>
+              <a:rPr lang="en-US" sz="1200" dirty="0">
+                <a:latin typeface="Courier"/>
+                <a:cs typeface="Courier"/>
+              </a:rPr>
+              <a:t>().</a:t>
+            </a:r>
+            <a:r>
+              <a:rPr lang="en-US" sz="1200" dirty="0" err="1">
+                <a:latin typeface="Courier"/>
+                <a:cs typeface="Courier"/>
+              </a:rPr>
+              <a:t>toArray</a:t>
+            </a:r>
+            <a:r>
+              <a:rPr lang="en-US" sz="1200" dirty="0">
+                <a:latin typeface="Courier"/>
+                <a:cs typeface="Courier"/>
+              </a:rPr>
+              <a:t>()</a:t>
+            </a:r>
+          </a:p>
+          <a:p>
+            <a:r>
+              <a:rPr lang="mr-IN" sz="1200" dirty="0">
+                <a:latin typeface="Courier"/>
+                <a:cs typeface="Courier"/>
+              </a:rPr>
+              <a:t>        XCTAssertEqual([1, 5, 10, 15, 20], elements)</a:t>
+            </a:r>
+          </a:p>
+          <a:p>
+            <a:r>
+              <a:rPr lang="mr-IN" sz="1200" dirty="0">
+                <a:latin typeface="Courier"/>
+                <a:cs typeface="Courier"/>
+              </a:rPr>
+              <a:t>        </a:t>
+            </a:r>
+          </a:p>
+          <a:p>
+            <a:r>
+              <a:rPr lang="en-US" sz="1200" dirty="0">
+                <a:latin typeface="Courier"/>
+                <a:cs typeface="Courier"/>
+              </a:rPr>
+              <a:t>        let results = try! </a:t>
+            </a:r>
+            <a:r>
+              <a:rPr lang="en-US" sz="1200" dirty="0" err="1">
+                <a:latin typeface="Courier"/>
+                <a:cs typeface="Courier"/>
+              </a:rPr>
+              <a:t>items.skip</a:t>
+            </a:r>
+            <a:r>
+              <a:rPr lang="en-US" sz="1200" dirty="0">
+                <a:latin typeface="Courier"/>
+                <a:cs typeface="Courier"/>
+              </a:rPr>
+              <a:t>(3).take(2).</a:t>
+            </a:r>
+            <a:r>
+              <a:rPr lang="en-US" sz="1200" dirty="0" err="1">
+                <a:latin typeface="Courier"/>
+                <a:cs typeface="Courier"/>
+              </a:rPr>
+              <a:t>toBlocking</a:t>
+            </a:r>
+            <a:r>
+              <a:rPr lang="en-US" sz="1200" dirty="0">
+                <a:latin typeface="Courier"/>
+                <a:cs typeface="Courier"/>
+              </a:rPr>
+              <a:t>().</a:t>
+            </a:r>
+            <a:r>
+              <a:rPr lang="en-US" sz="1200" dirty="0" err="1">
+                <a:latin typeface="Courier"/>
+                <a:cs typeface="Courier"/>
+              </a:rPr>
+              <a:t>toArray</a:t>
+            </a:r>
+            <a:r>
+              <a:rPr lang="en-US" sz="1200" dirty="0">
+                <a:latin typeface="Courier"/>
+                <a:cs typeface="Courier"/>
+              </a:rPr>
+              <a:t>()</a:t>
+            </a:r>
+          </a:p>
+          <a:p>
+            <a:r>
+              <a:rPr lang="mr-IN" sz="1200" dirty="0">
+                <a:latin typeface="Courier"/>
+                <a:cs typeface="Courier"/>
+              </a:rPr>
+              <a:t>        XCTAssertEqual([15, 20], results)</a:t>
+            </a:r>
+          </a:p>
+          <a:p>
+            <a:r>
+              <a:rPr lang="mr-IN" sz="1200" dirty="0">
+                <a:latin typeface="Courier"/>
+                <a:cs typeface="Courier"/>
+              </a:rPr>
+              <a:t>        </a:t>
+            </a:r>
+          </a:p>
+          <a:p>
+            <a:r>
+              <a:rPr lang="mr-IN" sz="1200" dirty="0">
+                <a:latin typeface="Courier"/>
+                <a:cs typeface="Courier"/>
+              </a:rPr>
+              <a:t>    }</a:t>
+            </a:r>
+            <a:endParaRPr lang="en-US" sz="1200" dirty="0">
+              <a:latin typeface="Courier"/>
+              <a:cs typeface="Courier"/>
+            </a:endParaRPr>
+          </a:p>
+        </p:txBody>
+      </p:sp>
+    </p:spTree>
+    <p:extLst>
+      <p:ext uri="{BB962C8B-B14F-4D97-AF65-F5344CB8AC3E}">
+        <p14:creationId xmlns:p14="http://schemas.microsoft.com/office/powerpoint/2010/main" val="2956619374"/>
+      </p:ext>
+    </p:extLst>
+  </p:cSld>
+  <p:clrMapOvr>
+    <a:masterClrMapping/>
+  </p:clrMapOvr>
+  <p:timing>
+    <p:tnLst>
+      <p:par>
+        <p:cTn xmlns:p14="http://schemas.microsoft.com/office/powerpoint/2010/main" id="1" dur="indefinite" restart="never" nodeType="tmRoot"/>
+      </p:par>
+    </p:tnLst>
+  </p:timing>
+</p:sld>
+</file>
+
+<file path=ppt/slides/slide22.xml><?xml version="1.0" encoding="utf-8"?>
+<p:sld xmlns:a="http://schemas.openxmlformats.org/drawingml/2006/main" xmlns:r="http://schemas.openxmlformats.org/officeDocument/2006/relationships" xmlns:p="http://schemas.openxmlformats.org/presentationml/2006/main">
+  <p:cSld>
+    <p:spTree>
+      <p:nvGrpSpPr>
+        <p:cNvPr id="1" name="Shape 188"/>
+        <p:cNvGrpSpPr/>
+        <p:nvPr/>
+      </p:nvGrpSpPr>
+      <p:grpSpPr>
+        <a:xfrm>
+          <a:off x="0" y="0"/>
+          <a:ext cx="0" cy="0"/>
+          <a:chOff x="0" y="0"/>
+          <a:chExt cx="0" cy="0"/>
+        </a:xfrm>
+      </p:grpSpPr>
+      <p:sp>
+        <p:nvSpPr>
+          <p:cNvPr id="189" name="Shape 189"/>
+          <p:cNvSpPr txBox="1">
+            <a:spLocks noGrp="1"/>
+          </p:cNvSpPr>
+          <p:nvPr>
+            <p:ph type="title"/>
+          </p:nvPr>
+        </p:nvSpPr>
+        <p:spPr>
+          <a:xfrm>
+            <a:off x="814275" y="392575"/>
+            <a:ext cx="5258400" cy="766200"/>
+          </a:xfrm>
+          <a:prstGeom prst="rect">
+            <a:avLst/>
+          </a:prstGeom>
+        </p:spPr>
+        <p:txBody>
+          <a:bodyPr wrap="square" lIns="91425" tIns="91425" rIns="91425" bIns="91425" anchor="ctr" anchorCtr="0">
+            <a:noAutofit/>
+          </a:bodyPr>
+          <a:lstStyle/>
+          <a:p>
+            <a:pPr lvl="0" rtl="0">
+              <a:spcBef>
+                <a:spcPts val="0"/>
+              </a:spcBef>
+              <a:buNone/>
+            </a:pPr>
+            <a:r>
+              <a:rPr lang="en-US" dirty="0" err="1" smtClean="0"/>
+              <a:t>RxBlocking</a:t>
+            </a:r>
+            <a:endParaRPr lang="en" dirty="0"/>
+          </a:p>
+        </p:txBody>
+      </p:sp>
+      <p:sp>
+        <p:nvSpPr>
+          <p:cNvPr id="192" name="Shape 192"/>
+          <p:cNvSpPr txBox="1">
+            <a:spLocks noGrp="1"/>
+          </p:cNvSpPr>
+          <p:nvPr>
+            <p:ph type="sldNum" idx="12"/>
+          </p:nvPr>
+        </p:nvSpPr>
+        <p:spPr>
+          <a:xfrm>
+            <a:off x="7618000" y="4636500"/>
+            <a:ext cx="1487400" cy="315600"/>
+          </a:xfrm>
+          <a:prstGeom prst="rect">
+            <a:avLst/>
+          </a:prstGeom>
+        </p:spPr>
+        <p:txBody>
+          <a:bodyPr wrap="square" lIns="91425" tIns="91425" rIns="91425" bIns="91425" anchor="ctr" anchorCtr="0">
+            <a:noAutofit/>
+          </a:bodyPr>
+          <a:lstStyle/>
+          <a:p>
+            <a:pPr lvl="0">
+              <a:spcBef>
+                <a:spcPts val="0"/>
+              </a:spcBef>
+              <a:buNone/>
+            </a:pPr>
+            <a:fld id="{00000000-1234-1234-1234-123412341234}" type="slidenum">
+              <a:rPr lang="en"/>
+              <a:t>22</a:t>
+            </a:fld>
+            <a:endParaRPr lang="en"/>
+          </a:p>
+        </p:txBody>
+      </p:sp>
+      <p:pic>
+        <p:nvPicPr>
+          <p:cNvPr id="2" name="Picture 1" descr="Rx_Logo_M.png"/>
+          <p:cNvPicPr>
+            <a:picLocks noChangeAspect="1"/>
+          </p:cNvPicPr>
+          <p:nvPr/>
+        </p:nvPicPr>
+        <p:blipFill>
+          <a:blip r:embed="rId3">
+            <a:extLst>
+              <a:ext uri="{28A0092B-C50C-407E-A947-70E740481C1C}">
+                <a14:useLocalDpi xmlns:a14="http://schemas.microsoft.com/office/drawing/2010/main" val="0"/>
+              </a:ext>
+            </a:extLst>
+          </a:blip>
+          <a:stretch>
+            <a:fillRect/>
+          </a:stretch>
+        </p:blipFill>
+        <p:spPr>
+          <a:xfrm>
+            <a:off x="151129" y="442005"/>
+            <a:ext cx="663146" cy="663146"/>
+          </a:xfrm>
+          <a:prstGeom prst="rect">
+            <a:avLst/>
+          </a:prstGeom>
+        </p:spPr>
+      </p:pic>
+      <p:sp>
+        <p:nvSpPr>
+          <p:cNvPr id="3" name="TextBox 2"/>
+          <p:cNvSpPr txBox="1"/>
+          <p:nvPr/>
+        </p:nvSpPr>
+        <p:spPr>
+          <a:xfrm>
+            <a:off x="100005" y="1278761"/>
+            <a:ext cx="8126594" cy="3785651"/>
+          </a:xfrm>
+          <a:prstGeom prst="rect">
+            <a:avLst/>
+          </a:prstGeom>
+          <a:noFill/>
+        </p:spPr>
+        <p:txBody>
+          <a:bodyPr wrap="none" rtlCol="0">
+            <a:spAutoFit/>
+          </a:bodyPr>
+          <a:lstStyle/>
+          <a:p>
+            <a:r>
+              <a:rPr lang="en-US" sz="1200" dirty="0" err="1">
+                <a:latin typeface="Courier"/>
+                <a:cs typeface="Courier"/>
+              </a:rPr>
+              <a:t>func</a:t>
+            </a:r>
+            <a:r>
+              <a:rPr lang="en-US" sz="1200" dirty="0">
+                <a:latin typeface="Courier"/>
+                <a:cs typeface="Courier"/>
+              </a:rPr>
+              <a:t> </a:t>
+            </a:r>
+            <a:r>
+              <a:rPr lang="en-US" sz="1200" dirty="0" err="1">
+                <a:latin typeface="Courier"/>
+                <a:cs typeface="Courier"/>
+              </a:rPr>
+              <a:t>testCountryInfoFlow</a:t>
+            </a:r>
+            <a:r>
+              <a:rPr lang="en-US" sz="1200" dirty="0">
+                <a:latin typeface="Courier"/>
+                <a:cs typeface="Courier"/>
+              </a:rPr>
+              <a:t>() {</a:t>
+            </a:r>
+          </a:p>
+          <a:p>
+            <a:r>
+              <a:rPr lang="en-US" sz="1200" dirty="0">
+                <a:latin typeface="Courier"/>
+                <a:cs typeface="Courier"/>
+              </a:rPr>
+              <a:t>        let scheduler = </a:t>
+            </a:r>
+            <a:r>
+              <a:rPr lang="en-US" sz="1200" dirty="0" err="1">
+                <a:latin typeface="Courier"/>
+                <a:cs typeface="Courier"/>
+              </a:rPr>
+              <a:t>ConcurrentDispatchQueueScheduler</a:t>
+            </a:r>
+            <a:r>
+              <a:rPr lang="en-US" sz="1200" dirty="0">
+                <a:latin typeface="Courier"/>
+                <a:cs typeface="Courier"/>
+              </a:rPr>
+              <a:t>(</a:t>
+            </a:r>
+            <a:r>
+              <a:rPr lang="en-US" sz="1200" dirty="0" err="1">
+                <a:latin typeface="Courier"/>
+                <a:cs typeface="Courier"/>
+              </a:rPr>
+              <a:t>qos</a:t>
+            </a:r>
+            <a:r>
+              <a:rPr lang="en-US" sz="1200" dirty="0">
+                <a:latin typeface="Courier"/>
+                <a:cs typeface="Courier"/>
+              </a:rPr>
+              <a:t>: .default</a:t>
+            </a:r>
+            <a:r>
+              <a:rPr lang="en-US" sz="1200" dirty="0" smtClean="0">
+                <a:latin typeface="Courier"/>
+                <a:cs typeface="Courier"/>
+              </a:rPr>
+              <a:t>)</a:t>
+            </a:r>
+            <a:endParaRPr lang="mr-IN" sz="1200" dirty="0">
+              <a:latin typeface="Courier"/>
+              <a:cs typeface="Courier"/>
+            </a:endParaRPr>
+          </a:p>
+          <a:p>
+            <a:r>
+              <a:rPr lang="mr-IN" sz="1200" dirty="0">
+                <a:latin typeface="Courier"/>
+                <a:cs typeface="Courier"/>
+              </a:rPr>
+              <a:t>        do {</a:t>
+            </a:r>
+          </a:p>
+          <a:p>
+            <a:r>
+              <a:rPr lang="en-US" sz="1200" dirty="0">
+                <a:latin typeface="Courier"/>
+                <a:cs typeface="Courier"/>
+              </a:rPr>
+              <a:t>            let </a:t>
+            </a:r>
+            <a:r>
+              <a:rPr lang="en-US" sz="1200" dirty="0" err="1">
+                <a:latin typeface="Courier"/>
+                <a:cs typeface="Courier"/>
+              </a:rPr>
+              <a:t>myArray</a:t>
+            </a:r>
+            <a:r>
+              <a:rPr lang="en-US" sz="1200" dirty="0">
+                <a:latin typeface="Courier"/>
+                <a:cs typeface="Courier"/>
+              </a:rPr>
+              <a:t> = try </a:t>
+            </a:r>
+            <a:r>
+              <a:rPr lang="en-US" sz="1200" dirty="0" err="1">
+                <a:latin typeface="Courier"/>
+                <a:cs typeface="Courier"/>
+              </a:rPr>
+              <a:t>BordersBusinessLogic.shared.countryInfoFlow</a:t>
+            </a:r>
+            <a:r>
+              <a:rPr lang="en-US" sz="1200" dirty="0">
+                <a:latin typeface="Courier"/>
+                <a:cs typeface="Courier"/>
+              </a:rPr>
+              <a:t>(code: "FRA")</a:t>
+            </a:r>
+          </a:p>
+          <a:p>
+            <a:r>
+              <a:rPr lang="en-US" sz="1200" dirty="0">
+                <a:latin typeface="Courier"/>
+                <a:cs typeface="Courier"/>
+              </a:rPr>
+              <a:t>            .</a:t>
+            </a:r>
+            <a:r>
+              <a:rPr lang="en-US" sz="1200" dirty="0" err="1">
+                <a:latin typeface="Courier"/>
+                <a:cs typeface="Courier"/>
+              </a:rPr>
+              <a:t>subscribeOn</a:t>
+            </a:r>
+            <a:r>
+              <a:rPr lang="en-US" sz="1200" dirty="0">
+                <a:latin typeface="Courier"/>
+                <a:cs typeface="Courier"/>
+              </a:rPr>
+              <a:t>(scheduler)</a:t>
+            </a:r>
+          </a:p>
+          <a:p>
+            <a:r>
+              <a:rPr lang="mr-IN" sz="1200" dirty="0">
+                <a:latin typeface="Courier"/>
+                <a:cs typeface="Courier"/>
+              </a:rPr>
+              <a:t>            .toBlocking()</a:t>
+            </a:r>
+          </a:p>
+          <a:p>
+            <a:r>
+              <a:rPr lang="mr-IN" sz="1200" dirty="0">
+                <a:latin typeface="Courier"/>
+                <a:cs typeface="Courier"/>
+              </a:rPr>
+              <a:t>            .toArray(</a:t>
+            </a:r>
+            <a:r>
+              <a:rPr lang="mr-IN" sz="1200" dirty="0" smtClean="0">
+                <a:latin typeface="Courier"/>
+                <a:cs typeface="Courier"/>
+              </a:rPr>
+              <a:t>)</a:t>
+            </a:r>
+            <a:endParaRPr lang="mr-IN" sz="1200" dirty="0">
+              <a:latin typeface="Courier"/>
+              <a:cs typeface="Courier"/>
+            </a:endParaRPr>
+          </a:p>
+          <a:p>
+            <a:r>
+              <a:rPr lang="en-US" sz="1200" dirty="0">
+                <a:latin typeface="Courier"/>
+                <a:cs typeface="Courier"/>
+              </a:rPr>
+              <a:t>            if let </a:t>
+            </a:r>
+            <a:r>
+              <a:rPr lang="en-US" sz="1200" dirty="0" err="1">
+                <a:latin typeface="Courier"/>
+                <a:cs typeface="Courier"/>
+              </a:rPr>
+              <a:t>countryInfo</a:t>
+            </a:r>
+            <a:r>
+              <a:rPr lang="en-US" sz="1200" dirty="0">
+                <a:latin typeface="Courier"/>
+                <a:cs typeface="Courier"/>
+              </a:rPr>
+              <a:t> = </a:t>
+            </a:r>
+            <a:r>
+              <a:rPr lang="en-US" sz="1200" dirty="0" err="1">
+                <a:latin typeface="Courier"/>
+                <a:cs typeface="Courier"/>
+              </a:rPr>
+              <a:t>myArray.first</a:t>
+            </a:r>
+            <a:r>
+              <a:rPr lang="en-US" sz="1200" dirty="0">
+                <a:latin typeface="Courier"/>
+                <a:cs typeface="Courier"/>
+              </a:rPr>
+              <a:t> {</a:t>
+            </a:r>
+          </a:p>
+          <a:p>
+            <a:r>
+              <a:rPr lang="en-US" sz="1200" dirty="0">
+                <a:latin typeface="Courier"/>
+                <a:cs typeface="Courier"/>
+              </a:rPr>
+              <a:t>                switch </a:t>
+            </a:r>
+            <a:r>
+              <a:rPr lang="en-US" sz="1200" dirty="0" err="1">
+                <a:latin typeface="Courier"/>
+                <a:cs typeface="Courier"/>
+              </a:rPr>
+              <a:t>countryInfo</a:t>
+            </a:r>
+            <a:r>
+              <a:rPr lang="en-US" sz="1200" dirty="0">
+                <a:latin typeface="Courier"/>
+                <a:cs typeface="Courier"/>
+              </a:rPr>
+              <a:t> {</a:t>
+            </a:r>
+          </a:p>
+          <a:p>
+            <a:r>
+              <a:rPr lang="mr-IN" sz="1200" dirty="0">
+                <a:latin typeface="Courier"/>
+                <a:cs typeface="Courier"/>
+              </a:rPr>
+              <a:t>                case .success(_):</a:t>
+            </a:r>
+          </a:p>
+          <a:p>
+            <a:r>
+              <a:rPr lang="mr-IN" sz="1200" dirty="0">
+                <a:latin typeface="Courier"/>
+                <a:cs typeface="Courier"/>
+              </a:rPr>
+              <a:t>                    XCTAssert(true)</a:t>
+            </a:r>
+          </a:p>
+          <a:p>
+            <a:r>
+              <a:rPr lang="mr-IN" sz="1200" dirty="0">
+                <a:latin typeface="Courier"/>
+                <a:cs typeface="Courier"/>
+              </a:rPr>
+              <a:t>                    break</a:t>
+            </a:r>
+          </a:p>
+          <a:p>
+            <a:r>
+              <a:rPr lang="mr-IN" sz="1200" dirty="0">
+                <a:latin typeface="Courier"/>
+                <a:cs typeface="Courier"/>
+              </a:rPr>
+              <a:t>                case .failure(_):</a:t>
+            </a:r>
+          </a:p>
+          <a:p>
+            <a:r>
+              <a:rPr lang="mr-IN" sz="1200" dirty="0">
+                <a:latin typeface="Courier"/>
+                <a:cs typeface="Courier"/>
+              </a:rPr>
+              <a:t>                    XCTAssert(false)</a:t>
+            </a:r>
+          </a:p>
+          <a:p>
+            <a:r>
+              <a:rPr lang="mr-IN" sz="1200" dirty="0">
+                <a:latin typeface="Courier"/>
+                <a:cs typeface="Courier"/>
+              </a:rPr>
+              <a:t>                    break</a:t>
+            </a:r>
+          </a:p>
+          <a:p>
+            <a:r>
+              <a:rPr lang="mr-IN" sz="1200" dirty="0">
+                <a:latin typeface="Courier"/>
+                <a:cs typeface="Courier"/>
+              </a:rPr>
+              <a:t>                }</a:t>
+            </a:r>
+          </a:p>
+          <a:p>
+            <a:r>
+              <a:rPr lang="mr-IN" sz="1200" dirty="0">
+                <a:latin typeface="Courier"/>
+                <a:cs typeface="Courier"/>
+              </a:rPr>
+              <a:t>            }</a:t>
+            </a:r>
+          </a:p>
+          <a:p>
+            <a:r>
+              <a:rPr lang="mr-IN" sz="1200" dirty="0">
+                <a:latin typeface="Courier"/>
+                <a:cs typeface="Courier"/>
+              </a:rPr>
+              <a:t>        } catch(let e) </a:t>
+            </a:r>
+            <a:r>
+              <a:rPr lang="mr-IN" sz="1200" dirty="0" smtClean="0">
+                <a:latin typeface="Courier"/>
+                <a:cs typeface="Courier"/>
+              </a:rPr>
+              <a:t>{</a:t>
+            </a:r>
+            <a:r>
+              <a:rPr lang="en-US" sz="1200" dirty="0" smtClean="0">
+                <a:latin typeface="Courier"/>
+                <a:cs typeface="Courier"/>
+              </a:rPr>
+              <a:t> </a:t>
+            </a:r>
+            <a:r>
+              <a:rPr lang="en-US" sz="1200" dirty="0" err="1" smtClean="0">
+                <a:latin typeface="Courier"/>
+                <a:cs typeface="Courier"/>
+              </a:rPr>
+              <a:t>XCTAssert</a:t>
+            </a:r>
+            <a:r>
+              <a:rPr lang="en-US" sz="1200" dirty="0">
+                <a:latin typeface="Courier"/>
+                <a:cs typeface="Courier"/>
+              </a:rPr>
+              <a:t>(false, </a:t>
+            </a:r>
+            <a:r>
+              <a:rPr lang="en-US" sz="1200" dirty="0" err="1">
+                <a:latin typeface="Courier"/>
+                <a:cs typeface="Courier"/>
+              </a:rPr>
+              <a:t>e.localizedDescription</a:t>
+            </a:r>
+            <a:r>
+              <a:rPr lang="en-US" sz="1200" dirty="0">
+                <a:latin typeface="Courier"/>
+                <a:cs typeface="Courier"/>
+              </a:rPr>
+              <a:t>)</a:t>
+            </a:r>
+          </a:p>
+          <a:p>
+            <a:r>
+              <a:rPr lang="mr-IN" sz="1200" dirty="0">
+                <a:latin typeface="Courier"/>
+                <a:cs typeface="Courier"/>
+              </a:rPr>
+              <a:t>        }</a:t>
+            </a:r>
+          </a:p>
+          <a:p>
+            <a:r>
+              <a:rPr lang="mr-IN" sz="1200" dirty="0">
+                <a:latin typeface="Courier"/>
+                <a:cs typeface="Courier"/>
+              </a:rPr>
+              <a:t>    }</a:t>
+            </a:r>
+            <a:endParaRPr lang="en-US" sz="1200" dirty="0">
+              <a:latin typeface="Courier"/>
+              <a:cs typeface="Courier"/>
+            </a:endParaRPr>
+          </a:p>
+        </p:txBody>
+      </p:sp>
+    </p:spTree>
+    <p:extLst>
+      <p:ext uri="{BB962C8B-B14F-4D97-AF65-F5344CB8AC3E}">
+        <p14:creationId xmlns:p14="http://schemas.microsoft.com/office/powerpoint/2010/main" val="1540600270"/>
       </p:ext>
     </p:extLst>
   </p:cSld>
@@ -8482,8 +11797,8 @@
               <a:buNone/>
             </a:pPr>
             <a:r>
-              <a:rPr lang="en-US" dirty="0" err="1" smtClean="0"/>
-              <a:t>RxTest</a:t>
+              <a:rPr lang="en-US" dirty="0" smtClean="0"/>
+              <a:t>Schedulers</a:t>
             </a:r>
             <a:endParaRPr lang="en" dirty="0"/>
           </a:p>
@@ -8566,8 +11881,8 @@
         </p:nvSpPr>
         <p:spPr>
           <a:xfrm>
-            <a:off x="303535" y="1465340"/>
-            <a:ext cx="8333429" cy="2800766"/>
+            <a:off x="0" y="1695936"/>
+            <a:ext cx="9105399" cy="2400657"/>
           </a:xfrm>
           <a:prstGeom prst="rect">
             <a:avLst/>
@@ -8580,133 +11895,142 @@
           <a:lstStyle/>
           <a:p>
             <a:pPr marL="285750" indent="-285750">
-              <a:buFontTx/>
-              <a:buChar char="-"/>
+              <a:buFont typeface="Arial"/>
+              <a:buChar char="•"/>
             </a:pPr>
             <a:r>
-              <a:rPr lang="en-US" sz="1600" dirty="0" err="1" smtClean="0"/>
-              <a:t>TestableObserver</a:t>
-            </a:r>
-            <a:r>
-              <a:rPr lang="en-US" sz="1600" dirty="0"/>
-              <a:t>&lt;</a:t>
-            </a:r>
-            <a:r>
-              <a:rPr lang="en-US" sz="1600" dirty="0" err="1"/>
-              <a:t>ElementType</a:t>
-            </a:r>
-            <a:r>
-              <a:rPr lang="en-US" sz="1600" dirty="0"/>
-              <a:t>&gt; - an observer, which records all emitted events so you can inspect them and run your asserts on those </a:t>
-            </a:r>
-            <a:r>
-              <a:rPr lang="en-US" sz="1600" dirty="0" smtClean="0"/>
-              <a:t>events</a:t>
+              <a:rPr lang="en-US" sz="1500" dirty="0" err="1"/>
+              <a:t>CurrentThreadScheduler</a:t>
+            </a:r>
+            <a:r>
+              <a:rPr lang="en-US" sz="1500" dirty="0"/>
+              <a:t> (Serial) – schedules on the current thread, this is also the default scheduler</a:t>
+            </a:r>
+            <a:r>
+              <a:rPr lang="en-US" sz="1500" dirty="0" smtClean="0"/>
+              <a:t>.</a:t>
             </a:r>
           </a:p>
           <a:p>
             <a:pPr marL="285750" indent="-285750">
-              <a:buFontTx/>
-              <a:buChar char="-"/>
+              <a:buFont typeface="Arial"/>
+              <a:buChar char="•"/>
             </a:pPr>
-            <a:endParaRPr lang="en-US" sz="1600" dirty="0" smtClean="0"/>
+            <a:endParaRPr lang="en-US" sz="1500" dirty="0"/>
           </a:p>
           <a:p>
             <a:pPr marL="285750" indent="-285750">
-              <a:buFontTx/>
-              <a:buChar char="-"/>
+              <a:buFont typeface="Arial"/>
+              <a:buChar char="•"/>
             </a:pPr>
             <a:r>
-              <a:rPr lang="en-US" sz="1600" dirty="0" err="1" smtClean="0"/>
-              <a:t>TestScheduler</a:t>
-            </a:r>
-            <a:r>
-              <a:rPr lang="en-US" sz="1600" dirty="0" smtClean="0"/>
-              <a:t> </a:t>
-            </a:r>
-            <a:r>
-              <a:rPr lang="en-US" sz="1600" dirty="0"/>
-              <a:t>- a scheduler which let’s you control values and time, and let’s you create testable </a:t>
-            </a:r>
-            <a:r>
-              <a:rPr lang="en-US" sz="1600" dirty="0" smtClean="0"/>
-              <a:t>observers</a:t>
+              <a:rPr lang="en-US" sz="1500" dirty="0" err="1"/>
+              <a:t>MainScheduler</a:t>
+            </a:r>
+            <a:r>
+              <a:rPr lang="en-US" sz="1500" dirty="0"/>
+              <a:t> (Serial) – schedules on the main thread</a:t>
+            </a:r>
+            <a:r>
+              <a:rPr lang="en-US" sz="1500" dirty="0" smtClean="0"/>
+              <a:t>.</a:t>
             </a:r>
           </a:p>
           <a:p>
             <a:pPr marL="285750" indent="-285750">
-              <a:buFontTx/>
-              <a:buChar char="-"/>
+              <a:buFont typeface="Arial"/>
+              <a:buChar char="•"/>
             </a:pPr>
-            <a:endParaRPr lang="en-US" sz="1600" dirty="0" smtClean="0"/>
+            <a:endParaRPr lang="en-US" sz="1500" dirty="0"/>
           </a:p>
           <a:p>
             <a:pPr marL="285750" indent="-285750">
-              <a:buFontTx/>
-              <a:buChar char="-"/>
+              <a:buFont typeface="Arial"/>
+              <a:buChar char="•"/>
             </a:pPr>
             <a:r>
-              <a:rPr lang="en-US" sz="1600" dirty="0" err="1" smtClean="0"/>
-              <a:t>TestObservable</a:t>
-            </a:r>
-            <a:r>
-              <a:rPr lang="en-US" sz="1600" dirty="0"/>
-              <a:t> - </a:t>
-            </a:r>
-            <a:r>
-              <a:rPr lang="en-US" sz="1600" dirty="0" smtClean="0"/>
-              <a:t>Observable</a:t>
-            </a:r>
-            <a:r>
-              <a:rPr lang="en-US" sz="1600" dirty="0"/>
-              <a:t>, where you can pass what events should it send at given </a:t>
-            </a:r>
-            <a:r>
-              <a:rPr lang="en-US" sz="1600" dirty="0" smtClean="0"/>
-              <a:t>schedule</a:t>
+              <a:rPr lang="en-US" sz="1500" dirty="0" err="1"/>
+              <a:t>SerialDispatchQueueScheduler</a:t>
+            </a:r>
+            <a:r>
+              <a:rPr lang="en-US" sz="1500" dirty="0"/>
+              <a:t> (Serial) – schedules on a specific queue (</a:t>
+            </a:r>
+            <a:r>
+              <a:rPr lang="en-US" sz="1500" dirty="0" err="1"/>
+              <a:t>dispatch_queue_t</a:t>
+            </a:r>
+            <a:r>
+              <a:rPr lang="en-US" sz="1500" dirty="0"/>
+              <a:t>)</a:t>
+            </a:r>
+            <a:r>
+              <a:rPr lang="en-US" sz="1500" dirty="0" smtClean="0"/>
+              <a:t>.</a:t>
             </a:r>
           </a:p>
           <a:p>
             <a:pPr marL="285750" indent="-285750">
-              <a:buFontTx/>
-              <a:buChar char="-"/>
+              <a:buFont typeface="Arial"/>
+              <a:buChar char="•"/>
             </a:pPr>
-            <a:endParaRPr lang="en-US" sz="1600" dirty="0" smtClean="0"/>
+            <a:endParaRPr lang="en-US" sz="1500" dirty="0"/>
           </a:p>
           <a:p>
             <a:pPr marL="285750" indent="-285750">
-              <a:buFontTx/>
-              <a:buChar char="-"/>
+              <a:buFont typeface="Arial"/>
+              <a:buChar char="•"/>
             </a:pPr>
             <a:r>
-              <a:rPr lang="en-US" sz="1600" dirty="0" smtClean="0"/>
-              <a:t>=</a:t>
-            </a:r>
-            <a:r>
-              <a:rPr lang="en-US" sz="1600" dirty="0"/>
-              <a:t>= (lhs: Event&lt;Element&gt;, </a:t>
-            </a:r>
-            <a:r>
-              <a:rPr lang="en-US" sz="1600" dirty="0" err="1"/>
-              <a:t>rhs</a:t>
-            </a:r>
-            <a:r>
-              <a:rPr lang="en-US" sz="1600" dirty="0"/>
-              <a:t>: Event&lt;Element&gt;) adds </a:t>
-            </a:r>
-            <a:r>
-              <a:rPr lang="en-US" sz="1600" dirty="0" err="1"/>
-              <a:t>Equatable</a:t>
-            </a:r>
-            <a:r>
-              <a:rPr lang="en-US" sz="1600" dirty="0"/>
-              <a:t> implementation to Rx events so you can easily check recorded </a:t>
-            </a:r>
-            <a:r>
-              <a:rPr lang="en-US" sz="1600" dirty="0" smtClean="0"/>
-              <a:t>events</a:t>
-            </a:r>
-            <a:endParaRPr lang="en-US" sz="1600" dirty="0"/>
+              <a:rPr lang="en-US" sz="1500" dirty="0" err="1"/>
+              <a:t>ConcurrentDispatchQueueScheduler</a:t>
+            </a:r>
+            <a:r>
+              <a:rPr lang="en-US" sz="1500" dirty="0"/>
+              <a:t> (Concurrent) – schedules on a specific queue (</a:t>
+            </a:r>
+            <a:r>
+              <a:rPr lang="en-US" sz="1500" dirty="0" err="1"/>
+              <a:t>dispatch_queue_t</a:t>
+            </a:r>
+            <a:r>
+              <a:rPr lang="en-US" sz="1500" dirty="0"/>
+              <a:t>)</a:t>
+            </a:r>
+            <a:r>
+              <a:rPr lang="en-US" sz="1500" dirty="0" smtClean="0"/>
+              <a:t>.</a:t>
+            </a:r>
+          </a:p>
+          <a:p>
+            <a:pPr marL="285750" indent="-285750">
+              <a:buFont typeface="Arial"/>
+              <a:buChar char="•"/>
+            </a:pPr>
+            <a:endParaRPr lang="en-US" sz="1500" dirty="0"/>
+          </a:p>
+          <a:p>
+            <a:pPr marL="285750" indent="-285750">
+              <a:buFont typeface="Arial"/>
+              <a:buChar char="•"/>
+            </a:pPr>
+            <a:r>
+              <a:rPr lang="en-US" sz="1500" dirty="0" err="1"/>
+              <a:t>OperationQueueScheduler</a:t>
+            </a:r>
+            <a:r>
+              <a:rPr lang="en-US" sz="1500" dirty="0"/>
+              <a:t> (Concurrent) – schedules on a specific queue (</a:t>
+            </a:r>
+            <a:r>
+              <a:rPr lang="en-US" sz="1500" dirty="0" err="1"/>
+              <a:t>NSOperationQueue</a:t>
+            </a:r>
+            <a:r>
+              <a:rPr lang="en-US" sz="1500" dirty="0"/>
+              <a:t>).</a:t>
+            </a:r>
+            <a:endParaRPr lang="en-US" sz="1500" dirty="0" smtClean="0"/>
           </a:p>
         </p:txBody>
       </p:sp>
@@ -8759,8 +12083,8 @@
         </p:nvSpPr>
         <p:spPr>
           <a:xfrm>
-            <a:off x="814275" y="392575"/>
-            <a:ext cx="5258400" cy="766200"/>
+            <a:off x="1052178" y="392575"/>
+            <a:ext cx="4539261" cy="766200"/>
           </a:xfrm>
           <a:prstGeom prst="rect">
             <a:avLst/>
@@ -8780,7 +12104,7 @@
             </a:pPr>
             <a:r>
               <a:rPr lang="en-US" dirty="0" err="1" smtClean="0"/>
-              <a:t>RxTest</a:t>
+              <a:t>MainScheduler</a:t>
             </a:r>
             <a:endParaRPr lang="en" dirty="0"/>
           </a:p>
@@ -8798,8 +12122,8 @@
         </p:nvSpPr>
         <p:spPr>
           <a:xfrm>
-            <a:off x="7618000" y="4636500"/>
-            <a:ext cx="1487400" cy="315600"/>
+            <a:off x="7955818" y="4636500"/>
+            <a:ext cx="1149581" cy="315600"/>
           </a:xfrm>
           <a:prstGeom prst="rect">
             <a:avLst/>
@@ -8821,7 +12145,7 @@
               <a:rPr lang="en"/>
               <a:t>9</a:t>
             </a:fld>
-            <a:endParaRPr lang="en"/>
+            <a:endParaRPr lang="en" dirty="0"/>
           </a:p>
         </p:txBody>
       </p:sp>
@@ -8857,14 +12181,90 @@
       </p:pic>
       <p:sp>
         <p:nvSpPr>
-          <p:cNvPr id="3" name="TextBox 2"/>
+          <p:cNvPr id="4" name="Rectangle 3"/>
+          <p:cNvSpPr/>
+          <p:nvPr/>
+        </p:nvSpPr>
+        <p:spPr>
+          <a:xfrm>
+            <a:off x="232488" y="1695936"/>
+            <a:ext cx="8675058" cy="1477328"/>
+          </a:xfrm>
+          <a:prstGeom prst="rect">
+            <a:avLst/>
+          </a:prstGeom>
+        </p:spPr>
+        <p:txBody>
+          <a:bodyPr wrap="square">
+            <a:spAutoFit/>
+          </a:bodyPr>
+          <a:lstStyle/>
+          <a:p>
+            <a:r>
+              <a:rPr lang="en-US" sz="1800" i="1" dirty="0"/>
+              <a:t>Abstracts work that needs to be performed on </a:t>
+            </a:r>
+            <a:r>
+              <a:rPr lang="en-US" sz="1800" i="1" dirty="0" err="1"/>
+              <a:t>MainThread</a:t>
+            </a:r>
+            <a:r>
+              <a:rPr lang="en-US" sz="1800" i="1" dirty="0"/>
+              <a:t>. In case schedule </a:t>
+            </a:r>
+            <a:endParaRPr lang="en-US" sz="1800" i="1" dirty="0" smtClean="0"/>
+          </a:p>
+          <a:p>
+            <a:endParaRPr lang="en-US" sz="1800" i="1" dirty="0"/>
+          </a:p>
+          <a:p>
+            <a:r>
+              <a:rPr lang="en-US" sz="1800" i="1" dirty="0" smtClean="0"/>
+              <a:t>methods </a:t>
+            </a:r>
+            <a:r>
+              <a:rPr lang="en-US" sz="1800" i="1" dirty="0"/>
+              <a:t>are called from the main thread, it will perform the action </a:t>
+            </a:r>
+            <a:r>
+              <a:rPr lang="en-US" sz="1800" i="1" dirty="0" smtClean="0"/>
+              <a:t>immediately</a:t>
+            </a:r>
+          </a:p>
+          <a:p>
+            <a:endParaRPr lang="en-US" sz="1800" i="1" dirty="0"/>
+          </a:p>
+          <a:p>
+            <a:r>
+              <a:rPr lang="en-US" sz="1800" i="1" dirty="0" smtClean="0"/>
+              <a:t> </a:t>
+            </a:r>
+            <a:r>
+              <a:rPr lang="en-US" sz="1800" i="1" dirty="0"/>
+              <a:t>without </a:t>
+            </a:r>
+            <a:r>
+              <a:rPr lang="en-US" sz="1800" i="1" dirty="0" err="1"/>
+              <a:t>scheduling.This</a:t>
+            </a:r>
+            <a:r>
+              <a:rPr lang="en-US" sz="1800" i="1" dirty="0"/>
+              <a:t> scheduler is usually used to perform UI work.</a:t>
+            </a:r>
+            <a:endParaRPr lang="en-US" sz="1800" i="1" dirty="0" smtClean="0"/>
+          </a:p>
+        </p:txBody>
+      </p:sp>
+      <p:sp>
+        <p:nvSpPr>
+          <p:cNvPr id="6" name="TextBox 5"/>
           <p:cNvSpPr txBox="1"/>
           <p:nvPr/>
         </p:nvSpPr>
         <p:spPr>
           <a:xfrm>
-            <a:off x="1142462" y="1613657"/>
-            <a:ext cx="5032936" cy="1815882"/>
+            <a:off x="1815271" y="3944467"/>
+            <a:ext cx="2593065" cy="307777"/>
           </a:xfrm>
           <a:prstGeom prst="rect">
             <a:avLst/>
@@ -8878,164 +12278,13 @@
           <a:lstStyle/>
           <a:p>
             <a:r>
-              <a:rPr lang="en-US" dirty="0" err="1">
-                <a:latin typeface="Courier"/>
-                <a:cs typeface="Courier"/>
-              </a:rPr>
-              <a:t>struct</a:t>
-            </a:r>
-            <a:r>
-              <a:rPr lang="en-US" dirty="0">
-                <a:latin typeface="Courier"/>
-                <a:cs typeface="Courier"/>
-              </a:rPr>
-              <a:t> </a:t>
-            </a:r>
-            <a:r>
-              <a:rPr lang="en-US" dirty="0" err="1">
-                <a:latin typeface="Courier"/>
-                <a:cs typeface="Courier"/>
-              </a:rPr>
-              <a:t>CornSorter</a:t>
-            </a:r>
-            <a:r>
-              <a:rPr lang="en-US" dirty="0">
-                <a:latin typeface="Courier"/>
-                <a:cs typeface="Courier"/>
-              </a:rPr>
-              <a:t> {</a:t>
-            </a:r>
-          </a:p>
-          <a:p>
-            <a:r>
-              <a:rPr lang="en-US" dirty="0">
-                <a:latin typeface="Courier"/>
-                <a:cs typeface="Courier"/>
-              </a:rPr>
-              <a:t>    let </a:t>
-            </a:r>
-            <a:r>
-              <a:rPr lang="en-US" dirty="0" err="1">
-                <a:latin typeface="Courier"/>
-                <a:cs typeface="Courier"/>
-              </a:rPr>
-              <a:t>barnStream</a:t>
-            </a:r>
-            <a:r>
-              <a:rPr lang="en-US" dirty="0">
-                <a:latin typeface="Courier"/>
-                <a:cs typeface="Courier"/>
-              </a:rPr>
-              <a:t>: Observable&lt;String&gt;</a:t>
-            </a:r>
-          </a:p>
-          <a:p>
-            <a:r>
-              <a:rPr lang="mr-IN" dirty="0">
-                <a:latin typeface="Courier"/>
-                <a:cs typeface="Courier"/>
-              </a:rPr>
-              <a:t>    </a:t>
-            </a:r>
-          </a:p>
-          <a:p>
-            <a:r>
-              <a:rPr lang="en-US" dirty="0">
-                <a:latin typeface="Courier"/>
-                <a:cs typeface="Courier"/>
-              </a:rPr>
-              <a:t>    </a:t>
-            </a:r>
-            <a:r>
-              <a:rPr lang="en-US" dirty="0" err="1">
-                <a:latin typeface="Courier"/>
-                <a:cs typeface="Courier"/>
-              </a:rPr>
-              <a:t>init</a:t>
-            </a:r>
-            <a:r>
-              <a:rPr lang="en-US" dirty="0">
-                <a:latin typeface="Courier"/>
-                <a:cs typeface="Courier"/>
-              </a:rPr>
-              <a:t>(</a:t>
-            </a:r>
-            <a:r>
-              <a:rPr lang="en-US" dirty="0" err="1">
-                <a:latin typeface="Courier"/>
-                <a:cs typeface="Courier"/>
-              </a:rPr>
-              <a:t>tractorStream</a:t>
-            </a:r>
-            <a:r>
-              <a:rPr lang="en-US" dirty="0">
-                <a:latin typeface="Courier"/>
-                <a:cs typeface="Courier"/>
-              </a:rPr>
-              <a:t>: Observable&lt;String&gt;) {</a:t>
-            </a:r>
-          </a:p>
-          <a:p>
-            <a:r>
-              <a:rPr lang="en-US" dirty="0">
-                <a:latin typeface="Courier"/>
-                <a:cs typeface="Courier"/>
-              </a:rPr>
-              <a:t>        </a:t>
-            </a:r>
-            <a:r>
-              <a:rPr lang="en-US" dirty="0" err="1">
-                <a:latin typeface="Courier"/>
-                <a:cs typeface="Courier"/>
-              </a:rPr>
-              <a:t>barnStream</a:t>
-            </a:r>
-            <a:r>
-              <a:rPr lang="en-US" dirty="0">
-                <a:latin typeface="Courier"/>
-                <a:cs typeface="Courier"/>
-              </a:rPr>
-              <a:t> = </a:t>
-            </a:r>
-            <a:r>
-              <a:rPr lang="en-US" dirty="0" err="1">
-                <a:latin typeface="Courier"/>
-                <a:cs typeface="Courier"/>
-              </a:rPr>
-              <a:t>tractorStream</a:t>
-            </a:r>
-            <a:endParaRPr lang="en-US" dirty="0">
-              <a:latin typeface="Courier"/>
-              <a:cs typeface="Courier"/>
-            </a:endParaRPr>
-          </a:p>
-          <a:p>
-            <a:r>
-              <a:rPr lang="mr-IN" dirty="0">
-                <a:latin typeface="Courier"/>
-                <a:cs typeface="Courier"/>
-              </a:rPr>
-              <a:t>            .filter { $0 == "🌽" }</a:t>
-            </a:r>
-          </a:p>
-          <a:p>
-            <a:r>
-              <a:rPr lang="mr-IN" dirty="0">
-                <a:latin typeface="Courier"/>
-                <a:cs typeface="Courier"/>
-              </a:rPr>
-              <a:t>    }</a:t>
-            </a:r>
-          </a:p>
-          <a:p>
-            <a:r>
-              <a:rPr lang="mr-IN" dirty="0">
-                <a:latin typeface="Courier"/>
-                <a:cs typeface="Courier"/>
-              </a:rPr>
-              <a:t>}</a:t>
-            </a:r>
-            <a:endParaRPr lang="en-US" dirty="0">
+              <a:rPr lang="en-US" i="1" dirty="0" err="1" smtClean="0">
+                <a:latin typeface="Courier"/>
+                <a:cs typeface="Courier"/>
+              </a:rPr>
+              <a:t>MainScheduler.instance</a:t>
+            </a:r>
+            <a:endParaRPr lang="en-US" i="1" dirty="0">
               <a:latin typeface="Courier"/>
               <a:cs typeface="Courier"/>
             </a:endParaRPr>
@@ -9045,7 +12294,7 @@
     </p:spTree>
     <p:extLst>
       <p:ext uri="{BB962C8B-B14F-4D97-AF65-F5344CB8AC3E}">
-        <p14:creationId xmlns:p14="http://schemas.microsoft.com/office/powerpoint/2010/main" val="3507461021"/>
+        <p14:creationId xmlns:p14="http://schemas.microsoft.com/office/powerpoint/2010/main" val="170841983"/>
       </p:ext>
     </p:extLst>
   </p:cSld>

--- a/AdvancedRxSwift/day5/AdvancedRxSwift5.pptx
+++ b/AdvancedRxSwift/day5/AdvancedRxSwift5.pptx
@@ -5840,28 +5840,40 @@
           <a:lstStyle/>
           <a:p>
             <a:r>
-              <a:rPr lang="en-US" i="1" dirty="0" err="1">
+              <a:rPr lang="en-US" b="1" i="1" dirty="0" err="1">
+                <a:solidFill>
+                  <a:srgbClr val="3366FF"/>
+                </a:solidFill>
                 <a:latin typeface="Courier"/>
                 <a:cs typeface="Courier"/>
               </a:rPr>
               <a:t>SerialDispatchQueueScheduler</a:t>
             </a:r>
             <a:r>
-              <a:rPr lang="en-US" i="1" dirty="0">
+              <a:rPr lang="en-US" b="1" i="1" dirty="0">
+                <a:solidFill>
+                  <a:srgbClr val="3366FF"/>
+                </a:solidFill>
                 <a:latin typeface="Courier"/>
                 <a:cs typeface="Courier"/>
               </a:rPr>
               <a:t>(</a:t>
             </a:r>
             <a:r>
-              <a:rPr lang="en-US" i="1" dirty="0" err="1">
+              <a:rPr lang="en-US" b="1" i="1" dirty="0" err="1">
+                <a:solidFill>
+                  <a:srgbClr val="3366FF"/>
+                </a:solidFill>
                 <a:latin typeface="Courier"/>
                 <a:cs typeface="Courier"/>
               </a:rPr>
               <a:t>qos</a:t>
             </a:r>
             <a:r>
-              <a:rPr lang="en-US" i="1" dirty="0">
+              <a:rPr lang="en-US" b="1" i="1" dirty="0">
+                <a:solidFill>
+                  <a:srgbClr val="3366FF"/>
+                </a:solidFill>
                 <a:latin typeface="Courier"/>
                 <a:cs typeface="Courier"/>
               </a:rPr>
@@ -6071,7 +6083,6 @@
               <a:rPr lang="en-US" sz="1800" i="1" dirty="0"/>
               <a:t>scheduler is suitable when some work needs to be performed in the background.</a:t>
             </a:r>
-            <a:endParaRPr lang="en-US" sz="1800" i="1" dirty="0"/>
           </a:p>
         </p:txBody>
       </p:sp>
@@ -6098,35 +6109,50 @@
           <a:lstStyle/>
           <a:p>
             <a:r>
-              <a:rPr lang="en-US" i="1" dirty="0" err="1" smtClean="0">
+              <a:rPr lang="en-US" b="1" i="1" dirty="0" err="1" smtClean="0">
+                <a:solidFill>
+                  <a:srgbClr val="3366FF"/>
+                </a:solidFill>
                 <a:latin typeface="Courier"/>
                 <a:cs typeface="Courier"/>
               </a:rPr>
               <a:t>ConcurrentDispatchQueueScheduler</a:t>
             </a:r>
             <a:r>
-              <a:rPr lang="en-US" i="1" dirty="0">
+              <a:rPr lang="en-US" b="1" i="1" dirty="0">
+                <a:solidFill>
+                  <a:srgbClr val="3366FF"/>
+                </a:solidFill>
                 <a:latin typeface="Courier"/>
                 <a:cs typeface="Courier"/>
               </a:rPr>
               <a:t>(</a:t>
             </a:r>
             <a:r>
-              <a:rPr lang="en-US" i="1" dirty="0" err="1">
+              <a:rPr lang="en-US" b="1" i="1" dirty="0" err="1">
+                <a:solidFill>
+                  <a:srgbClr val="3366FF"/>
+                </a:solidFill>
                 <a:latin typeface="Courier"/>
                 <a:cs typeface="Courier"/>
               </a:rPr>
               <a:t>qos</a:t>
             </a:r>
             <a:r>
-              <a:rPr lang="en-US" i="1" dirty="0">
+              <a:rPr lang="en-US" b="1" i="1" dirty="0">
+                <a:solidFill>
+                  <a:srgbClr val="3366FF"/>
+                </a:solidFill>
                 <a:latin typeface="Courier"/>
                 <a:cs typeface="Courier"/>
               </a:rPr>
               <a:t>: .background</a:t>
             </a:r>
             <a:r>
-              <a:rPr lang="en-US" i="1" dirty="0" smtClean="0">
+              <a:rPr lang="en-US" b="1" i="1" dirty="0" smtClean="0">
+                <a:solidFill>
+                  <a:srgbClr val="3366FF"/>
+                </a:solidFill>
                 <a:latin typeface="Courier"/>
                 <a:cs typeface="Courier"/>
               </a:rPr>
@@ -6134,42 +6160,60 @@
             </a:r>
           </a:p>
           <a:p>
-            <a:endParaRPr lang="en-US" i="1" dirty="0">
+            <a:endParaRPr lang="en-US" b="1" i="1" dirty="0">
+              <a:solidFill>
+                <a:srgbClr val="3366FF"/>
+              </a:solidFill>
               <a:latin typeface="Courier"/>
               <a:cs typeface="Courier"/>
             </a:endParaRPr>
           </a:p>
           <a:p>
             <a:r>
-              <a:rPr lang="en-US" i="1" dirty="0" err="1" smtClean="0">
+              <a:rPr lang="en-US" b="1" i="1" dirty="0" err="1" smtClean="0">
+                <a:solidFill>
+                  <a:srgbClr val="3366FF"/>
+                </a:solidFill>
                 <a:latin typeface="Courier"/>
                 <a:cs typeface="Courier"/>
               </a:rPr>
               <a:t>ConcurrentDispatchQueueScheduler</a:t>
             </a:r>
             <a:r>
-              <a:rPr lang="en-US" i="1" dirty="0">
+              <a:rPr lang="en-US" b="1" i="1" dirty="0">
+                <a:solidFill>
+                  <a:srgbClr val="3366FF"/>
+                </a:solidFill>
                 <a:latin typeface="Courier"/>
                 <a:cs typeface="Courier"/>
               </a:rPr>
               <a:t>(queue</a:t>
             </a:r>
             <a:r>
-              <a:rPr lang="en-US" i="1" dirty="0" smtClean="0">
+              <a:rPr lang="en-US" b="1" i="1" dirty="0" smtClean="0">
+                <a:solidFill>
+                  <a:srgbClr val="3366FF"/>
+                </a:solidFill>
                 <a:latin typeface="Courier"/>
                 <a:cs typeface="Courier"/>
               </a:rPr>
               <a:t>: </a:t>
             </a:r>
             <a:r>
-              <a:rPr lang="en-US" i="1" dirty="0" err="1" smtClean="0">
+              <a:rPr lang="en-US" b="1" i="1" dirty="0" err="1" smtClean="0">
+                <a:solidFill>
+                  <a:srgbClr val="3366FF"/>
+                </a:solidFill>
                 <a:latin typeface="Courier"/>
                 <a:cs typeface="Courier"/>
               </a:rPr>
               <a:t>DispatchQueue.global</a:t>
             </a:r>
             <a:r>
-              <a:rPr lang="en-US" i="1" dirty="0">
+              <a:rPr lang="en-US" b="1" i="1" dirty="0">
+                <a:solidFill>
+                  <a:srgbClr val="3366FF"/>
+                </a:solidFill>
                 <a:latin typeface="Courier"/>
                 <a:cs typeface="Courier"/>
               </a:rPr>
@@ -6404,7 +6448,6 @@
               <a:rPr lang="en-US" sz="1800" i="1" dirty="0"/>
               <a:t>.</a:t>
             </a:r>
-            <a:endParaRPr lang="en-US" sz="1800" i="1" dirty="0"/>
           </a:p>
         </p:txBody>
       </p:sp>
@@ -12278,13 +12321,19 @@
           <a:lstStyle/>
           <a:p>
             <a:r>
-              <a:rPr lang="en-US" i="1" dirty="0" err="1" smtClean="0">
+              <a:rPr lang="en-US" b="1" i="1" dirty="0" err="1" smtClean="0">
+                <a:solidFill>
+                  <a:srgbClr val="3366FF"/>
+                </a:solidFill>
                 <a:latin typeface="Courier"/>
                 <a:cs typeface="Courier"/>
               </a:rPr>
               <a:t>MainScheduler.instance</a:t>
             </a:r>
-            <a:endParaRPr lang="en-US" i="1" dirty="0">
+            <a:endParaRPr lang="en-US" b="1" i="1" dirty="0">
+              <a:solidFill>
+                <a:srgbClr val="3366FF"/>
+              </a:solidFill>
               <a:latin typeface="Courier"/>
               <a:cs typeface="Courier"/>
             </a:endParaRPr>
